--- a/0304 연구 계획서 발표.pptx
+++ b/0304 연구 계획서 발표.pptx
@@ -5,19 +5,20 @@
     <p:sldMasterId id="2147483648" r:id="rId1"/>
   </p:sldMasterIdLst>
   <p:notesMasterIdLst>
-    <p:notesMasterId r:id="rId12"/>
+    <p:notesMasterId r:id="rId13"/>
   </p:notesMasterIdLst>
   <p:sldIdLst>
     <p:sldId id="256" r:id="rId2"/>
-    <p:sldId id="257" r:id="rId3"/>
-    <p:sldId id="258" r:id="rId4"/>
-    <p:sldId id="259" r:id="rId5"/>
-    <p:sldId id="260" r:id="rId6"/>
-    <p:sldId id="261" r:id="rId7"/>
-    <p:sldId id="262" r:id="rId8"/>
-    <p:sldId id="263" r:id="rId9"/>
-    <p:sldId id="264" r:id="rId10"/>
-    <p:sldId id="265" r:id="rId11"/>
+    <p:sldId id="266" r:id="rId3"/>
+    <p:sldId id="257" r:id="rId4"/>
+    <p:sldId id="258" r:id="rId5"/>
+    <p:sldId id="259" r:id="rId6"/>
+    <p:sldId id="260" r:id="rId7"/>
+    <p:sldId id="261" r:id="rId8"/>
+    <p:sldId id="262" r:id="rId9"/>
+    <p:sldId id="263" r:id="rId10"/>
+    <p:sldId id="264" r:id="rId11"/>
+    <p:sldId id="265" r:id="rId12"/>
   </p:sldIdLst>
   <p:sldSz cx="12192000" cy="6858000"/>
   <p:notesSz cx="6858000" cy="9144000"/>
@@ -206,7 +207,7 @@
           <a:p>
             <a:fld id="{AA832DD1-B250-4594-AE05-0176F1F4A214}" type="datetimeFigureOut">
               <a:rPr lang="ko-KR" altLang="en-US" smtClean="0"/>
-              <a:t>2025-03-05</a:t>
+              <a:t>2025. 3. 5.</a:t>
             </a:fld>
             <a:endParaRPr lang="ko-KR" altLang="en-US"/>
           </a:p>
@@ -270,38 +271,37 @@
           <a:p>
             <a:pPr lvl="0"/>
             <a:r>
-              <a:rPr lang="ko-KR" altLang="en-US" smtClean="0"/>
+              <a:rPr lang="ko-KR" altLang="en-US"/>
               <a:t>마스터 텍스트 스타일 편집</a:t>
             </a:r>
           </a:p>
           <a:p>
             <a:pPr lvl="1"/>
             <a:r>
-              <a:rPr lang="ko-KR" altLang="en-US" smtClean="0"/>
+              <a:rPr lang="ko-KR" altLang="en-US"/>
               <a:t>둘째 수준</a:t>
             </a:r>
           </a:p>
           <a:p>
             <a:pPr lvl="2"/>
             <a:r>
-              <a:rPr lang="ko-KR" altLang="en-US" smtClean="0"/>
+              <a:rPr lang="ko-KR" altLang="en-US"/>
               <a:t>셋째 수준</a:t>
             </a:r>
           </a:p>
           <a:p>
             <a:pPr lvl="3"/>
             <a:r>
-              <a:rPr lang="ko-KR" altLang="en-US" smtClean="0"/>
+              <a:rPr lang="ko-KR" altLang="en-US"/>
               <a:t>넷째 수준</a:t>
             </a:r>
           </a:p>
           <a:p>
             <a:pPr lvl="4"/>
             <a:r>
-              <a:rPr lang="ko-KR" altLang="en-US" smtClean="0"/>
+              <a:rPr lang="ko-KR" altLang="en-US"/>
               <a:t>다섯째 수준</a:t>
             </a:r>
-            <a:endParaRPr lang="ko-KR" altLang="en-US"/>
           </a:p>
         </p:txBody>
       </p:sp>
@@ -516,10 +516,9 @@
           </a:lstStyle>
           <a:p>
             <a:r>
-              <a:rPr lang="ko-KR" altLang="en-US" smtClean="0"/>
+              <a:rPr lang="ko-KR" altLang="en-US"/>
               <a:t>마스터 제목 스타일 편집</a:t>
             </a:r>
-            <a:endParaRPr lang="ko-KR" altLang="en-US"/>
           </a:p>
         </p:txBody>
       </p:sp>
@@ -581,10 +580,9 @@
           </a:lstStyle>
           <a:p>
             <a:r>
-              <a:rPr lang="ko-KR" altLang="en-US" smtClean="0"/>
+              <a:rPr lang="ko-KR" altLang="en-US"/>
               <a:t>클릭하여 마스터 부제목 스타일 편집</a:t>
             </a:r>
-            <a:endParaRPr lang="ko-KR" altLang="en-US"/>
           </a:p>
         </p:txBody>
       </p:sp>
@@ -605,7 +603,7 @@
           <a:p>
             <a:fld id="{B3EEB5E7-183B-46BB-AB6C-7195E161E4BB}" type="datetimeFigureOut">
               <a:rPr lang="ko-KR" altLang="en-US" smtClean="0"/>
-              <a:t>2025-03-05</a:t>
+              <a:t>2025. 3. 5.</a:t>
             </a:fld>
             <a:endParaRPr lang="ko-KR" altLang="en-US"/>
           </a:p>
@@ -699,10 +697,9 @@
           <a:lstStyle/>
           <a:p>
             <a:r>
-              <a:rPr lang="ko-KR" altLang="en-US" smtClean="0"/>
+              <a:rPr lang="ko-KR" altLang="en-US"/>
               <a:t>마스터 제목 스타일 편집</a:t>
             </a:r>
-            <a:endParaRPr lang="ko-KR" altLang="en-US"/>
           </a:p>
         </p:txBody>
       </p:sp>
@@ -723,38 +720,37 @@
           <a:p>
             <a:pPr lvl="0"/>
             <a:r>
-              <a:rPr lang="ko-KR" altLang="en-US" smtClean="0"/>
+              <a:rPr lang="ko-KR" altLang="en-US"/>
               <a:t>마스터 텍스트 스타일 편집</a:t>
             </a:r>
           </a:p>
           <a:p>
             <a:pPr lvl="1"/>
             <a:r>
-              <a:rPr lang="ko-KR" altLang="en-US" smtClean="0"/>
+              <a:rPr lang="ko-KR" altLang="en-US"/>
               <a:t>둘째 수준</a:t>
             </a:r>
           </a:p>
           <a:p>
             <a:pPr lvl="2"/>
             <a:r>
-              <a:rPr lang="ko-KR" altLang="en-US" smtClean="0"/>
+              <a:rPr lang="ko-KR" altLang="en-US"/>
               <a:t>셋째 수준</a:t>
             </a:r>
           </a:p>
           <a:p>
             <a:pPr lvl="3"/>
             <a:r>
-              <a:rPr lang="ko-KR" altLang="en-US" smtClean="0"/>
+              <a:rPr lang="ko-KR" altLang="en-US"/>
               <a:t>넷째 수준</a:t>
             </a:r>
           </a:p>
           <a:p>
             <a:pPr lvl="4"/>
             <a:r>
-              <a:rPr lang="ko-KR" altLang="en-US" smtClean="0"/>
+              <a:rPr lang="ko-KR" altLang="en-US"/>
               <a:t>다섯째 수준</a:t>
             </a:r>
-            <a:endParaRPr lang="ko-KR" altLang="en-US"/>
           </a:p>
         </p:txBody>
       </p:sp>
@@ -775,7 +771,7 @@
           <a:p>
             <a:fld id="{B3EEB5E7-183B-46BB-AB6C-7195E161E4BB}" type="datetimeFigureOut">
               <a:rPr lang="ko-KR" altLang="en-US" smtClean="0"/>
-              <a:t>2025-03-05</a:t>
+              <a:t>2025. 3. 5.</a:t>
             </a:fld>
             <a:endParaRPr lang="ko-KR" altLang="en-US"/>
           </a:p>
@@ -874,10 +870,9 @@
           <a:lstStyle/>
           <a:p>
             <a:r>
-              <a:rPr lang="ko-KR" altLang="en-US" smtClean="0"/>
+              <a:rPr lang="ko-KR" altLang="en-US"/>
               <a:t>마스터 제목 스타일 편집</a:t>
             </a:r>
-            <a:endParaRPr lang="ko-KR" altLang="en-US"/>
           </a:p>
         </p:txBody>
       </p:sp>
@@ -903,38 +898,37 @@
           <a:p>
             <a:pPr lvl="0"/>
             <a:r>
-              <a:rPr lang="ko-KR" altLang="en-US" smtClean="0"/>
+              <a:rPr lang="ko-KR" altLang="en-US"/>
               <a:t>마스터 텍스트 스타일 편집</a:t>
             </a:r>
           </a:p>
           <a:p>
             <a:pPr lvl="1"/>
             <a:r>
-              <a:rPr lang="ko-KR" altLang="en-US" smtClean="0"/>
+              <a:rPr lang="ko-KR" altLang="en-US"/>
               <a:t>둘째 수준</a:t>
             </a:r>
           </a:p>
           <a:p>
             <a:pPr lvl="2"/>
             <a:r>
-              <a:rPr lang="ko-KR" altLang="en-US" smtClean="0"/>
+              <a:rPr lang="ko-KR" altLang="en-US"/>
               <a:t>셋째 수준</a:t>
             </a:r>
           </a:p>
           <a:p>
             <a:pPr lvl="3"/>
             <a:r>
-              <a:rPr lang="ko-KR" altLang="en-US" smtClean="0"/>
+              <a:rPr lang="ko-KR" altLang="en-US"/>
               <a:t>넷째 수준</a:t>
             </a:r>
           </a:p>
           <a:p>
             <a:pPr lvl="4"/>
             <a:r>
-              <a:rPr lang="ko-KR" altLang="en-US" smtClean="0"/>
+              <a:rPr lang="ko-KR" altLang="en-US"/>
               <a:t>다섯째 수준</a:t>
             </a:r>
-            <a:endParaRPr lang="ko-KR" altLang="en-US"/>
           </a:p>
         </p:txBody>
       </p:sp>
@@ -955,7 +949,7 @@
           <a:p>
             <a:fld id="{B3EEB5E7-183B-46BB-AB6C-7195E161E4BB}" type="datetimeFigureOut">
               <a:rPr lang="ko-KR" altLang="en-US" smtClean="0"/>
-              <a:t>2025-03-05</a:t>
+              <a:t>2025. 3. 5.</a:t>
             </a:fld>
             <a:endParaRPr lang="ko-KR" altLang="en-US"/>
           </a:p>
@@ -1049,10 +1043,9 @@
           <a:lstStyle/>
           <a:p>
             <a:r>
-              <a:rPr lang="ko-KR" altLang="en-US" smtClean="0"/>
+              <a:rPr lang="ko-KR" altLang="en-US"/>
               <a:t>마스터 제목 스타일 편집</a:t>
             </a:r>
-            <a:endParaRPr lang="ko-KR" altLang="en-US"/>
           </a:p>
         </p:txBody>
       </p:sp>
@@ -1073,38 +1066,37 @@
           <a:p>
             <a:pPr lvl="0"/>
             <a:r>
-              <a:rPr lang="ko-KR" altLang="en-US" smtClean="0"/>
+              <a:rPr lang="ko-KR" altLang="en-US"/>
               <a:t>마스터 텍스트 스타일 편집</a:t>
             </a:r>
           </a:p>
           <a:p>
             <a:pPr lvl="1"/>
             <a:r>
-              <a:rPr lang="ko-KR" altLang="en-US" smtClean="0"/>
+              <a:rPr lang="ko-KR" altLang="en-US"/>
               <a:t>둘째 수준</a:t>
             </a:r>
           </a:p>
           <a:p>
             <a:pPr lvl="2"/>
             <a:r>
-              <a:rPr lang="ko-KR" altLang="en-US" smtClean="0"/>
+              <a:rPr lang="ko-KR" altLang="en-US"/>
               <a:t>셋째 수준</a:t>
             </a:r>
           </a:p>
           <a:p>
             <a:pPr lvl="3"/>
             <a:r>
-              <a:rPr lang="ko-KR" altLang="en-US" smtClean="0"/>
+              <a:rPr lang="ko-KR" altLang="en-US"/>
               <a:t>넷째 수준</a:t>
             </a:r>
           </a:p>
           <a:p>
             <a:pPr lvl="4"/>
             <a:r>
-              <a:rPr lang="ko-KR" altLang="en-US" smtClean="0"/>
+              <a:rPr lang="ko-KR" altLang="en-US"/>
               <a:t>다섯째 수준</a:t>
             </a:r>
-            <a:endParaRPr lang="ko-KR" altLang="en-US"/>
           </a:p>
         </p:txBody>
       </p:sp>
@@ -1125,7 +1117,7 @@
           <a:p>
             <a:fld id="{B3EEB5E7-183B-46BB-AB6C-7195E161E4BB}" type="datetimeFigureOut">
               <a:rPr lang="ko-KR" altLang="en-US" smtClean="0"/>
-              <a:t>2025-03-05</a:t>
+              <a:t>2025. 3. 5.</a:t>
             </a:fld>
             <a:endParaRPr lang="ko-KR" altLang="en-US"/>
           </a:p>
@@ -1228,10 +1220,9 @@
           </a:lstStyle>
           <a:p>
             <a:r>
-              <a:rPr lang="ko-KR" altLang="en-US" smtClean="0"/>
+              <a:rPr lang="ko-KR" altLang="en-US"/>
               <a:t>마스터 제목 스타일 편집</a:t>
             </a:r>
-            <a:endParaRPr lang="ko-KR" altLang="en-US"/>
           </a:p>
         </p:txBody>
       </p:sp>
@@ -1348,7 +1339,7 @@
           <a:p>
             <a:pPr lvl="0"/>
             <a:r>
-              <a:rPr lang="ko-KR" altLang="en-US" smtClean="0"/>
+              <a:rPr lang="ko-KR" altLang="en-US"/>
               <a:t>마스터 텍스트 스타일 편집</a:t>
             </a:r>
           </a:p>
@@ -1371,7 +1362,7 @@
           <a:p>
             <a:fld id="{B3EEB5E7-183B-46BB-AB6C-7195E161E4BB}" type="datetimeFigureOut">
               <a:rPr lang="ko-KR" altLang="en-US" smtClean="0"/>
-              <a:t>2025-03-05</a:t>
+              <a:t>2025. 3. 5.</a:t>
             </a:fld>
             <a:endParaRPr lang="ko-KR" altLang="en-US"/>
           </a:p>
@@ -1465,10 +1456,9 @@
           <a:lstStyle/>
           <a:p>
             <a:r>
-              <a:rPr lang="ko-KR" altLang="en-US" smtClean="0"/>
+              <a:rPr lang="ko-KR" altLang="en-US"/>
               <a:t>마스터 제목 스타일 편집</a:t>
             </a:r>
-            <a:endParaRPr lang="ko-KR" altLang="en-US"/>
           </a:p>
         </p:txBody>
       </p:sp>
@@ -1494,38 +1484,37 @@
           <a:p>
             <a:pPr lvl="0"/>
             <a:r>
-              <a:rPr lang="ko-KR" altLang="en-US" smtClean="0"/>
+              <a:rPr lang="ko-KR" altLang="en-US"/>
               <a:t>마스터 텍스트 스타일 편집</a:t>
             </a:r>
           </a:p>
           <a:p>
             <a:pPr lvl="1"/>
             <a:r>
-              <a:rPr lang="ko-KR" altLang="en-US" smtClean="0"/>
+              <a:rPr lang="ko-KR" altLang="en-US"/>
               <a:t>둘째 수준</a:t>
             </a:r>
           </a:p>
           <a:p>
             <a:pPr lvl="2"/>
             <a:r>
-              <a:rPr lang="ko-KR" altLang="en-US" smtClean="0"/>
+              <a:rPr lang="ko-KR" altLang="en-US"/>
               <a:t>셋째 수준</a:t>
             </a:r>
           </a:p>
           <a:p>
             <a:pPr lvl="3"/>
             <a:r>
-              <a:rPr lang="ko-KR" altLang="en-US" smtClean="0"/>
+              <a:rPr lang="ko-KR" altLang="en-US"/>
               <a:t>넷째 수준</a:t>
             </a:r>
           </a:p>
           <a:p>
             <a:pPr lvl="4"/>
             <a:r>
-              <a:rPr lang="ko-KR" altLang="en-US" smtClean="0"/>
+              <a:rPr lang="ko-KR" altLang="en-US"/>
               <a:t>다섯째 수준</a:t>
             </a:r>
-            <a:endParaRPr lang="ko-KR" altLang="en-US"/>
           </a:p>
         </p:txBody>
       </p:sp>
@@ -1551,38 +1540,37 @@
           <a:p>
             <a:pPr lvl="0"/>
             <a:r>
-              <a:rPr lang="ko-KR" altLang="en-US" smtClean="0"/>
+              <a:rPr lang="ko-KR" altLang="en-US"/>
               <a:t>마스터 텍스트 스타일 편집</a:t>
             </a:r>
           </a:p>
           <a:p>
             <a:pPr lvl="1"/>
             <a:r>
-              <a:rPr lang="ko-KR" altLang="en-US" smtClean="0"/>
+              <a:rPr lang="ko-KR" altLang="en-US"/>
               <a:t>둘째 수준</a:t>
             </a:r>
           </a:p>
           <a:p>
             <a:pPr lvl="2"/>
             <a:r>
-              <a:rPr lang="ko-KR" altLang="en-US" smtClean="0"/>
+              <a:rPr lang="ko-KR" altLang="en-US"/>
               <a:t>셋째 수준</a:t>
             </a:r>
           </a:p>
           <a:p>
             <a:pPr lvl="3"/>
             <a:r>
-              <a:rPr lang="ko-KR" altLang="en-US" smtClean="0"/>
+              <a:rPr lang="ko-KR" altLang="en-US"/>
               <a:t>넷째 수준</a:t>
             </a:r>
           </a:p>
           <a:p>
             <a:pPr lvl="4"/>
             <a:r>
-              <a:rPr lang="ko-KR" altLang="en-US" smtClean="0"/>
+              <a:rPr lang="ko-KR" altLang="en-US"/>
               <a:t>다섯째 수준</a:t>
             </a:r>
-            <a:endParaRPr lang="ko-KR" altLang="en-US"/>
           </a:p>
         </p:txBody>
       </p:sp>
@@ -1603,7 +1591,7 @@
           <a:p>
             <a:fld id="{B3EEB5E7-183B-46BB-AB6C-7195E161E4BB}" type="datetimeFigureOut">
               <a:rPr lang="ko-KR" altLang="en-US" smtClean="0"/>
-              <a:t>2025-03-05</a:t>
+              <a:t>2025. 3. 5.</a:t>
             </a:fld>
             <a:endParaRPr lang="ko-KR" altLang="en-US"/>
           </a:p>
@@ -1702,10 +1690,9 @@
           <a:lstStyle/>
           <a:p>
             <a:r>
-              <a:rPr lang="ko-KR" altLang="en-US" smtClean="0"/>
+              <a:rPr lang="ko-KR" altLang="en-US"/>
               <a:t>마스터 제목 스타일 편집</a:t>
             </a:r>
-            <a:endParaRPr lang="ko-KR" altLang="en-US"/>
           </a:p>
         </p:txBody>
       </p:sp>
@@ -1768,7 +1755,7 @@
           <a:p>
             <a:pPr lvl="0"/>
             <a:r>
-              <a:rPr lang="ko-KR" altLang="en-US" smtClean="0"/>
+              <a:rPr lang="ko-KR" altLang="en-US"/>
               <a:t>마스터 텍스트 스타일 편집</a:t>
             </a:r>
           </a:p>
@@ -1796,38 +1783,37 @@
           <a:p>
             <a:pPr lvl="0"/>
             <a:r>
-              <a:rPr lang="ko-KR" altLang="en-US" smtClean="0"/>
+              <a:rPr lang="ko-KR" altLang="en-US"/>
               <a:t>마스터 텍스트 스타일 편집</a:t>
             </a:r>
           </a:p>
           <a:p>
             <a:pPr lvl="1"/>
             <a:r>
-              <a:rPr lang="ko-KR" altLang="en-US" smtClean="0"/>
+              <a:rPr lang="ko-KR" altLang="en-US"/>
               <a:t>둘째 수준</a:t>
             </a:r>
           </a:p>
           <a:p>
             <a:pPr lvl="2"/>
             <a:r>
-              <a:rPr lang="ko-KR" altLang="en-US" smtClean="0"/>
+              <a:rPr lang="ko-KR" altLang="en-US"/>
               <a:t>셋째 수준</a:t>
             </a:r>
           </a:p>
           <a:p>
             <a:pPr lvl="3"/>
             <a:r>
-              <a:rPr lang="ko-KR" altLang="en-US" smtClean="0"/>
+              <a:rPr lang="ko-KR" altLang="en-US"/>
               <a:t>넷째 수준</a:t>
             </a:r>
           </a:p>
           <a:p>
             <a:pPr lvl="4"/>
             <a:r>
-              <a:rPr lang="ko-KR" altLang="en-US" smtClean="0"/>
+              <a:rPr lang="ko-KR" altLang="en-US"/>
               <a:t>다섯째 수준</a:t>
             </a:r>
-            <a:endParaRPr lang="ko-KR" altLang="en-US"/>
           </a:p>
         </p:txBody>
       </p:sp>
@@ -1890,7 +1876,7 @@
           <a:p>
             <a:pPr lvl="0"/>
             <a:r>
-              <a:rPr lang="ko-KR" altLang="en-US" smtClean="0"/>
+              <a:rPr lang="ko-KR" altLang="en-US"/>
               <a:t>마스터 텍스트 스타일 편집</a:t>
             </a:r>
           </a:p>
@@ -1918,38 +1904,37 @@
           <a:p>
             <a:pPr lvl="0"/>
             <a:r>
-              <a:rPr lang="ko-KR" altLang="en-US" smtClean="0"/>
+              <a:rPr lang="ko-KR" altLang="en-US"/>
               <a:t>마스터 텍스트 스타일 편집</a:t>
             </a:r>
           </a:p>
           <a:p>
             <a:pPr lvl="1"/>
             <a:r>
-              <a:rPr lang="ko-KR" altLang="en-US" smtClean="0"/>
+              <a:rPr lang="ko-KR" altLang="en-US"/>
               <a:t>둘째 수준</a:t>
             </a:r>
           </a:p>
           <a:p>
             <a:pPr lvl="2"/>
             <a:r>
-              <a:rPr lang="ko-KR" altLang="en-US" smtClean="0"/>
+              <a:rPr lang="ko-KR" altLang="en-US"/>
               <a:t>셋째 수준</a:t>
             </a:r>
           </a:p>
           <a:p>
             <a:pPr lvl="3"/>
             <a:r>
-              <a:rPr lang="ko-KR" altLang="en-US" smtClean="0"/>
+              <a:rPr lang="ko-KR" altLang="en-US"/>
               <a:t>넷째 수준</a:t>
             </a:r>
           </a:p>
           <a:p>
             <a:pPr lvl="4"/>
             <a:r>
-              <a:rPr lang="ko-KR" altLang="en-US" smtClean="0"/>
+              <a:rPr lang="ko-KR" altLang="en-US"/>
               <a:t>다섯째 수준</a:t>
             </a:r>
-            <a:endParaRPr lang="ko-KR" altLang="en-US"/>
           </a:p>
         </p:txBody>
       </p:sp>
@@ -1970,7 +1955,7 @@
           <a:p>
             <a:fld id="{B3EEB5E7-183B-46BB-AB6C-7195E161E4BB}" type="datetimeFigureOut">
               <a:rPr lang="ko-KR" altLang="en-US" smtClean="0"/>
-              <a:t>2025-03-05</a:t>
+              <a:t>2025. 3. 5.</a:t>
             </a:fld>
             <a:endParaRPr lang="ko-KR" altLang="en-US"/>
           </a:p>
@@ -2064,10 +2049,9 @@
           <a:lstStyle/>
           <a:p>
             <a:r>
-              <a:rPr lang="ko-KR" altLang="en-US" smtClean="0"/>
+              <a:rPr lang="ko-KR" altLang="en-US"/>
               <a:t>마스터 제목 스타일 편집</a:t>
             </a:r>
-            <a:endParaRPr lang="ko-KR" altLang="en-US"/>
           </a:p>
         </p:txBody>
       </p:sp>
@@ -2088,7 +2072,7 @@
           <a:p>
             <a:fld id="{B3EEB5E7-183B-46BB-AB6C-7195E161E4BB}" type="datetimeFigureOut">
               <a:rPr lang="ko-KR" altLang="en-US" smtClean="0"/>
-              <a:t>2025-03-05</a:t>
+              <a:t>2025. 3. 5.</a:t>
             </a:fld>
             <a:endParaRPr lang="ko-KR" altLang="en-US"/>
           </a:p>
@@ -2183,7 +2167,7 @@
           <a:p>
             <a:fld id="{B3EEB5E7-183B-46BB-AB6C-7195E161E4BB}" type="datetimeFigureOut">
               <a:rPr lang="ko-KR" altLang="en-US" smtClean="0"/>
-              <a:t>2025-03-05</a:t>
+              <a:t>2025. 3. 5.</a:t>
             </a:fld>
             <a:endParaRPr lang="ko-KR" altLang="en-US"/>
           </a:p>
@@ -2286,10 +2270,9 @@
           </a:lstStyle>
           <a:p>
             <a:r>
-              <a:rPr lang="ko-KR" altLang="en-US" smtClean="0"/>
+              <a:rPr lang="ko-KR" altLang="en-US"/>
               <a:t>마스터 제목 스타일 편집</a:t>
             </a:r>
-            <a:endParaRPr lang="ko-KR" altLang="en-US"/>
           </a:p>
         </p:txBody>
       </p:sp>
@@ -2343,38 +2326,37 @@
           <a:p>
             <a:pPr lvl="0"/>
             <a:r>
-              <a:rPr lang="ko-KR" altLang="en-US" smtClean="0"/>
+              <a:rPr lang="ko-KR" altLang="en-US"/>
               <a:t>마스터 텍스트 스타일 편집</a:t>
             </a:r>
           </a:p>
           <a:p>
             <a:pPr lvl="1"/>
             <a:r>
-              <a:rPr lang="ko-KR" altLang="en-US" smtClean="0"/>
+              <a:rPr lang="ko-KR" altLang="en-US"/>
               <a:t>둘째 수준</a:t>
             </a:r>
           </a:p>
           <a:p>
             <a:pPr lvl="2"/>
             <a:r>
-              <a:rPr lang="ko-KR" altLang="en-US" smtClean="0"/>
+              <a:rPr lang="ko-KR" altLang="en-US"/>
               <a:t>셋째 수준</a:t>
             </a:r>
           </a:p>
           <a:p>
             <a:pPr lvl="3"/>
             <a:r>
-              <a:rPr lang="ko-KR" altLang="en-US" smtClean="0"/>
+              <a:rPr lang="ko-KR" altLang="en-US"/>
               <a:t>넷째 수준</a:t>
             </a:r>
           </a:p>
           <a:p>
             <a:pPr lvl="4"/>
             <a:r>
-              <a:rPr lang="ko-KR" altLang="en-US" smtClean="0"/>
+              <a:rPr lang="ko-KR" altLang="en-US"/>
               <a:t>다섯째 수준</a:t>
             </a:r>
-            <a:endParaRPr lang="ko-KR" altLang="en-US"/>
           </a:p>
         </p:txBody>
       </p:sp>
@@ -2437,7 +2419,7 @@
           <a:p>
             <a:pPr lvl="0"/>
             <a:r>
-              <a:rPr lang="ko-KR" altLang="en-US" smtClean="0"/>
+              <a:rPr lang="ko-KR" altLang="en-US"/>
               <a:t>마스터 텍스트 스타일 편집</a:t>
             </a:r>
           </a:p>
@@ -2460,7 +2442,7 @@
           <a:p>
             <a:fld id="{B3EEB5E7-183B-46BB-AB6C-7195E161E4BB}" type="datetimeFigureOut">
               <a:rPr lang="ko-KR" altLang="en-US" smtClean="0"/>
-              <a:t>2025-03-05</a:t>
+              <a:t>2025. 3. 5.</a:t>
             </a:fld>
             <a:endParaRPr lang="ko-KR" altLang="en-US"/>
           </a:p>
@@ -2563,10 +2545,9 @@
           </a:lstStyle>
           <a:p>
             <a:r>
-              <a:rPr lang="ko-KR" altLang="en-US" smtClean="0"/>
+              <a:rPr lang="ko-KR" altLang="en-US"/>
               <a:t>마스터 제목 스타일 편집</a:t>
             </a:r>
-            <a:endParaRPr lang="ko-KR" altLang="en-US"/>
           </a:p>
         </p:txBody>
       </p:sp>
@@ -2690,7 +2671,7 @@
           <a:p>
             <a:pPr lvl="0"/>
             <a:r>
-              <a:rPr lang="ko-KR" altLang="en-US" smtClean="0"/>
+              <a:rPr lang="ko-KR" altLang="en-US"/>
               <a:t>마스터 텍스트 스타일 편집</a:t>
             </a:r>
           </a:p>
@@ -2713,7 +2694,7 @@
           <a:p>
             <a:fld id="{B3EEB5E7-183B-46BB-AB6C-7195E161E4BB}" type="datetimeFigureOut">
               <a:rPr lang="ko-KR" altLang="en-US" smtClean="0"/>
-              <a:t>2025-03-05</a:t>
+              <a:t>2025. 3. 5.</a:t>
             </a:fld>
             <a:endParaRPr lang="ko-KR" altLang="en-US"/>
           </a:p>
@@ -2822,10 +2803,9 @@
           <a:lstStyle/>
           <a:p>
             <a:r>
-              <a:rPr lang="ko-KR" altLang="en-US" smtClean="0"/>
+              <a:rPr lang="ko-KR" altLang="en-US"/>
               <a:t>마스터 제목 스타일 편집</a:t>
             </a:r>
-            <a:endParaRPr lang="ko-KR" altLang="en-US"/>
           </a:p>
         </p:txBody>
       </p:sp>
@@ -2856,38 +2836,37 @@
           <a:p>
             <a:pPr lvl="0"/>
             <a:r>
-              <a:rPr lang="ko-KR" altLang="en-US" smtClean="0"/>
+              <a:rPr lang="ko-KR" altLang="en-US"/>
               <a:t>마스터 텍스트 스타일 편집</a:t>
             </a:r>
           </a:p>
           <a:p>
             <a:pPr lvl="1"/>
             <a:r>
-              <a:rPr lang="ko-KR" altLang="en-US" smtClean="0"/>
+              <a:rPr lang="ko-KR" altLang="en-US"/>
               <a:t>둘째 수준</a:t>
             </a:r>
           </a:p>
           <a:p>
             <a:pPr lvl="2"/>
             <a:r>
-              <a:rPr lang="ko-KR" altLang="en-US" smtClean="0"/>
+              <a:rPr lang="ko-KR" altLang="en-US"/>
               <a:t>셋째 수준</a:t>
             </a:r>
           </a:p>
           <a:p>
             <a:pPr lvl="3"/>
             <a:r>
-              <a:rPr lang="ko-KR" altLang="en-US" smtClean="0"/>
+              <a:rPr lang="ko-KR" altLang="en-US"/>
               <a:t>넷째 수준</a:t>
             </a:r>
           </a:p>
           <a:p>
             <a:pPr lvl="4"/>
             <a:r>
-              <a:rPr lang="ko-KR" altLang="en-US" smtClean="0"/>
+              <a:rPr lang="ko-KR" altLang="en-US"/>
               <a:t>다섯째 수준</a:t>
             </a:r>
-            <a:endParaRPr lang="ko-KR" altLang="en-US"/>
           </a:p>
         </p:txBody>
       </p:sp>
@@ -2926,7 +2905,7 @@
           <a:p>
             <a:fld id="{B3EEB5E7-183B-46BB-AB6C-7195E161E4BB}" type="datetimeFigureOut">
               <a:rPr lang="ko-KR" altLang="en-US" smtClean="0"/>
-              <a:t>2025-03-05</a:t>
+              <a:t>2025. 3. 5.</a:t>
             </a:fld>
             <a:endParaRPr lang="ko-KR" altLang="en-US"/>
           </a:p>
@@ -3348,1422 +3327,613 @@
           </a:bodyPr>
           <a:lstStyle/>
           <a:p>
-            <a:r>
-              <a:rPr lang="en-US" altLang="ko-KR" dirty="0" smtClean="0"/>
-              <a:t/>
-            </a:r>
-            <a:br>
-              <a:rPr lang="en-US" altLang="ko-KR" dirty="0" smtClean="0"/>
-            </a:br>
-            <a:r>
-              <a:rPr lang="en-US" altLang="ko-KR" dirty="0"/>
-              <a:t/>
-            </a:r>
-            <a:br>
-              <a:rPr lang="en-US" altLang="ko-KR" dirty="0"/>
-            </a:br>
-            <a:r>
-              <a:rPr lang="en-US" altLang="ko-KR" dirty="0" smtClean="0"/>
-              <a:t/>
-            </a:r>
-            <a:br>
-              <a:rPr lang="en-US" altLang="ko-KR" dirty="0" smtClean="0"/>
-            </a:br>
-            <a:r>
-              <a:rPr lang="en-US" altLang="ko-KR" dirty="0"/>
-              <a:t/>
-            </a:r>
-            <a:br>
-              <a:rPr lang="en-US" altLang="ko-KR" dirty="0"/>
-            </a:br>
-            <a:r>
-              <a:rPr lang="en-US" altLang="ko-KR" dirty="0" smtClean="0"/>
-              <a:t/>
-            </a:r>
-            <a:br>
-              <a:rPr lang="en-US" altLang="ko-KR" dirty="0" smtClean="0"/>
-            </a:br>
-            <a:r>
-              <a:rPr lang="en-US" altLang="ko-KR" dirty="0"/>
-              <a:t/>
-            </a:r>
-            <a:br>
-              <a:rPr lang="en-US" altLang="ko-KR" dirty="0"/>
-            </a:br>
-            <a:r>
-              <a:rPr lang="en-US" altLang="ko-KR" dirty="0" smtClean="0"/>
-              <a:t/>
-            </a:r>
-            <a:br>
-              <a:rPr lang="en-US" altLang="ko-KR" dirty="0" smtClean="0"/>
-            </a:br>
-            <a:r>
-              <a:rPr lang="en-US" altLang="ko-KR" dirty="0"/>
-              <a:t/>
-            </a:r>
-            <a:br>
-              <a:rPr lang="en-US" altLang="ko-KR" dirty="0"/>
-            </a:br>
-            <a:r>
-              <a:rPr lang="en-US" altLang="ko-KR" dirty="0" smtClean="0"/>
-              <a:t/>
-            </a:r>
-            <a:br>
-              <a:rPr lang="en-US" altLang="ko-KR" dirty="0" smtClean="0"/>
-            </a:br>
-            <a:r>
-              <a:rPr lang="en-US" altLang="ko-KR" dirty="0"/>
-              <a:t/>
-            </a:r>
-            <a:br>
-              <a:rPr lang="en-US" altLang="ko-KR" dirty="0"/>
-            </a:br>
-            <a:r>
-              <a:rPr lang="en-US" altLang="ko-KR" dirty="0" smtClean="0"/>
-              <a:t/>
-            </a:r>
-            <a:br>
-              <a:rPr lang="en-US" altLang="ko-KR" dirty="0" smtClean="0"/>
-            </a:br>
-            <a:r>
-              <a:rPr lang="en-US" altLang="ko-KR" dirty="0"/>
-              <a:t/>
-            </a:r>
-            <a:br>
-              <a:rPr lang="en-US" altLang="ko-KR" dirty="0"/>
-            </a:br>
-            <a:r>
-              <a:rPr lang="en-US" altLang="ko-KR" dirty="0" smtClean="0"/>
-              <a:t/>
-            </a:r>
-            <a:br>
-              <a:rPr lang="en-US" altLang="ko-KR" dirty="0" smtClean="0"/>
-            </a:br>
-            <a:r>
-              <a:rPr lang="en-US" altLang="ko-KR" dirty="0"/>
-              <a:t/>
-            </a:r>
-            <a:br>
-              <a:rPr lang="en-US" altLang="ko-KR" dirty="0"/>
-            </a:br>
-            <a:r>
-              <a:rPr lang="en-US" altLang="ko-KR" dirty="0" smtClean="0"/>
-              <a:t/>
-            </a:r>
-            <a:br>
-              <a:rPr lang="en-US" altLang="ko-KR" dirty="0" smtClean="0"/>
-            </a:br>
-            <a:r>
-              <a:rPr lang="en-US" altLang="ko-KR" dirty="0"/>
-              <a:t/>
-            </a:r>
-            <a:br>
-              <a:rPr lang="en-US" altLang="ko-KR" dirty="0"/>
-            </a:br>
-            <a:r>
-              <a:rPr lang="en-US" altLang="ko-KR" dirty="0" smtClean="0"/>
-              <a:t/>
-            </a:r>
-            <a:br>
-              <a:rPr lang="en-US" altLang="ko-KR" dirty="0" smtClean="0"/>
-            </a:br>
-            <a:r>
-              <a:rPr lang="en-US" altLang="ko-KR" dirty="0"/>
-              <a:t/>
-            </a:r>
-            <a:br>
-              <a:rPr lang="en-US" altLang="ko-KR" dirty="0"/>
-            </a:br>
-            <a:r>
-              <a:rPr lang="en-US" altLang="ko-KR" dirty="0" smtClean="0"/>
-              <a:t/>
-            </a:r>
-            <a:br>
-              <a:rPr lang="en-US" altLang="ko-KR" dirty="0" smtClean="0"/>
-            </a:br>
-            <a:r>
-              <a:rPr lang="en-US" altLang="ko-KR" dirty="0"/>
-              <a:t/>
-            </a:r>
-            <a:br>
-              <a:rPr lang="en-US" altLang="ko-KR" dirty="0"/>
-            </a:br>
-            <a:r>
-              <a:rPr lang="en-US" altLang="ko-KR" dirty="0" smtClean="0"/>
-              <a:t/>
-            </a:r>
-            <a:br>
-              <a:rPr lang="en-US" altLang="ko-KR" dirty="0" smtClean="0"/>
-            </a:br>
-            <a:r>
-              <a:rPr lang="en-US" altLang="ko-KR" dirty="0"/>
-              <a:t/>
-            </a:r>
-            <a:br>
-              <a:rPr lang="en-US" altLang="ko-KR" dirty="0"/>
-            </a:br>
-            <a:r>
-              <a:rPr lang="en-US" altLang="ko-KR" dirty="0" smtClean="0"/>
-              <a:t/>
-            </a:r>
-            <a:br>
-              <a:rPr lang="en-US" altLang="ko-KR" dirty="0" smtClean="0"/>
-            </a:br>
-            <a:r>
-              <a:rPr lang="en-US" altLang="ko-KR" dirty="0"/>
-              <a:t/>
-            </a:r>
-            <a:br>
-              <a:rPr lang="en-US" altLang="ko-KR" dirty="0"/>
-            </a:br>
-            <a:r>
-              <a:rPr lang="en-US" altLang="ko-KR" dirty="0" smtClean="0"/>
-              <a:t/>
-            </a:r>
-            <a:br>
-              <a:rPr lang="en-US" altLang="ko-KR" dirty="0" smtClean="0"/>
-            </a:br>
-            <a:r>
-              <a:rPr lang="en-US" altLang="ko-KR" dirty="0"/>
-              <a:t/>
-            </a:r>
-            <a:br>
-              <a:rPr lang="en-US" altLang="ko-KR" dirty="0"/>
-            </a:br>
-            <a:r>
-              <a:rPr lang="en-US" altLang="ko-KR" dirty="0" smtClean="0"/>
-              <a:t/>
-            </a:r>
-            <a:br>
-              <a:rPr lang="en-US" altLang="ko-KR" dirty="0" smtClean="0"/>
-            </a:br>
-            <a:r>
-              <a:rPr lang="en-US" altLang="ko-KR" dirty="0"/>
-              <a:t/>
-            </a:r>
-            <a:br>
-              <a:rPr lang="en-US" altLang="ko-KR" dirty="0"/>
-            </a:br>
-            <a:r>
-              <a:rPr lang="en-US" altLang="ko-KR" dirty="0" smtClean="0"/>
-              <a:t/>
-            </a:r>
-            <a:br>
-              <a:rPr lang="en-US" altLang="ko-KR" dirty="0" smtClean="0"/>
-            </a:br>
-            <a:r>
-              <a:rPr lang="en-US" altLang="ko-KR" dirty="0"/>
-              <a:t/>
-            </a:r>
-            <a:br>
-              <a:rPr lang="en-US" altLang="ko-KR" dirty="0"/>
-            </a:br>
-            <a:r>
-              <a:rPr lang="en-US" altLang="ko-KR" dirty="0" smtClean="0"/>
-              <a:t/>
-            </a:r>
-            <a:br>
-              <a:rPr lang="en-US" altLang="ko-KR" dirty="0" smtClean="0"/>
-            </a:br>
-            <a:r>
-              <a:rPr lang="en-US" altLang="ko-KR" dirty="0"/>
-              <a:t/>
-            </a:r>
-            <a:br>
-              <a:rPr lang="en-US" altLang="ko-KR" dirty="0"/>
-            </a:br>
-            <a:r>
-              <a:rPr lang="en-US" altLang="ko-KR" dirty="0" smtClean="0"/>
-              <a:t/>
-            </a:r>
-            <a:br>
-              <a:rPr lang="en-US" altLang="ko-KR" dirty="0" smtClean="0"/>
-            </a:br>
-            <a:r>
-              <a:rPr lang="en-US" altLang="ko-KR" dirty="0"/>
-              <a:t/>
-            </a:r>
-            <a:br>
-              <a:rPr lang="en-US" altLang="ko-KR" dirty="0"/>
-            </a:br>
-            <a:r>
-              <a:rPr lang="en-US" altLang="ko-KR" dirty="0" smtClean="0"/>
-              <a:t/>
-            </a:r>
-            <a:br>
-              <a:rPr lang="en-US" altLang="ko-KR" dirty="0" smtClean="0"/>
-            </a:br>
-            <a:r>
-              <a:rPr lang="en-US" altLang="ko-KR" dirty="0"/>
-              <a:t/>
-            </a:r>
-            <a:br>
-              <a:rPr lang="en-US" altLang="ko-KR" dirty="0"/>
-            </a:br>
-            <a:r>
-              <a:rPr lang="en-US" altLang="ko-KR" dirty="0" smtClean="0"/>
-              <a:t/>
-            </a:r>
-            <a:br>
-              <a:rPr lang="en-US" altLang="ko-KR" dirty="0" smtClean="0"/>
-            </a:br>
-            <a:r>
-              <a:rPr lang="en-US" altLang="ko-KR" dirty="0"/>
-              <a:t/>
-            </a:r>
-            <a:br>
-              <a:rPr lang="en-US" altLang="ko-KR" dirty="0"/>
-            </a:br>
-            <a:r>
-              <a:rPr lang="en-US" altLang="ko-KR" dirty="0" smtClean="0"/>
-              <a:t/>
-            </a:r>
-            <a:br>
-              <a:rPr lang="en-US" altLang="ko-KR" dirty="0" smtClean="0"/>
-            </a:br>
-            <a:r>
-              <a:rPr lang="en-US" altLang="ko-KR" dirty="0"/>
-              <a:t/>
-            </a:r>
-            <a:br>
-              <a:rPr lang="en-US" altLang="ko-KR" dirty="0"/>
-            </a:br>
-            <a:r>
-              <a:rPr lang="en-US" altLang="ko-KR" dirty="0" smtClean="0"/>
-              <a:t/>
-            </a:r>
-            <a:br>
-              <a:rPr lang="en-US" altLang="ko-KR" dirty="0" smtClean="0"/>
-            </a:br>
-            <a:r>
-              <a:rPr lang="en-US" altLang="ko-KR" dirty="0"/>
-              <a:t/>
-            </a:r>
-            <a:br>
-              <a:rPr lang="en-US" altLang="ko-KR" dirty="0"/>
-            </a:br>
-            <a:r>
-              <a:rPr lang="en-US" altLang="ko-KR" dirty="0" smtClean="0"/>
-              <a:t/>
-            </a:r>
-            <a:br>
-              <a:rPr lang="en-US" altLang="ko-KR" dirty="0" smtClean="0"/>
-            </a:br>
-            <a:r>
-              <a:rPr lang="en-US" altLang="ko-KR" dirty="0"/>
-              <a:t/>
-            </a:r>
-            <a:br>
-              <a:rPr lang="en-US" altLang="ko-KR" dirty="0"/>
-            </a:br>
-            <a:r>
-              <a:rPr lang="en-US" altLang="ko-KR" dirty="0" smtClean="0"/>
-              <a:t/>
-            </a:r>
-            <a:br>
-              <a:rPr lang="en-US" altLang="ko-KR" dirty="0" smtClean="0"/>
-            </a:br>
-            <a:r>
-              <a:rPr lang="en-US" altLang="ko-KR" dirty="0"/>
-              <a:t/>
-            </a:r>
-            <a:br>
-              <a:rPr lang="en-US" altLang="ko-KR" dirty="0"/>
-            </a:br>
-            <a:r>
-              <a:rPr lang="en-US" altLang="ko-KR" dirty="0" smtClean="0"/>
-              <a:t/>
-            </a:r>
-            <a:br>
-              <a:rPr lang="en-US" altLang="ko-KR" dirty="0" smtClean="0"/>
-            </a:br>
-            <a:r>
-              <a:rPr lang="en-US" altLang="ko-KR" dirty="0"/>
-              <a:t/>
-            </a:r>
-            <a:br>
-              <a:rPr lang="en-US" altLang="ko-KR" dirty="0"/>
-            </a:br>
-            <a:r>
-              <a:rPr lang="en-US" altLang="ko-KR" dirty="0" smtClean="0"/>
-              <a:t/>
-            </a:r>
-            <a:br>
-              <a:rPr lang="en-US" altLang="ko-KR" dirty="0" smtClean="0"/>
-            </a:br>
-            <a:r>
-              <a:rPr lang="en-US" altLang="ko-KR" dirty="0"/>
-              <a:t/>
-            </a:r>
-            <a:br>
-              <a:rPr lang="en-US" altLang="ko-KR" dirty="0"/>
-            </a:br>
-            <a:r>
-              <a:rPr lang="en-US" altLang="ko-KR" dirty="0" smtClean="0"/>
-              <a:t/>
-            </a:r>
-            <a:br>
-              <a:rPr lang="en-US" altLang="ko-KR" dirty="0" smtClean="0"/>
-            </a:br>
-            <a:r>
-              <a:rPr lang="en-US" altLang="ko-KR" dirty="0"/>
-              <a:t/>
-            </a:r>
-            <a:br>
-              <a:rPr lang="en-US" altLang="ko-KR" dirty="0"/>
-            </a:br>
-            <a:r>
-              <a:rPr lang="en-US" altLang="ko-KR" dirty="0" smtClean="0"/>
-              <a:t/>
-            </a:r>
-            <a:br>
-              <a:rPr lang="en-US" altLang="ko-KR" dirty="0" smtClean="0"/>
-            </a:br>
-            <a:r>
-              <a:rPr lang="en-US" altLang="ko-KR" dirty="0"/>
-              <a:t/>
-            </a:r>
-            <a:br>
-              <a:rPr lang="en-US" altLang="ko-KR" dirty="0"/>
-            </a:br>
-            <a:r>
-              <a:rPr lang="en-US" altLang="ko-KR" dirty="0" smtClean="0"/>
-              <a:t/>
-            </a:r>
-            <a:br>
-              <a:rPr lang="en-US" altLang="ko-KR" dirty="0" smtClean="0"/>
-            </a:br>
-            <a:r>
-              <a:rPr lang="en-US" altLang="ko-KR" dirty="0"/>
-              <a:t/>
-            </a:r>
-            <a:br>
-              <a:rPr lang="en-US" altLang="ko-KR" dirty="0"/>
-            </a:br>
-            <a:r>
-              <a:rPr lang="en-US" altLang="ko-KR" dirty="0" smtClean="0"/>
-              <a:t/>
-            </a:r>
-            <a:br>
-              <a:rPr lang="en-US" altLang="ko-KR" dirty="0" smtClean="0"/>
-            </a:br>
-            <a:r>
-              <a:rPr lang="en-US" altLang="ko-KR" dirty="0"/>
-              <a:t/>
-            </a:r>
-            <a:br>
-              <a:rPr lang="en-US" altLang="ko-KR" dirty="0"/>
-            </a:br>
-            <a:r>
-              <a:rPr lang="en-US" altLang="ko-KR" dirty="0" smtClean="0"/>
-              <a:t/>
-            </a:r>
-            <a:br>
-              <a:rPr lang="en-US" altLang="ko-KR" dirty="0" smtClean="0"/>
-            </a:br>
-            <a:r>
-              <a:rPr lang="en-US" altLang="ko-KR" dirty="0"/>
-              <a:t/>
-            </a:r>
-            <a:br>
-              <a:rPr lang="en-US" altLang="ko-KR" dirty="0"/>
-            </a:br>
-            <a:r>
-              <a:rPr lang="en-US" altLang="ko-KR" dirty="0" smtClean="0"/>
-              <a:t/>
-            </a:r>
-            <a:br>
-              <a:rPr lang="en-US" altLang="ko-KR" dirty="0" smtClean="0"/>
-            </a:br>
-            <a:r>
-              <a:rPr lang="en-US" altLang="ko-KR" dirty="0"/>
-              <a:t/>
-            </a:r>
-            <a:br>
-              <a:rPr lang="en-US" altLang="ko-KR" dirty="0"/>
-            </a:br>
-            <a:r>
-              <a:rPr lang="en-US" altLang="ko-KR" dirty="0" smtClean="0"/>
-              <a:t/>
-            </a:r>
-            <a:br>
-              <a:rPr lang="en-US" altLang="ko-KR" dirty="0" smtClean="0"/>
-            </a:br>
-            <a:r>
-              <a:rPr lang="en-US" altLang="ko-KR" dirty="0"/>
-              <a:t/>
-            </a:r>
-            <a:br>
-              <a:rPr lang="en-US" altLang="ko-KR" dirty="0"/>
-            </a:br>
-            <a:r>
-              <a:rPr lang="en-US" altLang="ko-KR" dirty="0" smtClean="0"/>
-              <a:t/>
-            </a:r>
-            <a:br>
-              <a:rPr lang="en-US" altLang="ko-KR" dirty="0" smtClean="0"/>
-            </a:br>
-            <a:r>
-              <a:rPr lang="en-US" altLang="ko-KR" dirty="0"/>
-              <a:t/>
-            </a:r>
-            <a:br>
-              <a:rPr lang="en-US" altLang="ko-KR" dirty="0"/>
-            </a:br>
-            <a:r>
-              <a:rPr lang="en-US" altLang="ko-KR" dirty="0" smtClean="0"/>
-              <a:t/>
-            </a:r>
-            <a:br>
-              <a:rPr lang="en-US" altLang="ko-KR" dirty="0" smtClean="0"/>
-            </a:br>
-            <a:r>
-              <a:rPr lang="en-US" altLang="ko-KR" dirty="0"/>
-              <a:t/>
-            </a:r>
-            <a:br>
-              <a:rPr lang="en-US" altLang="ko-KR" dirty="0"/>
-            </a:br>
-            <a:r>
-              <a:rPr lang="en-US" altLang="ko-KR" dirty="0" smtClean="0"/>
-              <a:t/>
-            </a:r>
-            <a:br>
-              <a:rPr lang="en-US" altLang="ko-KR" dirty="0" smtClean="0"/>
-            </a:br>
-            <a:r>
-              <a:rPr lang="en-US" altLang="ko-KR" dirty="0"/>
-              <a:t/>
-            </a:r>
-            <a:br>
-              <a:rPr lang="en-US" altLang="ko-KR" dirty="0"/>
-            </a:br>
-            <a:r>
-              <a:rPr lang="en-US" altLang="ko-KR" dirty="0" smtClean="0"/>
-              <a:t/>
-            </a:r>
-            <a:br>
-              <a:rPr lang="en-US" altLang="ko-KR" dirty="0" smtClean="0"/>
-            </a:br>
-            <a:r>
-              <a:rPr lang="en-US" altLang="ko-KR" dirty="0"/>
-              <a:t/>
-            </a:r>
-            <a:br>
-              <a:rPr lang="en-US" altLang="ko-KR" dirty="0"/>
-            </a:br>
-            <a:r>
-              <a:rPr lang="en-US" altLang="ko-KR" dirty="0" smtClean="0"/>
-              <a:t/>
-            </a:r>
-            <a:br>
-              <a:rPr lang="en-US" altLang="ko-KR" dirty="0" smtClean="0"/>
-            </a:br>
-            <a:r>
-              <a:rPr lang="en-US" altLang="ko-KR" dirty="0"/>
-              <a:t/>
-            </a:r>
-            <a:br>
-              <a:rPr lang="en-US" altLang="ko-KR" dirty="0"/>
-            </a:br>
-            <a:r>
-              <a:rPr lang="en-US" altLang="ko-KR" dirty="0" smtClean="0"/>
-              <a:t/>
-            </a:r>
-            <a:br>
-              <a:rPr lang="en-US" altLang="ko-KR" dirty="0" smtClean="0"/>
-            </a:br>
-            <a:r>
-              <a:rPr lang="en-US" altLang="ko-KR" dirty="0"/>
-              <a:t/>
-            </a:r>
-            <a:br>
-              <a:rPr lang="en-US" altLang="ko-KR" dirty="0"/>
-            </a:br>
-            <a:r>
-              <a:rPr lang="en-US" altLang="ko-KR" dirty="0" smtClean="0"/>
-              <a:t/>
-            </a:r>
-            <a:br>
-              <a:rPr lang="en-US" altLang="ko-KR" dirty="0" smtClean="0"/>
-            </a:br>
-            <a:r>
-              <a:rPr lang="en-US" altLang="ko-KR" dirty="0"/>
-              <a:t/>
-            </a:r>
-            <a:br>
-              <a:rPr lang="en-US" altLang="ko-KR" dirty="0"/>
-            </a:br>
-            <a:r>
-              <a:rPr lang="en-US" altLang="ko-KR" dirty="0" smtClean="0"/>
-              <a:t/>
-            </a:r>
-            <a:br>
-              <a:rPr lang="en-US" altLang="ko-KR" dirty="0" smtClean="0"/>
-            </a:br>
-            <a:r>
-              <a:rPr lang="en-US" altLang="ko-KR" dirty="0"/>
-              <a:t/>
-            </a:r>
-            <a:br>
-              <a:rPr lang="en-US" altLang="ko-KR" dirty="0"/>
-            </a:br>
-            <a:r>
-              <a:rPr lang="en-US" altLang="ko-KR" dirty="0" smtClean="0"/>
-              <a:t/>
-            </a:r>
-            <a:br>
-              <a:rPr lang="en-US" altLang="ko-KR" dirty="0" smtClean="0"/>
-            </a:br>
-            <a:r>
-              <a:rPr lang="en-US" altLang="ko-KR" dirty="0"/>
-              <a:t/>
-            </a:r>
-            <a:br>
-              <a:rPr lang="en-US" altLang="ko-KR" dirty="0"/>
-            </a:br>
-            <a:r>
-              <a:rPr lang="en-US" altLang="ko-KR" dirty="0" smtClean="0"/>
-              <a:t/>
-            </a:r>
-            <a:br>
-              <a:rPr lang="en-US" altLang="ko-KR" dirty="0" smtClean="0"/>
-            </a:br>
-            <a:r>
-              <a:rPr lang="en-US" altLang="ko-KR" dirty="0"/>
-              <a:t/>
-            </a:r>
-            <a:br>
-              <a:rPr lang="en-US" altLang="ko-KR" dirty="0"/>
-            </a:br>
-            <a:r>
-              <a:rPr lang="en-US" altLang="ko-KR" dirty="0" smtClean="0"/>
-              <a:t/>
-            </a:r>
-            <a:br>
-              <a:rPr lang="en-US" altLang="ko-KR" dirty="0" smtClean="0"/>
-            </a:br>
-            <a:r>
-              <a:rPr lang="en-US" altLang="ko-KR" dirty="0"/>
-              <a:t/>
-            </a:r>
-            <a:br>
-              <a:rPr lang="en-US" altLang="ko-KR" dirty="0"/>
-            </a:br>
-            <a:r>
-              <a:rPr lang="en-US" altLang="ko-KR" dirty="0" smtClean="0"/>
-              <a:t/>
-            </a:r>
-            <a:br>
-              <a:rPr lang="en-US" altLang="ko-KR" dirty="0" smtClean="0"/>
-            </a:br>
-            <a:r>
-              <a:rPr lang="en-US" altLang="ko-KR" dirty="0"/>
-              <a:t/>
-            </a:r>
-            <a:br>
-              <a:rPr lang="en-US" altLang="ko-KR" dirty="0"/>
-            </a:br>
-            <a:r>
-              <a:rPr lang="en-US" altLang="ko-KR" dirty="0" smtClean="0"/>
-              <a:t/>
-            </a:r>
-            <a:br>
-              <a:rPr lang="en-US" altLang="ko-KR" dirty="0" smtClean="0"/>
-            </a:br>
-            <a:r>
-              <a:rPr lang="en-US" altLang="ko-KR" dirty="0"/>
-              <a:t/>
-            </a:r>
-            <a:br>
-              <a:rPr lang="en-US" altLang="ko-KR" dirty="0"/>
-            </a:br>
-            <a:r>
-              <a:rPr lang="en-US" altLang="ko-KR" dirty="0" smtClean="0"/>
-              <a:t/>
-            </a:r>
-            <a:br>
-              <a:rPr lang="en-US" altLang="ko-KR" dirty="0" smtClean="0"/>
-            </a:br>
-            <a:r>
-              <a:rPr lang="en-US" altLang="ko-KR" dirty="0"/>
-              <a:t/>
-            </a:r>
-            <a:br>
-              <a:rPr lang="en-US" altLang="ko-KR" dirty="0"/>
-            </a:br>
-            <a:r>
-              <a:rPr lang="en-US" altLang="ko-KR" dirty="0" smtClean="0"/>
-              <a:t/>
-            </a:r>
-            <a:br>
-              <a:rPr lang="en-US" altLang="ko-KR" dirty="0" smtClean="0"/>
-            </a:br>
-            <a:r>
-              <a:rPr lang="en-US" altLang="ko-KR" dirty="0"/>
-              <a:t/>
-            </a:r>
-            <a:br>
-              <a:rPr lang="en-US" altLang="ko-KR" dirty="0"/>
-            </a:br>
-            <a:r>
-              <a:rPr lang="en-US" altLang="ko-KR" dirty="0" smtClean="0"/>
-              <a:t/>
-            </a:r>
-            <a:br>
-              <a:rPr lang="en-US" altLang="ko-KR" dirty="0" smtClean="0"/>
-            </a:br>
-            <a:r>
-              <a:rPr lang="en-US" altLang="ko-KR" dirty="0"/>
-              <a:t/>
-            </a:r>
-            <a:br>
-              <a:rPr lang="en-US" altLang="ko-KR" dirty="0"/>
-            </a:br>
-            <a:r>
-              <a:rPr lang="en-US" altLang="ko-KR" dirty="0" smtClean="0"/>
-              <a:t/>
-            </a:r>
-            <a:br>
-              <a:rPr lang="en-US" altLang="ko-KR" dirty="0" smtClean="0"/>
-            </a:br>
-            <a:r>
-              <a:rPr lang="en-US" altLang="ko-KR" dirty="0"/>
-              <a:t/>
-            </a:r>
-            <a:br>
-              <a:rPr lang="en-US" altLang="ko-KR" dirty="0"/>
-            </a:br>
-            <a:r>
-              <a:rPr lang="en-US" altLang="ko-KR" dirty="0" smtClean="0"/>
-              <a:t/>
-            </a:r>
-            <a:br>
-              <a:rPr lang="en-US" altLang="ko-KR" dirty="0" smtClean="0"/>
-            </a:br>
-            <a:r>
-              <a:rPr lang="en-US" altLang="ko-KR" dirty="0"/>
-              <a:t/>
-            </a:r>
-            <a:br>
-              <a:rPr lang="en-US" altLang="ko-KR" dirty="0"/>
-            </a:br>
-            <a:r>
-              <a:rPr lang="en-US" altLang="ko-KR" dirty="0" smtClean="0"/>
-              <a:t/>
-            </a:r>
-            <a:br>
-              <a:rPr lang="en-US" altLang="ko-KR" dirty="0" smtClean="0"/>
-            </a:br>
-            <a:r>
-              <a:rPr lang="en-US" altLang="ko-KR" dirty="0"/>
-              <a:t/>
-            </a:r>
-            <a:br>
-              <a:rPr lang="en-US" altLang="ko-KR" dirty="0"/>
-            </a:br>
-            <a:r>
-              <a:rPr lang="en-US" altLang="ko-KR" dirty="0" smtClean="0"/>
-              <a:t/>
-            </a:r>
-            <a:br>
-              <a:rPr lang="en-US" altLang="ko-KR" dirty="0" smtClean="0"/>
-            </a:br>
-            <a:r>
-              <a:rPr lang="en-US" altLang="ko-KR" dirty="0"/>
-              <a:t/>
-            </a:r>
-            <a:br>
-              <a:rPr lang="en-US" altLang="ko-KR" dirty="0"/>
-            </a:br>
-            <a:r>
-              <a:rPr lang="en-US" altLang="ko-KR" dirty="0" smtClean="0"/>
-              <a:t/>
-            </a:r>
-            <a:br>
-              <a:rPr lang="en-US" altLang="ko-KR" dirty="0" smtClean="0"/>
-            </a:br>
-            <a:r>
-              <a:rPr lang="en-US" altLang="ko-KR" dirty="0"/>
-              <a:t/>
-            </a:r>
-            <a:br>
-              <a:rPr lang="en-US" altLang="ko-KR" dirty="0"/>
-            </a:br>
-            <a:r>
-              <a:rPr lang="en-US" altLang="ko-KR" dirty="0" smtClean="0"/>
-              <a:t/>
-            </a:r>
-            <a:br>
-              <a:rPr lang="en-US" altLang="ko-KR" dirty="0" smtClean="0"/>
-            </a:br>
-            <a:r>
-              <a:rPr lang="en-US" altLang="ko-KR" dirty="0"/>
-              <a:t/>
-            </a:r>
-            <a:br>
-              <a:rPr lang="en-US" altLang="ko-KR" dirty="0"/>
-            </a:br>
-            <a:r>
-              <a:rPr lang="en-US" altLang="ko-KR" dirty="0" smtClean="0"/>
-              <a:t/>
-            </a:r>
-            <a:br>
-              <a:rPr lang="en-US" altLang="ko-KR" dirty="0" smtClean="0"/>
-            </a:br>
-            <a:r>
-              <a:rPr lang="en-US" altLang="ko-KR" dirty="0"/>
-              <a:t/>
-            </a:r>
-            <a:br>
-              <a:rPr lang="en-US" altLang="ko-KR" dirty="0"/>
-            </a:br>
-            <a:r>
-              <a:rPr lang="en-US" altLang="ko-KR" dirty="0" smtClean="0"/>
-              <a:t/>
-            </a:r>
-            <a:br>
-              <a:rPr lang="en-US" altLang="ko-KR" dirty="0" smtClean="0"/>
-            </a:br>
-            <a:r>
-              <a:rPr lang="en-US" altLang="ko-KR" dirty="0"/>
-              <a:t/>
-            </a:r>
-            <a:br>
-              <a:rPr lang="en-US" altLang="ko-KR" dirty="0"/>
-            </a:br>
-            <a:r>
-              <a:rPr lang="en-US" altLang="ko-KR" dirty="0" smtClean="0"/>
-              <a:t/>
-            </a:r>
-            <a:br>
-              <a:rPr lang="en-US" altLang="ko-KR" dirty="0" smtClean="0"/>
-            </a:br>
-            <a:r>
-              <a:rPr lang="en-US" altLang="ko-KR" dirty="0"/>
-              <a:t/>
-            </a:r>
-            <a:br>
-              <a:rPr lang="en-US" altLang="ko-KR" dirty="0"/>
-            </a:br>
-            <a:r>
-              <a:rPr lang="en-US" altLang="ko-KR" dirty="0" smtClean="0"/>
-              <a:t/>
-            </a:r>
-            <a:br>
-              <a:rPr lang="en-US" altLang="ko-KR" dirty="0" smtClean="0"/>
-            </a:br>
-            <a:r>
-              <a:rPr lang="en-US" altLang="ko-KR" dirty="0"/>
-              <a:t/>
-            </a:r>
-            <a:br>
-              <a:rPr lang="en-US" altLang="ko-KR" dirty="0"/>
-            </a:br>
-            <a:r>
-              <a:rPr lang="en-US" altLang="ko-KR" dirty="0" smtClean="0"/>
-              <a:t/>
-            </a:r>
-            <a:br>
-              <a:rPr lang="en-US" altLang="ko-KR" dirty="0" smtClean="0"/>
-            </a:br>
-            <a:r>
-              <a:rPr lang="en-US" altLang="ko-KR" dirty="0"/>
-              <a:t/>
-            </a:r>
-            <a:br>
-              <a:rPr lang="en-US" altLang="ko-KR" dirty="0"/>
-            </a:br>
-            <a:r>
-              <a:rPr lang="en-US" altLang="ko-KR" dirty="0" smtClean="0"/>
-              <a:t/>
-            </a:r>
-            <a:br>
-              <a:rPr lang="en-US" altLang="ko-KR" dirty="0" smtClean="0"/>
-            </a:br>
-            <a:r>
-              <a:rPr lang="en-US" altLang="ko-KR" dirty="0"/>
-              <a:t/>
-            </a:r>
-            <a:br>
-              <a:rPr lang="en-US" altLang="ko-KR" dirty="0"/>
-            </a:br>
-            <a:r>
-              <a:rPr lang="en-US" altLang="ko-KR" dirty="0" smtClean="0"/>
-              <a:t/>
-            </a:r>
-            <a:br>
-              <a:rPr lang="en-US" altLang="ko-KR" dirty="0" smtClean="0"/>
-            </a:br>
-            <a:r>
-              <a:rPr lang="en-US" altLang="ko-KR" dirty="0"/>
-              <a:t/>
-            </a:r>
-            <a:br>
-              <a:rPr lang="en-US" altLang="ko-KR" dirty="0"/>
-            </a:br>
-            <a:r>
-              <a:rPr lang="en-US" altLang="ko-KR" dirty="0" smtClean="0"/>
-              <a:t/>
-            </a:r>
-            <a:br>
-              <a:rPr lang="en-US" altLang="ko-KR" dirty="0" smtClean="0"/>
-            </a:br>
-            <a:r>
-              <a:rPr lang="en-US" altLang="ko-KR" dirty="0"/>
-              <a:t/>
-            </a:r>
-            <a:br>
-              <a:rPr lang="en-US" altLang="ko-KR" dirty="0"/>
-            </a:br>
-            <a:r>
-              <a:rPr lang="en-US" altLang="ko-KR" dirty="0" smtClean="0"/>
-              <a:t/>
-            </a:r>
-            <a:br>
-              <a:rPr lang="en-US" altLang="ko-KR" dirty="0" smtClean="0"/>
-            </a:br>
-            <a:r>
-              <a:rPr lang="en-US" altLang="ko-KR" dirty="0"/>
-              <a:t/>
-            </a:r>
-            <a:br>
-              <a:rPr lang="en-US" altLang="ko-KR" dirty="0"/>
-            </a:br>
-            <a:r>
-              <a:rPr lang="en-US" altLang="ko-KR" dirty="0" smtClean="0"/>
-              <a:t/>
-            </a:r>
-            <a:br>
-              <a:rPr lang="en-US" altLang="ko-KR" dirty="0" smtClean="0"/>
-            </a:br>
-            <a:r>
-              <a:rPr lang="en-US" altLang="ko-KR" dirty="0"/>
-              <a:t/>
-            </a:r>
-            <a:br>
-              <a:rPr lang="en-US" altLang="ko-KR" dirty="0"/>
-            </a:br>
-            <a:r>
-              <a:rPr lang="en-US" altLang="ko-KR" dirty="0" smtClean="0"/>
-              <a:t/>
-            </a:r>
-            <a:br>
-              <a:rPr lang="en-US" altLang="ko-KR" dirty="0" smtClean="0"/>
-            </a:br>
-            <a:r>
-              <a:rPr lang="en-US" altLang="ko-KR" dirty="0"/>
-              <a:t/>
-            </a:r>
-            <a:br>
-              <a:rPr lang="en-US" altLang="ko-KR" dirty="0"/>
-            </a:br>
-            <a:r>
-              <a:rPr lang="en-US" altLang="ko-KR" dirty="0" smtClean="0"/>
-              <a:t/>
-            </a:r>
-            <a:br>
-              <a:rPr lang="en-US" altLang="ko-KR" dirty="0" smtClean="0"/>
-            </a:br>
-            <a:r>
-              <a:rPr lang="en-US" altLang="ko-KR" dirty="0"/>
-              <a:t/>
-            </a:r>
-            <a:br>
-              <a:rPr lang="en-US" altLang="ko-KR" dirty="0"/>
-            </a:br>
-            <a:r>
-              <a:rPr lang="en-US" altLang="ko-KR" dirty="0" smtClean="0"/>
-              <a:t/>
-            </a:r>
-            <a:br>
-              <a:rPr lang="en-US" altLang="ko-KR" dirty="0" smtClean="0"/>
-            </a:br>
-            <a:r>
-              <a:rPr lang="en-US" altLang="ko-KR" dirty="0"/>
-              <a:t/>
-            </a:r>
-            <a:br>
-              <a:rPr lang="en-US" altLang="ko-KR" dirty="0"/>
-            </a:br>
-            <a:r>
-              <a:rPr lang="en-US" altLang="ko-KR" dirty="0" smtClean="0"/>
-              <a:t/>
-            </a:r>
-            <a:br>
-              <a:rPr lang="en-US" altLang="ko-KR" dirty="0" smtClean="0"/>
-            </a:br>
-            <a:r>
-              <a:rPr lang="en-US" altLang="ko-KR" dirty="0"/>
-              <a:t/>
-            </a:r>
-            <a:br>
-              <a:rPr lang="en-US" altLang="ko-KR" dirty="0"/>
-            </a:br>
-            <a:r>
-              <a:rPr lang="en-US" altLang="ko-KR" dirty="0" smtClean="0"/>
-              <a:t/>
-            </a:r>
-            <a:br>
-              <a:rPr lang="en-US" altLang="ko-KR" dirty="0" smtClean="0"/>
-            </a:br>
-            <a:r>
-              <a:rPr lang="en-US" altLang="ko-KR" dirty="0"/>
-              <a:t/>
-            </a:r>
-            <a:br>
-              <a:rPr lang="en-US" altLang="ko-KR" dirty="0"/>
-            </a:br>
-            <a:r>
-              <a:rPr lang="en-US" altLang="ko-KR" dirty="0" smtClean="0"/>
-              <a:t/>
-            </a:r>
-            <a:br>
-              <a:rPr lang="en-US" altLang="ko-KR" dirty="0" smtClean="0"/>
-            </a:br>
-            <a:r>
-              <a:rPr lang="en-US" altLang="ko-KR" dirty="0"/>
-              <a:t/>
-            </a:r>
-            <a:br>
-              <a:rPr lang="en-US" altLang="ko-KR" dirty="0"/>
-            </a:br>
-            <a:r>
-              <a:rPr lang="en-US" altLang="ko-KR" dirty="0" smtClean="0"/>
-              <a:t/>
-            </a:r>
-            <a:br>
-              <a:rPr lang="en-US" altLang="ko-KR" dirty="0" smtClean="0"/>
-            </a:br>
-            <a:r>
-              <a:rPr lang="en-US" altLang="ko-KR" dirty="0"/>
-              <a:t/>
-            </a:r>
-            <a:br>
-              <a:rPr lang="en-US" altLang="ko-KR" dirty="0"/>
-            </a:br>
-            <a:r>
-              <a:rPr lang="en-US" altLang="ko-KR" dirty="0" smtClean="0"/>
-              <a:t/>
-            </a:r>
-            <a:br>
-              <a:rPr lang="en-US" altLang="ko-KR" dirty="0" smtClean="0"/>
-            </a:br>
-            <a:r>
-              <a:rPr lang="en-US" altLang="ko-KR" dirty="0"/>
-              <a:t/>
-            </a:r>
-            <a:br>
-              <a:rPr lang="en-US" altLang="ko-KR" dirty="0"/>
-            </a:br>
-            <a:r>
-              <a:rPr lang="en-US" altLang="ko-KR" dirty="0" smtClean="0"/>
-              <a:t/>
-            </a:r>
-            <a:br>
-              <a:rPr lang="en-US" altLang="ko-KR" dirty="0" smtClean="0"/>
-            </a:br>
-            <a:r>
-              <a:rPr lang="en-US" altLang="ko-KR" dirty="0"/>
-              <a:t/>
-            </a:r>
-            <a:br>
-              <a:rPr lang="en-US" altLang="ko-KR" dirty="0"/>
-            </a:br>
-            <a:r>
-              <a:rPr lang="en-US" altLang="ko-KR" dirty="0" smtClean="0"/>
-              <a:t/>
-            </a:r>
-            <a:br>
-              <a:rPr lang="en-US" altLang="ko-KR" dirty="0" smtClean="0"/>
-            </a:br>
-            <a:r>
-              <a:rPr lang="en-US" altLang="ko-KR" dirty="0"/>
-              <a:t/>
-            </a:r>
-            <a:br>
-              <a:rPr lang="en-US" altLang="ko-KR" dirty="0"/>
-            </a:br>
-            <a:r>
-              <a:rPr lang="en-US" altLang="ko-KR" dirty="0" smtClean="0"/>
-              <a:t/>
-            </a:r>
-            <a:br>
-              <a:rPr lang="en-US" altLang="ko-KR" dirty="0" smtClean="0"/>
-            </a:br>
-            <a:r>
-              <a:rPr lang="en-US" altLang="ko-KR" dirty="0"/>
-              <a:t/>
-            </a:r>
-            <a:br>
-              <a:rPr lang="en-US" altLang="ko-KR" dirty="0"/>
-            </a:br>
-            <a:r>
-              <a:rPr lang="en-US" altLang="ko-KR" dirty="0" smtClean="0"/>
-              <a:t/>
-            </a:r>
-            <a:br>
-              <a:rPr lang="en-US" altLang="ko-KR" dirty="0" smtClean="0"/>
-            </a:br>
-            <a:r>
-              <a:rPr lang="en-US" altLang="ko-KR" dirty="0"/>
-              <a:t/>
-            </a:r>
-            <a:br>
-              <a:rPr lang="en-US" altLang="ko-KR" dirty="0"/>
-            </a:br>
-            <a:r>
-              <a:rPr lang="en-US" altLang="ko-KR" dirty="0" smtClean="0"/>
-              <a:t/>
-            </a:r>
-            <a:br>
-              <a:rPr lang="en-US" altLang="ko-KR" dirty="0" smtClean="0"/>
-            </a:br>
-            <a:r>
-              <a:rPr lang="en-US" altLang="ko-KR" dirty="0"/>
-              <a:t/>
-            </a:r>
-            <a:br>
-              <a:rPr lang="en-US" altLang="ko-KR" dirty="0"/>
-            </a:br>
-            <a:r>
-              <a:rPr lang="en-US" altLang="ko-KR" dirty="0" smtClean="0"/>
-              <a:t/>
-            </a:r>
-            <a:br>
-              <a:rPr lang="en-US" altLang="ko-KR" dirty="0" smtClean="0"/>
-            </a:br>
-            <a:r>
-              <a:rPr lang="en-US" altLang="ko-KR" dirty="0"/>
-              <a:t/>
-            </a:r>
-            <a:br>
-              <a:rPr lang="en-US" altLang="ko-KR" dirty="0"/>
-            </a:br>
-            <a:r>
-              <a:rPr lang="en-US" altLang="ko-KR" dirty="0" smtClean="0"/>
-              <a:t/>
-            </a:r>
-            <a:br>
-              <a:rPr lang="en-US" altLang="ko-KR" dirty="0" smtClean="0"/>
-            </a:br>
-            <a:r>
-              <a:rPr lang="en-US" altLang="ko-KR" dirty="0"/>
-              <a:t/>
-            </a:r>
-            <a:br>
-              <a:rPr lang="en-US" altLang="ko-KR" dirty="0"/>
-            </a:br>
-            <a:r>
-              <a:rPr lang="en-US" altLang="ko-KR" dirty="0" smtClean="0"/>
-              <a:t/>
-            </a:r>
-            <a:br>
-              <a:rPr lang="en-US" altLang="ko-KR" dirty="0" smtClean="0"/>
-            </a:br>
-            <a:r>
-              <a:rPr lang="en-US" altLang="ko-KR" dirty="0"/>
-              <a:t/>
-            </a:r>
-            <a:br>
-              <a:rPr lang="en-US" altLang="ko-KR" dirty="0"/>
-            </a:br>
-            <a:r>
-              <a:rPr lang="en-US" altLang="ko-KR" dirty="0" smtClean="0"/>
-              <a:t/>
-            </a:r>
-            <a:br>
-              <a:rPr lang="en-US" altLang="ko-KR" dirty="0" smtClean="0"/>
-            </a:br>
-            <a:r>
-              <a:rPr lang="en-US" altLang="ko-KR" dirty="0"/>
-              <a:t/>
-            </a:r>
-            <a:br>
-              <a:rPr lang="en-US" altLang="ko-KR" dirty="0"/>
-            </a:br>
-            <a:r>
-              <a:rPr lang="en-US" altLang="ko-KR" dirty="0" smtClean="0"/>
-              <a:t/>
-            </a:r>
-            <a:br>
-              <a:rPr lang="en-US" altLang="ko-KR" dirty="0" smtClean="0"/>
-            </a:br>
-            <a:r>
-              <a:rPr lang="en-US" altLang="ko-KR" dirty="0"/>
-              <a:t/>
-            </a:r>
-            <a:br>
-              <a:rPr lang="en-US" altLang="ko-KR" dirty="0"/>
-            </a:br>
-            <a:r>
-              <a:rPr lang="en-US" altLang="ko-KR" dirty="0" smtClean="0"/>
-              <a:t/>
-            </a:r>
-            <a:br>
-              <a:rPr lang="en-US" altLang="ko-KR" dirty="0" smtClean="0"/>
-            </a:br>
-            <a:r>
-              <a:rPr lang="en-US" altLang="ko-KR" dirty="0"/>
-              <a:t/>
-            </a:r>
-            <a:br>
-              <a:rPr lang="en-US" altLang="ko-KR" dirty="0"/>
-            </a:br>
-            <a:r>
-              <a:rPr lang="en-US" altLang="ko-KR" dirty="0" smtClean="0"/>
-              <a:t/>
-            </a:r>
-            <a:br>
-              <a:rPr lang="en-US" altLang="ko-KR" dirty="0" smtClean="0"/>
-            </a:br>
-            <a:r>
-              <a:rPr lang="en-US" altLang="ko-KR" dirty="0"/>
-              <a:t/>
-            </a:r>
-            <a:br>
-              <a:rPr lang="en-US" altLang="ko-KR" dirty="0"/>
-            </a:br>
-            <a:r>
-              <a:rPr lang="en-US" altLang="ko-KR" dirty="0" smtClean="0"/>
-              <a:t/>
-            </a:r>
-            <a:br>
-              <a:rPr lang="en-US" altLang="ko-KR" dirty="0" smtClean="0"/>
-            </a:br>
-            <a:r>
-              <a:rPr lang="en-US" altLang="ko-KR" dirty="0"/>
-              <a:t/>
-            </a:r>
-            <a:br>
-              <a:rPr lang="en-US" altLang="ko-KR" dirty="0"/>
-            </a:br>
-            <a:r>
-              <a:rPr lang="en-US" altLang="ko-KR" dirty="0" smtClean="0"/>
-              <a:t/>
-            </a:r>
-            <a:br>
-              <a:rPr lang="en-US" altLang="ko-KR" dirty="0" smtClean="0"/>
-            </a:br>
-            <a:r>
-              <a:rPr lang="en-US" altLang="ko-KR" dirty="0"/>
-              <a:t/>
-            </a:r>
-            <a:br>
-              <a:rPr lang="en-US" altLang="ko-KR" dirty="0"/>
-            </a:br>
-            <a:r>
-              <a:rPr lang="en-US" altLang="ko-KR" dirty="0" smtClean="0"/>
-              <a:t/>
-            </a:r>
-            <a:br>
-              <a:rPr lang="en-US" altLang="ko-KR" dirty="0" smtClean="0"/>
-            </a:br>
-            <a:r>
-              <a:rPr lang="en-US" altLang="ko-KR" dirty="0"/>
-              <a:t/>
-            </a:r>
-            <a:br>
-              <a:rPr lang="en-US" altLang="ko-KR" dirty="0"/>
-            </a:br>
-            <a:r>
-              <a:rPr lang="en-US" altLang="ko-KR" dirty="0" smtClean="0"/>
-              <a:t/>
-            </a:r>
-            <a:br>
-              <a:rPr lang="en-US" altLang="ko-KR" dirty="0" smtClean="0"/>
-            </a:br>
-            <a:r>
-              <a:rPr lang="en-US" altLang="ko-KR" dirty="0"/>
-              <a:t/>
-            </a:r>
-            <a:br>
-              <a:rPr lang="en-US" altLang="ko-KR" dirty="0"/>
-            </a:br>
-            <a:r>
-              <a:rPr lang="en-US" altLang="ko-KR" dirty="0" smtClean="0"/>
-              <a:t/>
-            </a:r>
-            <a:br>
-              <a:rPr lang="en-US" altLang="ko-KR" dirty="0" smtClean="0"/>
-            </a:br>
-            <a:r>
-              <a:rPr lang="en-US" altLang="ko-KR" dirty="0"/>
-              <a:t/>
-            </a:r>
-            <a:br>
-              <a:rPr lang="en-US" altLang="ko-KR" dirty="0"/>
-            </a:br>
-            <a:r>
-              <a:rPr lang="en-US" altLang="ko-KR" dirty="0" smtClean="0"/>
-              <a:t/>
-            </a:r>
-            <a:br>
-              <a:rPr lang="en-US" altLang="ko-KR" dirty="0" smtClean="0"/>
-            </a:br>
-            <a:r>
-              <a:rPr lang="en-US" altLang="ko-KR" dirty="0"/>
-              <a:t/>
-            </a:r>
-            <a:br>
-              <a:rPr lang="en-US" altLang="ko-KR" dirty="0"/>
-            </a:br>
-            <a:r>
-              <a:rPr lang="en-US" altLang="ko-KR" dirty="0" smtClean="0"/>
-              <a:t/>
-            </a:r>
-            <a:br>
-              <a:rPr lang="en-US" altLang="ko-KR" dirty="0" smtClean="0"/>
-            </a:br>
-            <a:r>
-              <a:rPr lang="en-US" altLang="ko-KR" dirty="0"/>
-              <a:t/>
-            </a:r>
-            <a:br>
-              <a:rPr lang="en-US" altLang="ko-KR" dirty="0"/>
-            </a:br>
-            <a:r>
-              <a:rPr lang="en-US" altLang="ko-KR" dirty="0" smtClean="0"/>
-              <a:t/>
-            </a:r>
-            <a:br>
-              <a:rPr lang="en-US" altLang="ko-KR" dirty="0" smtClean="0"/>
-            </a:br>
-            <a:r>
-              <a:rPr lang="en-US" altLang="ko-KR" dirty="0"/>
-              <a:t/>
-            </a:r>
-            <a:br>
-              <a:rPr lang="en-US" altLang="ko-KR" dirty="0"/>
-            </a:br>
-            <a:r>
-              <a:rPr lang="en-US" altLang="ko-KR" dirty="0" smtClean="0"/>
-              <a:t/>
-            </a:r>
-            <a:br>
-              <a:rPr lang="en-US" altLang="ko-KR" dirty="0" smtClean="0"/>
-            </a:br>
-            <a:r>
-              <a:rPr lang="en-US" altLang="ko-KR" dirty="0"/>
-              <a:t/>
-            </a:r>
-            <a:br>
-              <a:rPr lang="en-US" altLang="ko-KR" dirty="0"/>
-            </a:br>
-            <a:r>
-              <a:rPr lang="en-US" altLang="ko-KR" dirty="0" smtClean="0"/>
-              <a:t/>
-            </a:r>
-            <a:br>
-              <a:rPr lang="en-US" altLang="ko-KR" dirty="0" smtClean="0"/>
-            </a:br>
-            <a:r>
-              <a:rPr lang="en-US" altLang="ko-KR" dirty="0"/>
-              <a:t/>
-            </a:r>
-            <a:br>
-              <a:rPr lang="en-US" altLang="ko-KR" dirty="0"/>
-            </a:br>
-            <a:r>
-              <a:rPr lang="en-US" altLang="ko-KR" dirty="0" smtClean="0"/>
-              <a:t/>
-            </a:r>
-            <a:br>
-              <a:rPr lang="en-US" altLang="ko-KR" dirty="0" smtClean="0"/>
-            </a:br>
-            <a:r>
-              <a:rPr lang="en-US" altLang="ko-KR" dirty="0"/>
-              <a:t/>
-            </a:r>
-            <a:br>
-              <a:rPr lang="en-US" altLang="ko-KR" dirty="0"/>
-            </a:br>
-            <a:r>
-              <a:rPr lang="en-US" altLang="ko-KR" dirty="0" smtClean="0"/>
-              <a:t/>
-            </a:r>
-            <a:br>
-              <a:rPr lang="en-US" altLang="ko-KR" dirty="0" smtClean="0"/>
-            </a:br>
-            <a:r>
-              <a:rPr lang="en-US" altLang="ko-KR" dirty="0"/>
-              <a:t/>
-            </a:r>
-            <a:br>
-              <a:rPr lang="en-US" altLang="ko-KR" dirty="0"/>
-            </a:br>
-            <a:r>
-              <a:rPr lang="en-US" altLang="ko-KR" dirty="0" smtClean="0"/>
-              <a:t/>
-            </a:r>
-            <a:br>
-              <a:rPr lang="en-US" altLang="ko-KR" dirty="0" smtClean="0"/>
-            </a:br>
-            <a:r>
-              <a:rPr lang="en-US" altLang="ko-KR" dirty="0"/>
-              <a:t/>
-            </a:r>
-            <a:br>
-              <a:rPr lang="en-US" altLang="ko-KR" dirty="0"/>
-            </a:br>
-            <a:r>
-              <a:rPr lang="en-US" altLang="ko-KR" dirty="0" smtClean="0"/>
-              <a:t/>
-            </a:r>
-            <a:br>
-              <a:rPr lang="en-US" altLang="ko-KR" dirty="0" smtClean="0"/>
-            </a:br>
-            <a:r>
-              <a:rPr lang="en-US" altLang="ko-KR" dirty="0"/>
-              <a:t/>
-            </a:r>
-            <a:br>
-              <a:rPr lang="en-US" altLang="ko-KR" dirty="0"/>
-            </a:br>
-            <a:r>
-              <a:rPr lang="en-US" altLang="ko-KR" dirty="0" smtClean="0"/>
-              <a:t/>
-            </a:r>
-            <a:br>
-              <a:rPr lang="en-US" altLang="ko-KR" dirty="0" smtClean="0"/>
-            </a:br>
-            <a:r>
-              <a:rPr lang="en-US" altLang="ko-KR" dirty="0"/>
-              <a:t/>
-            </a:r>
-            <a:br>
-              <a:rPr lang="en-US" altLang="ko-KR" dirty="0"/>
-            </a:br>
-            <a:r>
-              <a:rPr lang="en-US" altLang="ko-KR" dirty="0" smtClean="0"/>
-              <a:t/>
-            </a:r>
-            <a:br>
-              <a:rPr lang="en-US" altLang="ko-KR" dirty="0" smtClean="0"/>
-            </a:br>
-            <a:r>
-              <a:rPr lang="en-US" altLang="ko-KR" dirty="0"/>
-              <a:t/>
-            </a:r>
-            <a:br>
-              <a:rPr lang="en-US" altLang="ko-KR" dirty="0"/>
-            </a:br>
-            <a:r>
-              <a:rPr lang="en-US" altLang="ko-KR" dirty="0" smtClean="0"/>
-              <a:t/>
-            </a:r>
-            <a:br>
-              <a:rPr lang="en-US" altLang="ko-KR" dirty="0" smtClean="0"/>
-            </a:br>
-            <a:r>
-              <a:rPr lang="en-US" altLang="ko-KR" dirty="0" smtClean="0"/>
-              <a:t>Proposal </a:t>
-            </a:r>
-            <a:r>
-              <a:rPr lang="ko-KR" altLang="en-US" dirty="0" smtClean="0"/>
-              <a:t>연구 계획서</a:t>
-            </a:r>
-            <a:endParaRPr lang="ko-KR" altLang="en-US" dirty="0"/>
+            <a:br>
+              <a:rPr lang="en-US" altLang="ko-KR" dirty="0"/>
+            </a:br>
+            <a:br>
+              <a:rPr lang="en-US" altLang="ko-KR" dirty="0"/>
+            </a:br>
+            <a:br>
+              <a:rPr lang="en-US" altLang="ko-KR" dirty="0"/>
+            </a:br>
+            <a:br>
+              <a:rPr lang="en-US" altLang="ko-KR" dirty="0"/>
+            </a:br>
+            <a:br>
+              <a:rPr lang="en-US" altLang="ko-KR" dirty="0"/>
+            </a:br>
+            <a:br>
+              <a:rPr lang="en-US" altLang="ko-KR" dirty="0"/>
+            </a:br>
+            <a:br>
+              <a:rPr lang="en-US" altLang="ko-KR" dirty="0"/>
+            </a:br>
+            <a:br>
+              <a:rPr lang="en-US" altLang="ko-KR" dirty="0"/>
+            </a:br>
+            <a:br>
+              <a:rPr lang="en-US" altLang="ko-KR" dirty="0"/>
+            </a:br>
+            <a:br>
+              <a:rPr lang="en-US" altLang="ko-KR" dirty="0"/>
+            </a:br>
+            <a:br>
+              <a:rPr lang="en-US" altLang="ko-KR" dirty="0"/>
+            </a:br>
+            <a:br>
+              <a:rPr lang="en-US" altLang="ko-KR" dirty="0"/>
+            </a:br>
+            <a:br>
+              <a:rPr lang="en-US" altLang="ko-KR" dirty="0"/>
+            </a:br>
+            <a:br>
+              <a:rPr lang="en-US" altLang="ko-KR" dirty="0"/>
+            </a:br>
+            <a:br>
+              <a:rPr lang="en-US" altLang="ko-KR" dirty="0"/>
+            </a:br>
+            <a:br>
+              <a:rPr lang="en-US" altLang="ko-KR" dirty="0"/>
+            </a:br>
+            <a:br>
+              <a:rPr lang="en-US" altLang="ko-KR" dirty="0"/>
+            </a:br>
+            <a:br>
+              <a:rPr lang="en-US" altLang="ko-KR" dirty="0"/>
+            </a:br>
+            <a:br>
+              <a:rPr lang="en-US" altLang="ko-KR" dirty="0"/>
+            </a:br>
+            <a:br>
+              <a:rPr lang="en-US" altLang="ko-KR" dirty="0"/>
+            </a:br>
+            <a:br>
+              <a:rPr lang="en-US" altLang="ko-KR" dirty="0"/>
+            </a:br>
+            <a:br>
+              <a:rPr lang="en-US" altLang="ko-KR" dirty="0"/>
+            </a:br>
+            <a:br>
+              <a:rPr lang="en-US" altLang="ko-KR" dirty="0"/>
+            </a:br>
+            <a:br>
+              <a:rPr lang="en-US" altLang="ko-KR" dirty="0"/>
+            </a:br>
+            <a:br>
+              <a:rPr lang="en-US" altLang="ko-KR" dirty="0"/>
+            </a:br>
+            <a:br>
+              <a:rPr lang="en-US" altLang="ko-KR" dirty="0"/>
+            </a:br>
+            <a:br>
+              <a:rPr lang="en-US" altLang="ko-KR" dirty="0"/>
+            </a:br>
+            <a:br>
+              <a:rPr lang="en-US" altLang="ko-KR" dirty="0"/>
+            </a:br>
+            <a:br>
+              <a:rPr lang="en-US" altLang="ko-KR" dirty="0"/>
+            </a:br>
+            <a:br>
+              <a:rPr lang="en-US" altLang="ko-KR" dirty="0"/>
+            </a:br>
+            <a:br>
+              <a:rPr lang="en-US" altLang="ko-KR" dirty="0"/>
+            </a:br>
+            <a:br>
+              <a:rPr lang="en-US" altLang="ko-KR" dirty="0"/>
+            </a:br>
+            <a:br>
+              <a:rPr lang="en-US" altLang="ko-KR" dirty="0"/>
+            </a:br>
+            <a:br>
+              <a:rPr lang="en-US" altLang="ko-KR" dirty="0"/>
+            </a:br>
+            <a:br>
+              <a:rPr lang="en-US" altLang="ko-KR" dirty="0"/>
+            </a:br>
+            <a:br>
+              <a:rPr lang="en-US" altLang="ko-KR" dirty="0"/>
+            </a:br>
+            <a:br>
+              <a:rPr lang="en-US" altLang="ko-KR" dirty="0"/>
+            </a:br>
+            <a:br>
+              <a:rPr lang="en-US" altLang="ko-KR" dirty="0"/>
+            </a:br>
+            <a:br>
+              <a:rPr lang="en-US" altLang="ko-KR" dirty="0"/>
+            </a:br>
+            <a:br>
+              <a:rPr lang="en-US" altLang="ko-KR" dirty="0"/>
+            </a:br>
+            <a:br>
+              <a:rPr lang="en-US" altLang="ko-KR" dirty="0"/>
+            </a:br>
+            <a:br>
+              <a:rPr lang="en-US" altLang="ko-KR" dirty="0"/>
+            </a:br>
+            <a:br>
+              <a:rPr lang="en-US" altLang="ko-KR" dirty="0"/>
+            </a:br>
+            <a:br>
+              <a:rPr lang="en-US" altLang="ko-KR" dirty="0"/>
+            </a:br>
+            <a:br>
+              <a:rPr lang="en-US" altLang="ko-KR" dirty="0"/>
+            </a:br>
+            <a:br>
+              <a:rPr lang="en-US" altLang="ko-KR" dirty="0"/>
+            </a:br>
+            <a:br>
+              <a:rPr lang="en-US" altLang="ko-KR" dirty="0"/>
+            </a:br>
+            <a:br>
+              <a:rPr lang="en-US" altLang="ko-KR" dirty="0"/>
+            </a:br>
+            <a:br>
+              <a:rPr lang="en-US" altLang="ko-KR" dirty="0"/>
+            </a:br>
+            <a:br>
+              <a:rPr lang="en-US" altLang="ko-KR" dirty="0"/>
+            </a:br>
+            <a:br>
+              <a:rPr lang="en-US" altLang="ko-KR" dirty="0"/>
+            </a:br>
+            <a:br>
+              <a:rPr lang="en-US" altLang="ko-KR" dirty="0"/>
+            </a:br>
+            <a:br>
+              <a:rPr lang="en-US" altLang="ko-KR" dirty="0"/>
+            </a:br>
+            <a:br>
+              <a:rPr lang="en-US" altLang="ko-KR" dirty="0"/>
+            </a:br>
+            <a:br>
+              <a:rPr lang="en-US" altLang="ko-KR" dirty="0"/>
+            </a:br>
+            <a:br>
+              <a:rPr lang="en-US" altLang="ko-KR" dirty="0"/>
+            </a:br>
+            <a:br>
+              <a:rPr lang="en-US" altLang="ko-KR" dirty="0"/>
+            </a:br>
+            <a:br>
+              <a:rPr lang="en-US" altLang="ko-KR" dirty="0"/>
+            </a:br>
+            <a:br>
+              <a:rPr lang="en-US" altLang="ko-KR" dirty="0"/>
+            </a:br>
+            <a:br>
+              <a:rPr lang="en-US" altLang="ko-KR" dirty="0"/>
+            </a:br>
+            <a:br>
+              <a:rPr lang="en-US" altLang="ko-KR" dirty="0"/>
+            </a:br>
+            <a:br>
+              <a:rPr lang="en-US" altLang="ko-KR" dirty="0"/>
+            </a:br>
+            <a:br>
+              <a:rPr lang="en-US" altLang="ko-KR" dirty="0"/>
+            </a:br>
+            <a:br>
+              <a:rPr lang="en-US" altLang="ko-KR" dirty="0"/>
+            </a:br>
+            <a:br>
+              <a:rPr lang="en-US" altLang="ko-KR" dirty="0"/>
+            </a:br>
+            <a:br>
+              <a:rPr lang="en-US" altLang="ko-KR" dirty="0"/>
+            </a:br>
+            <a:br>
+              <a:rPr lang="en-US" altLang="ko-KR" dirty="0"/>
+            </a:br>
+            <a:br>
+              <a:rPr lang="en-US" altLang="ko-KR" dirty="0"/>
+            </a:br>
+            <a:br>
+              <a:rPr lang="en-US" altLang="ko-KR" dirty="0"/>
+            </a:br>
+            <a:br>
+              <a:rPr lang="en-US" altLang="ko-KR" dirty="0"/>
+            </a:br>
+            <a:br>
+              <a:rPr lang="en-US" altLang="ko-KR" dirty="0"/>
+            </a:br>
+            <a:br>
+              <a:rPr lang="en-US" altLang="ko-KR" dirty="0"/>
+            </a:br>
+            <a:br>
+              <a:rPr lang="en-US" altLang="ko-KR" dirty="0"/>
+            </a:br>
+            <a:br>
+              <a:rPr lang="en-US" altLang="ko-KR" dirty="0"/>
+            </a:br>
+            <a:br>
+              <a:rPr lang="en-US" altLang="ko-KR" dirty="0"/>
+            </a:br>
+            <a:br>
+              <a:rPr lang="en-US" altLang="ko-KR" dirty="0"/>
+            </a:br>
+            <a:br>
+              <a:rPr lang="en-US" altLang="ko-KR" dirty="0"/>
+            </a:br>
+            <a:br>
+              <a:rPr lang="en-US" altLang="ko-KR" dirty="0"/>
+            </a:br>
+            <a:br>
+              <a:rPr lang="en-US" altLang="ko-KR" dirty="0"/>
+            </a:br>
+            <a:br>
+              <a:rPr lang="en-US" altLang="ko-KR" dirty="0"/>
+            </a:br>
+            <a:br>
+              <a:rPr lang="en-US" altLang="ko-KR" dirty="0"/>
+            </a:br>
+            <a:br>
+              <a:rPr lang="en-US" altLang="ko-KR" dirty="0"/>
+            </a:br>
+            <a:br>
+              <a:rPr lang="en-US" altLang="ko-KR" dirty="0"/>
+            </a:br>
+            <a:br>
+              <a:rPr lang="en-US" altLang="ko-KR" dirty="0"/>
+            </a:br>
+            <a:br>
+              <a:rPr lang="en-US" altLang="ko-KR" dirty="0"/>
+            </a:br>
+            <a:br>
+              <a:rPr lang="en-US" altLang="ko-KR" dirty="0"/>
+            </a:br>
+            <a:br>
+              <a:rPr lang="en-US" altLang="ko-KR" dirty="0"/>
+            </a:br>
+            <a:br>
+              <a:rPr lang="en-US" altLang="ko-KR" dirty="0"/>
+            </a:br>
+            <a:br>
+              <a:rPr lang="en-US" altLang="ko-KR" dirty="0"/>
+            </a:br>
+            <a:br>
+              <a:rPr lang="en-US" altLang="ko-KR" dirty="0"/>
+            </a:br>
+            <a:br>
+              <a:rPr lang="en-US" altLang="ko-KR" dirty="0"/>
+            </a:br>
+            <a:br>
+              <a:rPr lang="en-US" altLang="ko-KR" dirty="0"/>
+            </a:br>
+            <a:br>
+              <a:rPr lang="en-US" altLang="ko-KR" dirty="0"/>
+            </a:br>
+            <a:br>
+              <a:rPr lang="en-US" altLang="ko-KR" dirty="0"/>
+            </a:br>
+            <a:br>
+              <a:rPr lang="en-US" altLang="ko-KR" dirty="0"/>
+            </a:br>
+            <a:br>
+              <a:rPr lang="en-US" altLang="ko-KR" dirty="0"/>
+            </a:br>
+            <a:br>
+              <a:rPr lang="en-US" altLang="ko-KR" dirty="0"/>
+            </a:br>
+            <a:br>
+              <a:rPr lang="en-US" altLang="ko-KR" dirty="0"/>
+            </a:br>
+            <a:br>
+              <a:rPr lang="en-US" altLang="ko-KR" dirty="0"/>
+            </a:br>
+            <a:br>
+              <a:rPr lang="en-US" altLang="ko-KR" dirty="0"/>
+            </a:br>
+            <a:br>
+              <a:rPr lang="en-US" altLang="ko-KR" dirty="0"/>
+            </a:br>
+            <a:br>
+              <a:rPr lang="en-US" altLang="ko-KR" dirty="0"/>
+            </a:br>
+            <a:br>
+              <a:rPr lang="en-US" altLang="ko-KR" dirty="0"/>
+            </a:br>
+            <a:br>
+              <a:rPr lang="en-US" altLang="ko-KR" dirty="0"/>
+            </a:br>
+            <a:br>
+              <a:rPr lang="en-US" altLang="ko-KR" dirty="0"/>
+            </a:br>
+            <a:br>
+              <a:rPr lang="en-US" altLang="ko-KR" dirty="0"/>
+            </a:br>
+            <a:br>
+              <a:rPr lang="en-US" altLang="ko-KR" dirty="0"/>
+            </a:br>
+            <a:br>
+              <a:rPr lang="en-US" altLang="ko-KR" dirty="0"/>
+            </a:br>
+            <a:br>
+              <a:rPr lang="en-US" altLang="ko-KR" dirty="0"/>
+            </a:br>
+            <a:br>
+              <a:rPr lang="en-US" altLang="ko-KR" dirty="0"/>
+            </a:br>
+            <a:br>
+              <a:rPr lang="en-US" altLang="ko-KR" dirty="0"/>
+            </a:br>
+            <a:br>
+              <a:rPr lang="en-US" altLang="ko-KR" dirty="0"/>
+            </a:br>
+            <a:br>
+              <a:rPr lang="en-US" altLang="ko-KR" dirty="0"/>
+            </a:br>
+            <a:br>
+              <a:rPr lang="en-US" altLang="ko-KR" dirty="0"/>
+            </a:br>
+            <a:br>
+              <a:rPr lang="en-US" altLang="ko-KR" dirty="0"/>
+            </a:br>
+            <a:br>
+              <a:rPr lang="en-US" altLang="ko-KR" dirty="0"/>
+            </a:br>
+            <a:br>
+              <a:rPr lang="en-US" altLang="ko-KR" dirty="0"/>
+            </a:br>
+            <a:br>
+              <a:rPr lang="en-US" altLang="ko-KR" dirty="0"/>
+            </a:br>
+            <a:br>
+              <a:rPr lang="en-US" altLang="ko-KR" dirty="0"/>
+            </a:br>
+            <a:br>
+              <a:rPr lang="en-US" altLang="ko-KR" dirty="0"/>
+            </a:br>
+            <a:br>
+              <a:rPr lang="en-US" altLang="ko-KR" dirty="0"/>
+            </a:br>
+            <a:br>
+              <a:rPr lang="en-US" altLang="ko-KR" dirty="0"/>
+            </a:br>
+            <a:br>
+              <a:rPr lang="en-US" altLang="ko-KR" dirty="0"/>
+            </a:br>
+            <a:br>
+              <a:rPr lang="en-US" altLang="ko-KR" dirty="0"/>
+            </a:br>
+            <a:br>
+              <a:rPr lang="en-US" altLang="ko-KR" dirty="0"/>
+            </a:br>
+            <a:br>
+              <a:rPr lang="en-US" altLang="ko-KR" dirty="0"/>
+            </a:br>
+            <a:br>
+              <a:rPr lang="en-US" altLang="ko-KR" dirty="0"/>
+            </a:br>
+            <a:br>
+              <a:rPr lang="en-US" altLang="ko-KR" dirty="0"/>
+            </a:br>
+            <a:br>
+              <a:rPr lang="en-US" altLang="ko-KR" dirty="0"/>
+            </a:br>
+            <a:br>
+              <a:rPr lang="en-US" altLang="ko-KR" dirty="0"/>
+            </a:br>
+            <a:br>
+              <a:rPr lang="en-US" altLang="ko-KR" dirty="0"/>
+            </a:br>
+            <a:br>
+              <a:rPr lang="en-US" altLang="ko-KR" dirty="0"/>
+            </a:br>
+            <a:br>
+              <a:rPr lang="en-US" altLang="ko-KR" dirty="0"/>
+            </a:br>
+            <a:br>
+              <a:rPr lang="en-US" altLang="ko-KR" dirty="0"/>
+            </a:br>
+            <a:br>
+              <a:rPr lang="en-US" altLang="ko-KR" dirty="0"/>
+            </a:br>
+            <a:br>
+              <a:rPr lang="en-US" altLang="ko-KR" dirty="0"/>
+            </a:br>
+            <a:br>
+              <a:rPr lang="en-US" altLang="ko-KR" dirty="0"/>
+            </a:br>
+            <a:br>
+              <a:rPr lang="en-US" altLang="ko-KR" dirty="0"/>
+            </a:br>
+            <a:br>
+              <a:rPr lang="en-US" altLang="ko-KR" dirty="0"/>
+            </a:br>
+            <a:br>
+              <a:rPr lang="en-US" altLang="ko-KR" dirty="0"/>
+            </a:br>
+            <a:br>
+              <a:rPr lang="en-US" altLang="ko-KR" dirty="0"/>
+            </a:br>
+            <a:br>
+              <a:rPr lang="en-US" altLang="ko-KR" dirty="0"/>
+            </a:br>
+            <a:br>
+              <a:rPr lang="en-US" altLang="ko-KR" dirty="0"/>
+            </a:br>
+            <a:br>
+              <a:rPr lang="en-US" altLang="ko-KR" dirty="0"/>
+            </a:br>
+            <a:br>
+              <a:rPr lang="en-US" altLang="ko-KR" dirty="0"/>
+            </a:br>
+            <a:br>
+              <a:rPr lang="en-US" altLang="ko-KR" dirty="0"/>
+            </a:br>
+            <a:br>
+              <a:rPr lang="en-US" altLang="ko-KR" dirty="0"/>
+            </a:br>
+            <a:br>
+              <a:rPr lang="en-US" altLang="ko-KR" dirty="0"/>
+            </a:br>
+            <a:br>
+              <a:rPr lang="en-US" altLang="ko-KR" dirty="0"/>
+            </a:br>
+            <a:br>
+              <a:rPr lang="en-US" altLang="ko-KR" dirty="0"/>
+            </a:br>
+            <a:br>
+              <a:rPr lang="en-US" altLang="ko-KR" dirty="0"/>
+            </a:br>
+            <a:br>
+              <a:rPr lang="en-US" altLang="ko-KR" dirty="0"/>
+            </a:br>
+            <a:br>
+              <a:rPr lang="en-US" altLang="ko-KR" dirty="0"/>
+            </a:br>
+            <a:br>
+              <a:rPr lang="en-US" altLang="ko-KR" dirty="0"/>
+            </a:br>
+            <a:br>
+              <a:rPr lang="en-US" altLang="ko-KR" dirty="0"/>
+            </a:br>
+            <a:br>
+              <a:rPr lang="en-US" altLang="ko-KR" dirty="0"/>
+            </a:br>
+            <a:br>
+              <a:rPr lang="en-US" altLang="ko-KR" dirty="0"/>
+            </a:br>
+            <a:br>
+              <a:rPr lang="en-US" altLang="ko-KR" dirty="0"/>
+            </a:br>
+            <a:br>
+              <a:rPr lang="en-US" altLang="ko-KR" dirty="0"/>
+            </a:br>
+            <a:br>
+              <a:rPr lang="en-US" altLang="ko-KR" dirty="0"/>
+            </a:br>
+            <a:br>
+              <a:rPr lang="en-US" altLang="ko-KR" dirty="0"/>
+            </a:br>
+            <a:br>
+              <a:rPr lang="en-US" altLang="ko-KR" dirty="0"/>
+            </a:br>
+            <a:br>
+              <a:rPr lang="en-US" altLang="ko-KR" dirty="0"/>
+            </a:br>
+            <a:br>
+              <a:rPr lang="en-US" altLang="ko-KR" dirty="0"/>
+            </a:br>
+            <a:br>
+              <a:rPr lang="en-US" altLang="ko-KR" dirty="0"/>
+            </a:br>
+            <a:br>
+              <a:rPr lang="en-US" altLang="ko-KR" dirty="0"/>
+            </a:br>
+            <a:br>
+              <a:rPr lang="en-US" altLang="ko-KR" dirty="0"/>
+            </a:br>
+            <a:br>
+              <a:rPr lang="en-US" altLang="ko-KR" dirty="0"/>
+            </a:br>
+            <a:br>
+              <a:rPr lang="en-US" altLang="ko-KR" dirty="0"/>
+            </a:br>
+            <a:br>
+              <a:rPr lang="en-US" altLang="ko-KR" dirty="0"/>
+            </a:br>
+            <a:br>
+              <a:rPr lang="en-US" altLang="ko-KR" dirty="0"/>
+            </a:br>
+            <a:br>
+              <a:rPr lang="en-US" altLang="ko-KR" dirty="0"/>
+            </a:br>
+            <a:br>
+              <a:rPr lang="en-US" altLang="ko-KR" dirty="0"/>
+            </a:br>
+            <a:br>
+              <a:rPr lang="en-US" altLang="ko-KR" dirty="0"/>
+            </a:br>
+            <a:br>
+              <a:rPr lang="en-US" altLang="ko-KR" dirty="0"/>
+            </a:br>
+            <a:br>
+              <a:rPr lang="en-US" altLang="ko-KR" dirty="0"/>
+            </a:br>
+            <a:br>
+              <a:rPr lang="en-US" altLang="ko-KR" dirty="0"/>
+            </a:br>
+            <a:br>
+              <a:rPr lang="en-US" altLang="ko-KR" dirty="0"/>
+            </a:br>
+            <a:br>
+              <a:rPr lang="en-US" altLang="ko-KR" dirty="0"/>
+            </a:br>
+            <a:br>
+              <a:rPr lang="en-US" altLang="ko-KR" dirty="0"/>
+            </a:br>
+            <a:br>
+              <a:rPr lang="en-US" altLang="ko-KR" dirty="0"/>
+            </a:br>
+            <a:br>
+              <a:rPr lang="en-US" altLang="ko-KR" dirty="0"/>
+            </a:br>
+            <a:br>
+              <a:rPr lang="en-US" altLang="ko-KR" dirty="0"/>
+            </a:br>
+            <a:br>
+              <a:rPr lang="en-US" altLang="ko-KR" dirty="0"/>
+            </a:br>
+            <a:br>
+              <a:rPr lang="en-US" altLang="ko-KR" dirty="0"/>
+            </a:br>
+            <a:br>
+              <a:rPr lang="en-US" altLang="ko-KR" dirty="0"/>
+            </a:br>
+            <a:br>
+              <a:rPr lang="en-US" altLang="ko-KR" dirty="0"/>
+            </a:br>
+            <a:br>
+              <a:rPr lang="en-US" altLang="ko-KR" dirty="0"/>
+            </a:br>
+            <a:br>
+              <a:rPr lang="en-US" altLang="ko-KR" dirty="0"/>
+            </a:br>
+            <a:br>
+              <a:rPr lang="en-US" altLang="ko-KR" dirty="0"/>
+            </a:br>
+            <a:br>
+              <a:rPr lang="en-US" altLang="ko-KR" dirty="0"/>
+            </a:br>
+            <a:br>
+              <a:rPr lang="en-US" altLang="ko-KR" dirty="0"/>
+            </a:br>
+            <a:br>
+              <a:rPr lang="en-US" altLang="ko-KR" dirty="0"/>
+            </a:br>
+            <a:br>
+              <a:rPr lang="en-US" altLang="ko-KR" dirty="0"/>
+            </a:br>
+            <a:br>
+              <a:rPr lang="en-US" altLang="ko-KR" dirty="0"/>
+            </a:br>
+            <a:br>
+              <a:rPr lang="en-US" altLang="ko-KR" dirty="0"/>
+            </a:br>
+            <a:br>
+              <a:rPr lang="en-US" altLang="ko-KR" dirty="0"/>
+            </a:br>
+            <a:br>
+              <a:rPr lang="en-US" altLang="ko-KR" dirty="0"/>
+            </a:br>
+            <a:br>
+              <a:rPr lang="en-US" altLang="ko-KR" dirty="0"/>
+            </a:br>
+            <a:br>
+              <a:rPr lang="en-US" altLang="ko-KR" dirty="0"/>
+            </a:br>
+            <a:br>
+              <a:rPr lang="en-US" altLang="ko-KR" dirty="0"/>
+            </a:br>
+            <a:r>
+              <a:rPr lang="ko-KR" altLang="en-US" dirty="0"/>
+              <a:t>야구 경기에서 투수의 피치 템포에 따른 경기력 분석</a:t>
+            </a:r>
           </a:p>
         </p:txBody>
       </p:sp>
@@ -4789,26 +3959,65 @@
           <a:p>
             <a:pPr algn="r"/>
             <a:r>
-              <a:rPr lang="ko-KR" altLang="en-US" dirty="0" err="1" smtClean="0"/>
+              <a:rPr lang="ko-KR" altLang="en-US" dirty="0" err="1"/>
               <a:t>스포츠애널리틱스학과</a:t>
             </a:r>
-            <a:endParaRPr lang="en-US" altLang="ko-KR" dirty="0" smtClean="0"/>
+            <a:endParaRPr lang="en-US" altLang="ko-KR" dirty="0"/>
           </a:p>
           <a:p>
             <a:pPr algn="r"/>
             <a:r>
-              <a:rPr lang="ko-KR" altLang="en-US" dirty="0" smtClean="0"/>
+              <a:rPr lang="ko-KR" altLang="en-US" dirty="0"/>
               <a:t>석사과정 </a:t>
             </a:r>
             <a:r>
-              <a:rPr lang="en-US" altLang="ko-KR" dirty="0" smtClean="0"/>
+              <a:rPr lang="en-US" altLang="ko-KR" dirty="0"/>
               <a:t>3</a:t>
             </a:r>
             <a:r>
-              <a:rPr lang="ko-KR" altLang="en-US" dirty="0" smtClean="0"/>
+              <a:rPr lang="ko-KR" altLang="en-US" dirty="0"/>
               <a:t>학기 김태현</a:t>
             </a:r>
-            <a:endParaRPr lang="ko-KR" altLang="en-US" dirty="0"/>
+          </a:p>
+        </p:txBody>
+      </p:sp>
+      <p:sp>
+        <p:nvSpPr>
+          <p:cNvPr id="5" name="TextBox 4">
+            <a:extLst>
+              <a:ext uri="{FF2B5EF4-FFF2-40B4-BE49-F238E27FC236}">
+                <a16:creationId xmlns:a16="http://schemas.microsoft.com/office/drawing/2014/main" id="{ABB1595B-2DEC-C8E9-1516-06F7E6724438}"/>
+              </a:ext>
+            </a:extLst>
+          </p:cNvPr>
+          <p:cNvSpPr txBox="1"/>
+          <p:nvPr/>
+        </p:nvSpPr>
+        <p:spPr>
+          <a:xfrm>
+            <a:off x="239731" y="266350"/>
+            <a:ext cx="3623353" cy="523220"/>
+          </a:xfrm>
+          <a:prstGeom prst="rect">
+            <a:avLst/>
+          </a:prstGeom>
+          <a:noFill/>
+        </p:spPr>
+        <p:txBody>
+          <a:bodyPr wrap="square" rtlCol="0">
+            <a:spAutoFit/>
+          </a:bodyPr>
+          <a:lstStyle/>
+          <a:p>
+            <a:r>
+              <a:rPr lang="en-US" altLang="ko-KR" sz="2800" dirty="0"/>
+              <a:t>Proposal </a:t>
+            </a:r>
+            <a:r>
+              <a:rPr lang="ko-KR" altLang="en-US" sz="2800" dirty="0"/>
+              <a:t>연구 계획서</a:t>
+            </a:r>
+            <a:endParaRPr lang="en-KR" sz="2800" dirty="0"/>
           </a:p>
         </p:txBody>
       </p:sp>
@@ -4858,7 +4067,138 @@
           <a:lstStyle/>
           <a:p>
             <a:r>
-              <a:rPr lang="en-US" altLang="ko-KR" dirty="0" smtClean="0"/>
+              <a:rPr lang="ko-KR" altLang="en-US"/>
+              <a:t>예상 결과 및 기대 효과</a:t>
+            </a:r>
+          </a:p>
+        </p:txBody>
+      </p:sp>
+      <p:sp>
+        <p:nvSpPr>
+          <p:cNvPr id="3" name="내용 개체 틀 2"/>
+          <p:cNvSpPr>
+            <a:spLocks noGrp="1"/>
+          </p:cNvSpPr>
+          <p:nvPr>
+            <p:ph idx="1"/>
+          </p:nvPr>
+        </p:nvSpPr>
+        <p:spPr/>
+        <p:txBody>
+          <a:bodyPr/>
+          <a:lstStyle/>
+          <a:p>
+            <a:r>
+              <a:rPr lang="ko-KR" altLang="en-US" dirty="0"/>
+              <a:t>피치 템포에 따라 경기력에 차이가 있을 것으로 예상</a:t>
+            </a:r>
+            <a:endParaRPr lang="en-US" altLang="ko-KR" dirty="0"/>
+          </a:p>
+          <a:p>
+            <a:pPr lvl="1"/>
+            <a:r>
+              <a:rPr lang="ko-KR" altLang="en-US" dirty="0"/>
+              <a:t>경기력을 위해 피치 템포에 대한 훈련이 필요함을 시사</a:t>
+            </a:r>
+            <a:br>
+              <a:rPr lang="en-US" altLang="ko-KR" dirty="0"/>
+            </a:br>
+            <a:br>
+              <a:rPr lang="en-US" altLang="ko-KR" dirty="0"/>
+            </a:br>
+            <a:endParaRPr lang="en-US" altLang="ko-KR" dirty="0"/>
+          </a:p>
+          <a:p>
+            <a:r>
+              <a:rPr lang="ko-KR" altLang="en-US" dirty="0"/>
+              <a:t>피치 타이머 도입 후에 피치 템포 </a:t>
+            </a:r>
+            <a:r>
+              <a:rPr lang="ko-KR" altLang="en-US" dirty="0" err="1"/>
+              <a:t>변화량이</a:t>
+            </a:r>
+            <a:r>
+              <a:rPr lang="ko-KR" altLang="en-US" dirty="0"/>
+              <a:t> 큰 선수들의 경기력이 더 많이 감소했을 것으로 예상</a:t>
+            </a:r>
+            <a:endParaRPr lang="en-US" altLang="ko-KR" dirty="0"/>
+          </a:p>
+          <a:p>
+            <a:pPr lvl="1"/>
+            <a:r>
+              <a:rPr lang="en-US" altLang="ko-KR" dirty="0"/>
+              <a:t>MLB</a:t>
+            </a:r>
+            <a:r>
+              <a:rPr lang="ko-KR" altLang="en-US" dirty="0"/>
+              <a:t>에 진출하길 희망하는 선수들에게 </a:t>
+            </a:r>
+            <a:r>
+              <a:rPr lang="ko-KR" altLang="en-US" dirty="0" err="1"/>
+              <a:t>의미있는</a:t>
+            </a:r>
+            <a:r>
+              <a:rPr lang="ko-KR" altLang="en-US" dirty="0"/>
+              <a:t> 연구결과가 </a:t>
+            </a:r>
+            <a:br>
+              <a:rPr lang="en-US" altLang="ko-KR" dirty="0"/>
+            </a:br>
+            <a:r>
+              <a:rPr lang="ko-KR" altLang="en-US" dirty="0"/>
+              <a:t>될 수 있음</a:t>
+            </a:r>
+            <a:endParaRPr lang="en-US" altLang="ko-KR" dirty="0"/>
+          </a:p>
+        </p:txBody>
+      </p:sp>
+    </p:spTree>
+    <p:extLst>
+      <p:ext uri="{BB962C8B-B14F-4D97-AF65-F5344CB8AC3E}">
+        <p14:creationId xmlns:p14="http://schemas.microsoft.com/office/powerpoint/2010/main" val="18675565"/>
+      </p:ext>
+    </p:extLst>
+  </p:cSld>
+  <p:clrMapOvr>
+    <a:masterClrMapping/>
+  </p:clrMapOvr>
+</p:sld>
+</file>
+
+<file path=ppt/slides/slide11.xml><?xml version="1.0" encoding="utf-8"?>
+<p:sld xmlns:a="http://schemas.openxmlformats.org/drawingml/2006/main" xmlns:r="http://schemas.openxmlformats.org/officeDocument/2006/relationships" xmlns:p="http://schemas.openxmlformats.org/presentationml/2006/main">
+  <p:cSld>
+    <p:spTree>
+      <p:nvGrpSpPr>
+        <p:cNvPr id="1" name=""/>
+        <p:cNvGrpSpPr/>
+        <p:nvPr/>
+      </p:nvGrpSpPr>
+      <p:grpSpPr>
+        <a:xfrm>
+          <a:off x="0" y="0"/>
+          <a:ext cx="0" cy="0"/>
+          <a:chOff x="0" y="0"/>
+          <a:chExt cx="0" cy="0"/>
+        </a:xfrm>
+      </p:grpSpPr>
+      <p:sp>
+        <p:nvSpPr>
+          <p:cNvPr id="2" name="제목 1"/>
+          <p:cNvSpPr>
+            <a:spLocks noGrp="1"/>
+          </p:cNvSpPr>
+          <p:nvPr>
+            <p:ph type="title"/>
+          </p:nvPr>
+        </p:nvSpPr>
+        <p:spPr/>
+        <p:txBody>
+          <a:bodyPr/>
+          <a:lstStyle/>
+          <a:p>
+            <a:r>
+              <a:rPr lang="en-US" altLang="ko-KR" dirty="0"/>
               <a:t>To do..</a:t>
             </a:r>
             <a:endParaRPr lang="ko-KR" altLang="en-US" dirty="0"/>
@@ -4881,40 +4221,36 @@
           <a:lstStyle/>
           <a:p>
             <a:r>
-              <a:rPr lang="ko-KR" altLang="en-US" dirty="0" smtClean="0"/>
+              <a:rPr lang="ko-KR" altLang="en-US" dirty="0"/>
               <a:t>연구 대상 및 지표 선정</a:t>
             </a:r>
-            <a:r>
-              <a:rPr lang="en-US" altLang="ko-KR" dirty="0" smtClean="0"/>
-              <a:t/>
-            </a:r>
-            <a:br>
-              <a:rPr lang="en-US" altLang="ko-KR" dirty="0" smtClean="0"/>
-            </a:br>
-            <a:endParaRPr lang="en-US" altLang="ko-KR" dirty="0" smtClean="0"/>
-          </a:p>
-          <a:p>
-            <a:r>
-              <a:rPr lang="ko-KR" altLang="en-US" dirty="0" smtClean="0"/>
+            <a:br>
+              <a:rPr lang="en-US" altLang="ko-KR" dirty="0"/>
+            </a:br>
+            <a:endParaRPr lang="en-US" altLang="ko-KR" dirty="0"/>
+          </a:p>
+          <a:p>
+            <a:r>
+              <a:rPr lang="ko-KR" altLang="en-US" dirty="0"/>
               <a:t>비교 방법 선정</a:t>
             </a:r>
-            <a:endParaRPr lang="en-US" altLang="ko-KR" dirty="0" smtClean="0"/>
+            <a:endParaRPr lang="en-US" altLang="ko-KR" dirty="0"/>
           </a:p>
           <a:p>
             <a:pPr lvl="1"/>
             <a:r>
-              <a:rPr lang="ko-KR" altLang="en-US" dirty="0" smtClean="0"/>
+              <a:rPr lang="ko-KR" altLang="en-US" dirty="0"/>
               <a:t>평균 구속 비교</a:t>
             </a:r>
-            <a:endParaRPr lang="en-US" altLang="ko-KR" dirty="0" smtClean="0"/>
+            <a:endParaRPr lang="en-US" altLang="ko-KR" dirty="0"/>
           </a:p>
           <a:p>
             <a:pPr lvl="1"/>
             <a:r>
-              <a:rPr lang="ko-KR" altLang="en-US" dirty="0" smtClean="0"/>
+              <a:rPr lang="ko-KR" altLang="en-US" dirty="0"/>
               <a:t>경기 중 구속 감소율 비교</a:t>
             </a:r>
-            <a:endParaRPr lang="en-US" altLang="ko-KR" dirty="0" smtClean="0"/>
+            <a:endParaRPr lang="en-US" altLang="ko-KR" dirty="0"/>
           </a:p>
           <a:p>
             <a:pPr lvl="1"/>
@@ -4922,16 +4258,16 @@
           </a:p>
           <a:p>
             <a:r>
-              <a:rPr lang="ko-KR" altLang="en-US" dirty="0" smtClean="0"/>
+              <a:rPr lang="ko-KR" altLang="en-US" dirty="0"/>
               <a:t>일반화</a:t>
             </a:r>
-            <a:endParaRPr lang="en-US" altLang="ko-KR" dirty="0" smtClean="0"/>
-          </a:p>
-          <a:p>
             <a:endParaRPr lang="en-US" altLang="ko-KR" dirty="0"/>
           </a:p>
           <a:p>
-            <a:endParaRPr lang="en-US" altLang="ko-KR" dirty="0" smtClean="0"/>
+            <a:endParaRPr lang="en-US" altLang="ko-KR" dirty="0"/>
+          </a:p>
+          <a:p>
+            <a:endParaRPr lang="en-US" altLang="ko-KR" dirty="0"/>
           </a:p>
         </p:txBody>
       </p:sp>
@@ -4967,7 +4303,13 @@
       </p:grpSpPr>
       <p:sp>
         <p:nvSpPr>
-          <p:cNvPr id="2" name="제목 1"/>
+          <p:cNvPr id="2" name="Title 1">
+            <a:extLst>
+              <a:ext uri="{FF2B5EF4-FFF2-40B4-BE49-F238E27FC236}">
+                <a16:creationId xmlns:a16="http://schemas.microsoft.com/office/drawing/2014/main" id="{855AE117-1E62-83AE-C9A0-043A0266BCE3}"/>
+              </a:ext>
+            </a:extLst>
+          </p:cNvPr>
           <p:cNvSpPr>
             <a:spLocks noGrp="1"/>
           </p:cNvSpPr>
@@ -4981,16 +4323,42 @@
           <a:lstStyle/>
           <a:p>
             <a:r>
-              <a:rPr lang="ko-KR" altLang="en-US" dirty="0" smtClean="0"/>
-              <a:t>목차</a:t>
-            </a:r>
-            <a:endParaRPr lang="ko-KR" altLang="en-US" dirty="0"/>
-          </a:p>
-        </p:txBody>
-      </p:sp>
-      <p:sp>
-        <p:nvSpPr>
-          <p:cNvPr id="3" name="내용 개체 틀 2"/>
+              <a:rPr lang="ko-KR" altLang="en-US" dirty="0" err="1"/>
+              <a:t>피치템포</a:t>
+            </a:r>
+            <a:r>
+              <a:rPr lang="en-US" altLang="ko-KR" dirty="0"/>
+              <a:t>(pitch</a:t>
+            </a:r>
+            <a:r>
+              <a:rPr lang="ko-KR" altLang="en-US" dirty="0"/>
+              <a:t> </a:t>
+            </a:r>
+            <a:r>
+              <a:rPr lang="en-US" altLang="ko-KR" dirty="0"/>
+              <a:t>tempo)</a:t>
+            </a:r>
+            <a:r>
+              <a:rPr lang="ko-KR" altLang="en-US" dirty="0"/>
+              <a:t>란</a:t>
+            </a:r>
+            <a:r>
+              <a:rPr lang="en-US" altLang="ko-KR" dirty="0"/>
+              <a:t>?</a:t>
+            </a:r>
+            <a:endParaRPr lang="en-KR" dirty="0"/>
+          </a:p>
+        </p:txBody>
+      </p:sp>
+      <p:sp>
+        <p:nvSpPr>
+          <p:cNvPr id="3" name="Content Placeholder 2">
+            <a:extLst>
+              <a:ext uri="{FF2B5EF4-FFF2-40B4-BE49-F238E27FC236}">
+                <a16:creationId xmlns:a16="http://schemas.microsoft.com/office/drawing/2014/main" id="{A4F39377-E321-BC08-05D2-DF8C88F5EA18}"/>
+              </a:ext>
+            </a:extLst>
+          </p:cNvPr>
           <p:cNvSpPr>
             <a:spLocks noGrp="1"/>
           </p:cNvSpPr>
@@ -5003,83 +4371,14 @@
           <a:bodyPr/>
           <a:lstStyle/>
           <a:p>
-            <a:r>
-              <a:rPr lang="ko-KR" altLang="en-US" dirty="0" smtClean="0"/>
-              <a:t>서론</a:t>
-            </a:r>
-            <a:endParaRPr lang="en-US" altLang="ko-KR" dirty="0" smtClean="0"/>
-          </a:p>
-          <a:p>
-            <a:pPr lvl="1"/>
-            <a:r>
-              <a:rPr lang="ko-KR" altLang="en-US" dirty="0" smtClean="0"/>
-              <a:t>이론적 배경</a:t>
-            </a:r>
-            <a:endParaRPr lang="en-US" altLang="ko-KR" dirty="0" smtClean="0"/>
-          </a:p>
-          <a:p>
-            <a:pPr lvl="1"/>
-            <a:r>
-              <a:rPr lang="ko-KR" altLang="en-US" dirty="0" smtClean="0"/>
-              <a:t>연구 목적</a:t>
-            </a:r>
-            <a:endParaRPr lang="en-US" altLang="ko-KR" dirty="0" smtClean="0"/>
-          </a:p>
-          <a:p>
-            <a:pPr lvl="1"/>
-            <a:r>
-              <a:rPr lang="ko-KR" altLang="en-US" dirty="0" smtClean="0"/>
-              <a:t>연구 가설</a:t>
-            </a:r>
-            <a:endParaRPr lang="en-US" altLang="ko-KR" dirty="0"/>
-          </a:p>
-          <a:p>
-            <a:r>
-              <a:rPr lang="ko-KR" altLang="en-US" dirty="0" smtClean="0"/>
-              <a:t>연구 방법</a:t>
-            </a:r>
-            <a:endParaRPr lang="en-US" altLang="ko-KR" dirty="0"/>
-          </a:p>
-          <a:p>
-            <a:pPr lvl="1"/>
-            <a:r>
-              <a:rPr lang="ko-KR" altLang="en-US" dirty="0" smtClean="0"/>
-              <a:t>데이터 수집</a:t>
-            </a:r>
-            <a:endParaRPr lang="en-US" altLang="ko-KR" dirty="0" smtClean="0"/>
-          </a:p>
-          <a:p>
-            <a:pPr lvl="1"/>
-            <a:r>
-              <a:rPr lang="ko-KR" altLang="en-US" dirty="0" smtClean="0"/>
-              <a:t>연구대상</a:t>
-            </a:r>
-            <a:endParaRPr lang="en-US" altLang="ko-KR" dirty="0" smtClean="0"/>
-          </a:p>
-          <a:p>
-            <a:pPr lvl="1"/>
-            <a:r>
-              <a:rPr lang="ko-KR" altLang="en-US" dirty="0" smtClean="0"/>
-              <a:t>지표 선정</a:t>
-            </a:r>
-            <a:endParaRPr lang="en-US" altLang="ko-KR" dirty="0"/>
-          </a:p>
-          <a:p>
-            <a:r>
-              <a:rPr lang="ko-KR" altLang="en-US" dirty="0" smtClean="0"/>
-              <a:t>예상 결과 및 기대효과</a:t>
-            </a:r>
-            <a:endParaRPr lang="en-US" altLang="ko-KR" dirty="0" smtClean="0"/>
-          </a:p>
-          <a:p>
-            <a:endParaRPr lang="ko-KR" altLang="en-US" dirty="0"/>
+            <a:endParaRPr lang="en-KR"/>
           </a:p>
         </p:txBody>
       </p:sp>
     </p:spTree>
     <p:extLst>
       <p:ext uri="{BB962C8B-B14F-4D97-AF65-F5344CB8AC3E}">
-        <p14:creationId xmlns:p14="http://schemas.microsoft.com/office/powerpoint/2010/main" val="748744262"/>
+        <p14:creationId xmlns:p14="http://schemas.microsoft.com/office/powerpoint/2010/main" val="4204302391"/>
       </p:ext>
     </p:extLst>
   </p:cSld>
@@ -5122,137 +4421,104 @@
           <a:lstStyle/>
           <a:p>
             <a:r>
-              <a:rPr lang="ko-KR" altLang="en-US" dirty="0" smtClean="0"/>
+              <a:rPr lang="ko-KR" altLang="en-US" dirty="0"/>
+              <a:t>목차</a:t>
+            </a:r>
+          </a:p>
+        </p:txBody>
+      </p:sp>
+      <p:sp>
+        <p:nvSpPr>
+          <p:cNvPr id="3" name="내용 개체 틀 2"/>
+          <p:cNvSpPr>
+            <a:spLocks noGrp="1"/>
+          </p:cNvSpPr>
+          <p:nvPr>
+            <p:ph idx="1"/>
+          </p:nvPr>
+        </p:nvSpPr>
+        <p:spPr/>
+        <p:txBody>
+          <a:bodyPr/>
+          <a:lstStyle/>
+          <a:p>
+            <a:r>
+              <a:rPr lang="ko-KR" altLang="en-US" dirty="0"/>
+              <a:t>서론</a:t>
+            </a:r>
+            <a:endParaRPr lang="en-US" altLang="ko-KR" dirty="0"/>
+          </a:p>
+          <a:p>
+            <a:pPr lvl="1"/>
+            <a:r>
+              <a:rPr lang="ko-KR" altLang="en-US" dirty="0"/>
               <a:t>이론적 배경</a:t>
             </a:r>
+            <a:endParaRPr lang="en-US" altLang="ko-KR" dirty="0"/>
+          </a:p>
+          <a:p>
+            <a:pPr lvl="1"/>
+            <a:r>
+              <a:rPr lang="ko-KR" altLang="en-US" dirty="0"/>
+              <a:t>연구 목적</a:t>
+            </a:r>
+            <a:endParaRPr lang="en-US" altLang="ko-KR" dirty="0"/>
+          </a:p>
+          <a:p>
+            <a:pPr lvl="1"/>
+            <a:r>
+              <a:rPr lang="ko-KR" altLang="en-US" dirty="0"/>
+              <a:t>연구 가설</a:t>
+            </a:r>
+            <a:endParaRPr lang="en-US" altLang="ko-KR" dirty="0"/>
+          </a:p>
+          <a:p>
+            <a:r>
+              <a:rPr lang="ko-KR" altLang="en-US" dirty="0"/>
+              <a:t>연구 방법</a:t>
+            </a:r>
+            <a:endParaRPr lang="en-US" altLang="ko-KR" dirty="0"/>
+          </a:p>
+          <a:p>
+            <a:pPr lvl="1"/>
+            <a:r>
+              <a:rPr lang="ko-KR" altLang="en-US" dirty="0"/>
+              <a:t>데이터 수집</a:t>
+            </a:r>
+            <a:endParaRPr lang="en-US" altLang="ko-KR" dirty="0"/>
+          </a:p>
+          <a:p>
+            <a:pPr lvl="1"/>
+            <a:r>
+              <a:rPr lang="ko-KR" altLang="en-US" dirty="0"/>
+              <a:t>연구대상</a:t>
+            </a:r>
+            <a:endParaRPr lang="en-US" altLang="ko-KR" dirty="0"/>
+          </a:p>
+          <a:p>
+            <a:pPr lvl="1"/>
+            <a:r>
+              <a:rPr lang="ko-KR" altLang="en-US" dirty="0"/>
+              <a:t>지표 선정</a:t>
+            </a:r>
+            <a:endParaRPr lang="en-US" altLang="ko-KR" dirty="0"/>
+          </a:p>
+          <a:p>
+            <a:r>
+              <a:rPr lang="ko-KR" altLang="en-US" dirty="0"/>
+              <a:t>예상 결과 및 기대효과</a:t>
+            </a:r>
+            <a:endParaRPr lang="en-US" altLang="ko-KR" dirty="0"/>
+          </a:p>
+          <a:p>
             <a:endParaRPr lang="ko-KR" altLang="en-US" dirty="0"/>
-          </a:p>
-        </p:txBody>
-      </p:sp>
-      <p:sp>
-        <p:nvSpPr>
-          <p:cNvPr id="3" name="내용 개체 틀 2"/>
-          <p:cNvSpPr>
-            <a:spLocks noGrp="1"/>
-          </p:cNvSpPr>
-          <p:nvPr>
-            <p:ph idx="1"/>
-          </p:nvPr>
-        </p:nvSpPr>
-        <p:spPr/>
-        <p:txBody>
-          <a:bodyPr/>
-          <a:lstStyle/>
-          <a:p>
-            <a:r>
-              <a:rPr lang="en-US" altLang="ko-KR" dirty="0" smtClean="0"/>
-              <a:t>2023</a:t>
-            </a:r>
-            <a:r>
-              <a:rPr lang="ko-KR" altLang="en-US" dirty="0" smtClean="0"/>
-              <a:t>년 새로운 규칙 도입</a:t>
-            </a:r>
-            <a:endParaRPr lang="en-US" altLang="ko-KR" dirty="0" smtClean="0"/>
-          </a:p>
-          <a:p>
-            <a:pPr lvl="1"/>
-            <a:r>
-              <a:rPr lang="ko-KR" altLang="en-US" dirty="0" smtClean="0"/>
-              <a:t>시간 제한</a:t>
-            </a:r>
-            <a:r>
-              <a:rPr lang="en-US" altLang="ko-KR" dirty="0" smtClean="0"/>
-              <a:t>, </a:t>
-            </a:r>
-            <a:r>
-              <a:rPr lang="ko-KR" altLang="en-US" dirty="0" err="1" smtClean="0"/>
-              <a:t>수비시프트</a:t>
-            </a:r>
-            <a:r>
-              <a:rPr lang="ko-KR" altLang="en-US" dirty="0" smtClean="0"/>
-              <a:t> 제한</a:t>
-            </a:r>
-            <a:r>
-              <a:rPr lang="en-US" altLang="ko-KR" dirty="0" smtClean="0"/>
-              <a:t>, </a:t>
-            </a:r>
-            <a:r>
-              <a:rPr lang="ko-KR" altLang="en-US" dirty="0" smtClean="0"/>
-              <a:t>베이스 크기 확대</a:t>
-            </a:r>
-            <a:endParaRPr lang="en-US" altLang="ko-KR" dirty="0" smtClean="0"/>
-          </a:p>
-          <a:p>
-            <a:pPr lvl="1"/>
-            <a:r>
-              <a:rPr lang="ko-KR" altLang="en-US" dirty="0" smtClean="0"/>
-              <a:t>도입 후 실제 경기 시간 감소</a:t>
-            </a:r>
-            <a:r>
-              <a:rPr lang="en-US" altLang="ko-KR" dirty="0" smtClean="0"/>
-              <a:t>, </a:t>
-            </a:r>
-            <a:r>
-              <a:rPr lang="ko-KR" altLang="en-US" dirty="0" smtClean="0"/>
-              <a:t>관중 수 증가</a:t>
-            </a:r>
-            <a:endParaRPr lang="en-US" altLang="ko-KR" dirty="0" smtClean="0"/>
-          </a:p>
-          <a:p>
-            <a:pPr lvl="1"/>
-            <a:r>
-              <a:rPr lang="en-US" altLang="ko-KR" dirty="0" smtClean="0"/>
-              <a:t>MLB </a:t>
-            </a:r>
-            <a:r>
-              <a:rPr lang="ko-KR" altLang="en-US" dirty="0" smtClean="0"/>
-              <a:t>사무국에서는 원하고자 하는 목적을 달성했지만</a:t>
-            </a:r>
-            <a:r>
-              <a:rPr lang="en-US" altLang="ko-KR" dirty="0" smtClean="0"/>
-              <a:t>, </a:t>
-            </a:r>
-            <a:r>
-              <a:rPr lang="ko-KR" altLang="en-US" dirty="0" smtClean="0"/>
-              <a:t>시간 제한이 없던 야구에서 시간 제한이 생기게 되면 경기력에 영향을 미칠 것으로 추측</a:t>
-            </a:r>
-            <a:endParaRPr lang="en-US" altLang="ko-KR" dirty="0" smtClean="0"/>
-          </a:p>
-          <a:p>
-            <a:r>
-              <a:rPr lang="ko-KR" altLang="en-US" dirty="0" smtClean="0"/>
-              <a:t>투수의 경기력 관련해 진행된 연구 多</a:t>
-            </a:r>
-            <a:endParaRPr lang="en-US" altLang="ko-KR" dirty="0" smtClean="0"/>
-          </a:p>
-          <a:p>
-            <a:r>
-              <a:rPr lang="en-US" altLang="ko-KR" dirty="0" smtClean="0"/>
-              <a:t>But, </a:t>
-            </a:r>
-            <a:r>
-              <a:rPr lang="ko-KR" altLang="en-US" dirty="0" err="1" smtClean="0"/>
-              <a:t>피치템포나</a:t>
-            </a:r>
-            <a:r>
-              <a:rPr lang="ko-KR" altLang="en-US" dirty="0" smtClean="0"/>
-              <a:t> 피치 클락 관련된 연구 부족</a:t>
-            </a:r>
-            <a:endParaRPr lang="en-US" altLang="ko-KR" dirty="0" smtClean="0"/>
-          </a:p>
-          <a:p>
-            <a:endParaRPr lang="en-US" altLang="ko-KR" dirty="0" smtClean="0"/>
-          </a:p>
-          <a:p>
-            <a:pPr lvl="1"/>
-            <a:endParaRPr lang="en-US" altLang="ko-KR" dirty="0" smtClean="0"/>
           </a:p>
         </p:txBody>
       </p:sp>
     </p:spTree>
     <p:extLst>
       <p:ext uri="{BB962C8B-B14F-4D97-AF65-F5344CB8AC3E}">
-        <p14:creationId xmlns:p14="http://schemas.microsoft.com/office/powerpoint/2010/main" val="2750738981"/>
+        <p14:creationId xmlns:p14="http://schemas.microsoft.com/office/powerpoint/2010/main" val="748744262"/>
       </p:ext>
     </p:extLst>
   </p:cSld>
@@ -5295,10 +4561,9 @@
           <a:lstStyle/>
           <a:p>
             <a:r>
-              <a:rPr lang="ko-KR" altLang="en-US" dirty="0" smtClean="0"/>
-              <a:t>연구 목적</a:t>
-            </a:r>
-            <a:endParaRPr lang="ko-KR" altLang="en-US" dirty="0"/>
+              <a:rPr lang="ko-KR" altLang="en-US" dirty="0"/>
+              <a:t>이론적 배경</a:t>
+            </a:r>
           </a:p>
         </p:txBody>
       </p:sp>
@@ -5317,56 +4582,286 @@
           <a:bodyPr/>
           <a:lstStyle/>
           <a:p>
-            <a:pPr marL="514350" indent="-514350">
-              <a:buFont typeface="+mj-lt"/>
-              <a:buAutoNum type="arabicPeriod"/>
+            <a:r>
+              <a:rPr lang="en-US" altLang="ko-KR" dirty="0"/>
+              <a:t>2023</a:t>
+            </a:r>
+            <a:r>
+              <a:rPr lang="ko-KR" altLang="en-US" dirty="0"/>
+              <a:t>년 새로운 규칙 도입</a:t>
+            </a:r>
+            <a:endParaRPr lang="en-US" altLang="ko-KR" dirty="0"/>
+          </a:p>
+          <a:p>
+            <a:pPr lvl="1"/>
+            <a:r>
+              <a:rPr lang="ko-KR" altLang="en-US" dirty="0"/>
+              <a:t>시간 제한</a:t>
+            </a:r>
+            <a:r>
+              <a:rPr lang="en-US" altLang="ko-KR" dirty="0"/>
+              <a:t>, </a:t>
+            </a:r>
+            <a:r>
+              <a:rPr lang="ko-KR" altLang="en-US" dirty="0" err="1"/>
+              <a:t>수비시프트</a:t>
+            </a:r>
+            <a:r>
+              <a:rPr lang="ko-KR" altLang="en-US" dirty="0"/>
+              <a:t> 제한</a:t>
+            </a:r>
+            <a:r>
+              <a:rPr lang="en-US" altLang="ko-KR" dirty="0"/>
+              <a:t>, </a:t>
+            </a:r>
+            <a:r>
+              <a:rPr lang="ko-KR" altLang="en-US" dirty="0"/>
+              <a:t>베이스 크기 확대</a:t>
+            </a:r>
+            <a:endParaRPr lang="en-US" altLang="ko-KR" dirty="0"/>
+          </a:p>
+          <a:p>
+            <a:pPr lvl="1"/>
+            <a:r>
+              <a:rPr lang="ko-KR" altLang="en-US" dirty="0"/>
+              <a:t>도입 후 실제 경기 시간 감소</a:t>
+            </a:r>
+            <a:r>
+              <a:rPr lang="en-US" altLang="ko-KR" dirty="0"/>
+              <a:t>, </a:t>
+            </a:r>
+            <a:r>
+              <a:rPr lang="ko-KR" altLang="en-US" dirty="0"/>
+              <a:t>관중 수 증가</a:t>
+            </a:r>
+            <a:endParaRPr lang="en-US" altLang="ko-KR" dirty="0"/>
+          </a:p>
+          <a:p>
+            <a:pPr lvl="1"/>
+            <a:endParaRPr lang="en-US" altLang="ko-KR" dirty="0"/>
+          </a:p>
+          <a:p>
+            <a:r>
+              <a:rPr lang="ko-KR" altLang="en-US" dirty="0"/>
+              <a:t>투수의 경기력 관련 연구 </a:t>
+            </a:r>
+            <a:r>
+              <a:rPr lang="ko-KR" altLang="en-US" dirty="0" err="1"/>
+              <a:t>多</a:t>
+            </a:r>
+            <a:endParaRPr lang="en-US" altLang="ko-KR" dirty="0"/>
+          </a:p>
+          <a:p>
+            <a:pPr lvl="1"/>
+            <a:r>
+              <a:rPr lang="ko-KR" altLang="en-US" dirty="0"/>
+              <a:t>투수의 골반조절이 경기력에 미치는 영향 </a:t>
+            </a:r>
+            <a:r>
+              <a:rPr lang="en-US" altLang="ko-KR" dirty="0"/>
+              <a:t>(Chaudhari, 2011)</a:t>
+            </a:r>
+          </a:p>
+          <a:p>
+            <a:pPr lvl="1"/>
+            <a:r>
+              <a:rPr lang="ko-KR" altLang="en-US" dirty="0"/>
+              <a:t>투구 수 증가에 따른 하지기능 및 투구 능력의 변화 </a:t>
+            </a:r>
+            <a:r>
+              <a:rPr lang="en-US" altLang="ko-KR" dirty="0"/>
+              <a:t>(</a:t>
+            </a:r>
+            <a:r>
+              <a:rPr lang="en-US" altLang="ko-KR" dirty="0" err="1"/>
+              <a:t>Yangisawa</a:t>
+            </a:r>
+            <a:r>
+              <a:rPr lang="en-US" altLang="ko-KR" dirty="0"/>
+              <a:t>, 2018)</a:t>
+            </a:r>
+            <a:br>
+              <a:rPr lang="en-US" altLang="ko-KR" dirty="0"/>
+            </a:br>
+            <a:endParaRPr lang="en-US" altLang="ko-KR" dirty="0"/>
+          </a:p>
+          <a:p>
+            <a:r>
+              <a:rPr lang="en-US" altLang="ko-KR" dirty="0"/>
+              <a:t>But, </a:t>
+            </a:r>
+            <a:r>
+              <a:rPr lang="ko-KR" altLang="en-US" dirty="0" err="1"/>
+              <a:t>피치템포나</a:t>
+            </a:r>
+            <a:r>
+              <a:rPr lang="ko-KR" altLang="en-US" dirty="0"/>
+              <a:t> 피치 클락 관련된 연구 부족</a:t>
+            </a:r>
+            <a:endParaRPr lang="en-US" altLang="ko-KR" dirty="0"/>
+          </a:p>
+          <a:p>
+            <a:endParaRPr lang="en-US" altLang="ko-KR" dirty="0"/>
+          </a:p>
+          <a:p>
+            <a:pPr lvl="1"/>
+            <a:endParaRPr lang="en-US" altLang="ko-KR" dirty="0"/>
+          </a:p>
+        </p:txBody>
+      </p:sp>
+      <p:sp>
+        <p:nvSpPr>
+          <p:cNvPr id="4" name="바닥글 개체 틀 4">
+            <a:extLst>
+              <a:ext uri="{FF2B5EF4-FFF2-40B4-BE49-F238E27FC236}">
+                <a16:creationId xmlns:a16="http://schemas.microsoft.com/office/drawing/2014/main" id="{AA1876E6-F606-F046-4149-18C4398A4097}"/>
+              </a:ext>
+            </a:extLst>
+          </p:cNvPr>
+          <p:cNvSpPr>
+            <a:spLocks noGrp="1"/>
+          </p:cNvSpPr>
+          <p:nvPr>
+            <p:ph type="ftr" sz="quarter" idx="11"/>
+          </p:nvPr>
+        </p:nvSpPr>
+        <p:spPr>
+          <a:xfrm>
+            <a:off x="838200" y="6311900"/>
+            <a:ext cx="9918844" cy="365125"/>
+          </a:xfrm>
+        </p:spPr>
+        <p:txBody>
+          <a:bodyPr/>
+          <a:lstStyle/>
+          <a:p>
+            <a:pPr marL="171450" indent="-171450" algn="l">
+              <a:buFont typeface="Arial" panose="020B0604020202020204" pitchFamily="34" charset="0"/>
+              <a:buChar char="•"/>
             </a:pPr>
             <a:r>
-              <a:rPr lang="ko-KR" altLang="en-US" dirty="0" smtClean="0"/>
-              <a:t>피치 템포에 따른 </a:t>
-            </a:r>
-            <a:r>
-              <a:rPr lang="ko-KR" altLang="en-US" dirty="0" smtClean="0"/>
-              <a:t>경기력 비교</a:t>
-            </a:r>
-            <a:r>
-              <a:rPr lang="en-US" altLang="ko-KR" dirty="0" smtClean="0"/>
-              <a:t/>
-            </a:r>
-            <a:br>
-              <a:rPr lang="en-US" altLang="ko-KR" dirty="0" smtClean="0"/>
-            </a:br>
-            <a:r>
-              <a:rPr lang="ko-KR" altLang="en-US" dirty="0" smtClean="0"/>
-              <a:t> </a:t>
-            </a:r>
-            <a:endParaRPr lang="en-US" altLang="ko-KR" dirty="0"/>
-          </a:p>
-          <a:p>
-            <a:pPr marL="514350" indent="-514350">
-              <a:buFont typeface="+mj-lt"/>
-              <a:buAutoNum type="arabicPeriod"/>
+              <a:rPr lang="en-US" sz="1000" b="0" i="0" dirty="0">
+                <a:solidFill>
+                  <a:srgbClr val="222222"/>
+                </a:solidFill>
+                <a:effectLst/>
+                <a:latin typeface="Arial" panose="020B0604020202020204" pitchFamily="34" charset="0"/>
+              </a:rPr>
+              <a:t>Chaudhari, A. M., McKenzie, C. S., Borchers, J. R., &amp; Best, T. M. (2011). Lumbopelvic control and pitching performance of professional baseball pitchers. </a:t>
+            </a:r>
+            <a:r>
+              <a:rPr lang="en-US" sz="1000" b="0" i="1" dirty="0">
+                <a:solidFill>
+                  <a:srgbClr val="222222"/>
+                </a:solidFill>
+                <a:effectLst/>
+                <a:latin typeface="Arial" panose="020B0604020202020204" pitchFamily="34" charset="0"/>
+              </a:rPr>
+              <a:t>The Journal of Strength &amp; Conditioning Research</a:t>
+            </a:r>
+            <a:r>
+              <a:rPr lang="en-US" sz="1000" b="0" i="0" dirty="0">
+                <a:solidFill>
+                  <a:srgbClr val="222222"/>
+                </a:solidFill>
+                <a:effectLst/>
+                <a:latin typeface="Arial" panose="020B0604020202020204" pitchFamily="34" charset="0"/>
+              </a:rPr>
+              <a:t>, </a:t>
+            </a:r>
+            <a:r>
+              <a:rPr lang="en-US" sz="1000" b="0" i="1" dirty="0">
+                <a:solidFill>
+                  <a:srgbClr val="222222"/>
+                </a:solidFill>
+                <a:effectLst/>
+                <a:latin typeface="Arial" panose="020B0604020202020204" pitchFamily="34" charset="0"/>
+              </a:rPr>
+              <a:t>25</a:t>
+            </a:r>
+            <a:r>
+              <a:rPr lang="en-US" sz="1000" b="0" i="0" dirty="0">
+                <a:solidFill>
+                  <a:srgbClr val="222222"/>
+                </a:solidFill>
+                <a:effectLst/>
+                <a:latin typeface="Arial" panose="020B0604020202020204" pitchFamily="34" charset="0"/>
+              </a:rPr>
+              <a:t>(8), 2127-2132.</a:t>
+            </a:r>
+          </a:p>
+          <a:p>
+            <a:pPr marL="171450" indent="-171450" algn="l">
+              <a:buFont typeface="Arial" panose="020B0604020202020204" pitchFamily="34" charset="0"/>
+              <a:buChar char="•"/>
             </a:pPr>
             <a:r>
-              <a:rPr lang="ko-KR" altLang="en-US" dirty="0" smtClean="0"/>
-              <a:t>피치 </a:t>
-            </a:r>
-            <a:r>
-              <a:rPr lang="ko-KR" altLang="en-US" dirty="0" smtClean="0"/>
-              <a:t>타이머 도입 전과 후의 </a:t>
-            </a:r>
-            <a:r>
-              <a:rPr lang="ko-KR" altLang="en-US" dirty="0" smtClean="0"/>
-              <a:t>경기력 비교</a:t>
-            </a:r>
-            <a:endParaRPr lang="ko-KR" altLang="en-US" dirty="0"/>
+              <a:rPr lang="en-US" sz="1000" b="0" i="0" dirty="0">
+                <a:solidFill>
+                  <a:srgbClr val="222222"/>
+                </a:solidFill>
+                <a:effectLst/>
+                <a:latin typeface="Arial" panose="020B0604020202020204" pitchFamily="34" charset="0"/>
+              </a:rPr>
+              <a:t>Yanagisawa, O., &amp; Taniguchi, H. (2018). Changes in lower extremity function and pitching performance with increasing numbers of pitches in baseball pitchers. </a:t>
+            </a:r>
+            <a:r>
+              <a:rPr lang="en-US" sz="1000" b="0" i="1" dirty="0">
+                <a:solidFill>
+                  <a:srgbClr val="222222"/>
+                </a:solidFill>
+                <a:effectLst/>
+                <a:latin typeface="Arial" panose="020B0604020202020204" pitchFamily="34" charset="0"/>
+              </a:rPr>
+              <a:t>Journal of exercise rehabilitation</a:t>
+            </a:r>
+            <a:r>
+              <a:rPr lang="en-US" sz="1000" b="0" i="0" dirty="0">
+                <a:solidFill>
+                  <a:srgbClr val="222222"/>
+                </a:solidFill>
+                <a:effectLst/>
+                <a:latin typeface="Arial" panose="020B0604020202020204" pitchFamily="34" charset="0"/>
+              </a:rPr>
+              <a:t>, </a:t>
+            </a:r>
+            <a:r>
+              <a:rPr lang="en-US" sz="1000" b="0" i="1" dirty="0">
+                <a:solidFill>
+                  <a:srgbClr val="222222"/>
+                </a:solidFill>
+                <a:effectLst/>
+                <a:latin typeface="Arial" panose="020B0604020202020204" pitchFamily="34" charset="0"/>
+              </a:rPr>
+              <a:t>14</a:t>
+            </a:r>
+            <a:r>
+              <a:rPr lang="en-US" sz="1000" b="0" i="0" dirty="0">
+                <a:solidFill>
+                  <a:srgbClr val="222222"/>
+                </a:solidFill>
+                <a:effectLst/>
+                <a:latin typeface="Arial" panose="020B0604020202020204" pitchFamily="34" charset="0"/>
+              </a:rPr>
+              <a:t>(3), 430.</a:t>
+            </a:r>
+            <a:br>
+              <a:rPr lang="en-US" sz="1000" b="0" i="0" dirty="0">
+                <a:solidFill>
+                  <a:srgbClr val="222222"/>
+                </a:solidFill>
+                <a:effectLst/>
+                <a:latin typeface="Arial" panose="020B0604020202020204" pitchFamily="34" charset="0"/>
+              </a:rPr>
+            </a:br>
+            <a:endParaRPr lang="ko-KR" altLang="en-US" sz="1000" dirty="0"/>
           </a:p>
         </p:txBody>
       </p:sp>
     </p:spTree>
     <p:extLst>
       <p:ext uri="{BB962C8B-B14F-4D97-AF65-F5344CB8AC3E}">
-        <p14:creationId xmlns:p14="http://schemas.microsoft.com/office/powerpoint/2010/main" val="3428740657"/>
+        <p14:creationId xmlns:p14="http://schemas.microsoft.com/office/powerpoint/2010/main" val="2750738981"/>
       </p:ext>
     </p:extLst>
   </p:cSld>
@@ -5409,10 +4904,9 @@
           <a:lstStyle/>
           <a:p>
             <a:r>
-              <a:rPr lang="ko-KR" altLang="en-US" dirty="0" smtClean="0"/>
-              <a:t>연구 가설</a:t>
-            </a:r>
-            <a:endParaRPr lang="ko-KR" altLang="en-US" dirty="0"/>
+              <a:rPr lang="ko-KR" altLang="en-US" dirty="0"/>
+              <a:t>연구 목적</a:t>
+            </a:r>
           </a:p>
         </p:txBody>
       </p:sp>
@@ -5431,188 +4925,39 @@
           <a:bodyPr/>
           <a:lstStyle/>
           <a:p>
-            <a:r>
-              <a:rPr lang="en-US" altLang="ko-KR" dirty="0" smtClean="0"/>
-              <a:t>H0-A: </a:t>
-            </a:r>
-            <a:r>
-              <a:rPr lang="ko-KR" altLang="en-US" dirty="0" smtClean="0"/>
-              <a:t>피치 템포에 따라 </a:t>
-            </a:r>
-            <a:r>
-              <a:rPr lang="ko-KR" altLang="en-US" dirty="0" smtClean="0">
-                <a:solidFill>
-                  <a:srgbClr val="0070C0"/>
-                </a:solidFill>
-              </a:rPr>
-              <a:t>경기력</a:t>
-            </a:r>
-            <a:r>
-              <a:rPr lang="ko-KR" altLang="en-US" dirty="0" smtClean="0"/>
-              <a:t>에 차이가 없다</a:t>
-            </a:r>
-            <a:r>
-              <a:rPr lang="en-US" altLang="ko-KR" dirty="0" smtClean="0"/>
-              <a:t>. </a:t>
-            </a:r>
-            <a:br>
-              <a:rPr lang="en-US" altLang="ko-KR" dirty="0" smtClean="0"/>
-            </a:br>
-            <a:r>
-              <a:rPr lang="en-US" altLang="ko-KR" dirty="0" smtClean="0"/>
+            <a:pPr marL="514350" indent="-514350">
+              <a:buFont typeface="+mj-lt"/>
+              <a:buAutoNum type="arabicPeriod"/>
+            </a:pPr>
+            <a:r>
+              <a:rPr lang="ko-KR" altLang="en-US" dirty="0"/>
+              <a:t>피치 템포에 따른 경기력 비교</a:t>
+            </a:r>
+            <a:br>
+              <a:rPr lang="en-US" altLang="ko-KR" dirty="0"/>
+            </a:br>
+            <a:r>
+              <a:rPr lang="ko-KR" altLang="en-US" dirty="0"/>
               <a:t> </a:t>
             </a:r>
-            <a:r>
-              <a:rPr lang="en-US" altLang="ko-KR" dirty="0"/>
-              <a:t/>
-            </a:r>
-            <a:br>
-              <a:rPr lang="en-US" altLang="ko-KR" dirty="0"/>
-            </a:br>
-            <a:r>
-              <a:rPr lang="en-US" altLang="ko-KR" dirty="0" smtClean="0"/>
-              <a:t>H1-A: </a:t>
-            </a:r>
-            <a:r>
-              <a:rPr lang="ko-KR" altLang="en-US" dirty="0"/>
-              <a:t>피치 템포에 따라 </a:t>
-            </a:r>
-            <a:r>
-              <a:rPr lang="ko-KR" altLang="en-US" dirty="0">
-                <a:solidFill>
-                  <a:srgbClr val="0070C0"/>
-                </a:solidFill>
-              </a:rPr>
-              <a:t>경기력</a:t>
-            </a:r>
-            <a:r>
-              <a:rPr lang="ko-KR" altLang="en-US" dirty="0"/>
-              <a:t>에 차이가 </a:t>
-            </a:r>
-            <a:r>
-              <a:rPr lang="ko-KR" altLang="en-US" dirty="0" smtClean="0"/>
-              <a:t>있다</a:t>
-            </a:r>
-            <a:r>
-              <a:rPr lang="en-US" altLang="ko-KR" dirty="0" smtClean="0"/>
-              <a:t>.</a:t>
-            </a:r>
-            <a:br>
-              <a:rPr lang="en-US" altLang="ko-KR" dirty="0" smtClean="0"/>
-            </a:br>
-            <a:endParaRPr lang="en-US" altLang="ko-KR" dirty="0" smtClean="0"/>
-          </a:p>
-          <a:p>
-            <a:r>
-              <a:rPr lang="en-US" altLang="ko-KR" dirty="0" smtClean="0"/>
-              <a:t>H0-B: </a:t>
-            </a:r>
-            <a:r>
-              <a:rPr lang="ko-KR" altLang="en-US" dirty="0" smtClean="0"/>
-              <a:t>피치 템포 </a:t>
-            </a:r>
-            <a:r>
-              <a:rPr lang="ko-KR" altLang="en-US" dirty="0" err="1" smtClean="0"/>
-              <a:t>변화량에</a:t>
-            </a:r>
-            <a:r>
-              <a:rPr lang="ko-KR" altLang="en-US" dirty="0" smtClean="0"/>
-              <a:t> 따른 피치 타이머 도입 전과 후의 </a:t>
-            </a:r>
-            <a:r>
-              <a:rPr lang="ko-KR" altLang="en-US" dirty="0" smtClean="0">
-                <a:solidFill>
-                  <a:srgbClr val="0070C0"/>
-                </a:solidFill>
-              </a:rPr>
-              <a:t>경기력</a:t>
-            </a:r>
-            <a:r>
-              <a:rPr lang="ko-KR" altLang="en-US" dirty="0"/>
-              <a:t>의</a:t>
-            </a:r>
-            <a:r>
-              <a:rPr lang="ko-KR" altLang="en-US" dirty="0" smtClean="0"/>
-              <a:t> </a:t>
-            </a:r>
-            <a:r>
-              <a:rPr lang="ko-KR" altLang="en-US" dirty="0" err="1" smtClean="0"/>
-              <a:t>변화량은</a:t>
-            </a:r>
-            <a:r>
-              <a:rPr lang="ko-KR" altLang="en-US" dirty="0" smtClean="0"/>
-              <a:t> 차이가 없다</a:t>
-            </a:r>
-            <a:r>
-              <a:rPr lang="en-US" altLang="ko-KR" dirty="0" smtClean="0"/>
-              <a:t>.</a:t>
-            </a:r>
-            <a:br>
-              <a:rPr lang="en-US" altLang="ko-KR" dirty="0" smtClean="0"/>
-            </a:br>
-            <a:r>
-              <a:rPr lang="en-US" altLang="ko-KR" dirty="0" smtClean="0"/>
-              <a:t/>
-            </a:r>
-            <a:br>
-              <a:rPr lang="en-US" altLang="ko-KR" dirty="0" smtClean="0"/>
-            </a:br>
-            <a:r>
-              <a:rPr lang="en-US" altLang="ko-KR" dirty="0" smtClean="0"/>
-              <a:t>H1-B: </a:t>
-            </a:r>
-            <a:r>
-              <a:rPr lang="ko-KR" altLang="en-US" dirty="0" smtClean="0"/>
-              <a:t>피치 템포 </a:t>
-            </a:r>
-            <a:r>
-              <a:rPr lang="ko-KR" altLang="en-US" dirty="0" err="1" smtClean="0"/>
-              <a:t>변화량이</a:t>
-            </a:r>
-            <a:r>
-              <a:rPr lang="ko-KR" altLang="en-US" dirty="0" smtClean="0"/>
-              <a:t> 클수록 </a:t>
-            </a:r>
-            <a:r>
-              <a:rPr lang="ko-KR" altLang="en-US" dirty="0" smtClean="0"/>
-              <a:t>피치 </a:t>
-            </a:r>
-            <a:r>
-              <a:rPr lang="ko-KR" altLang="en-US" dirty="0"/>
-              <a:t>타이머 도입 전과 후의 </a:t>
-            </a:r>
-            <a:r>
-              <a:rPr lang="ko-KR" altLang="en-US" dirty="0" smtClean="0">
-                <a:solidFill>
-                  <a:srgbClr val="0070C0"/>
-                </a:solidFill>
-              </a:rPr>
-              <a:t>경기력</a:t>
-            </a:r>
-            <a:r>
-              <a:rPr lang="ko-KR" altLang="en-US" dirty="0" smtClean="0"/>
-              <a:t>의 </a:t>
-            </a:r>
-            <a:r>
-              <a:rPr lang="ko-KR" altLang="en-US" dirty="0" err="1" smtClean="0"/>
-              <a:t>변화량이</a:t>
-            </a:r>
-            <a:r>
-              <a:rPr lang="ko-KR" altLang="en-US" dirty="0" smtClean="0"/>
-              <a:t> 더 클 것이다</a:t>
-            </a:r>
-            <a:r>
-              <a:rPr lang="en-US" altLang="ko-KR" dirty="0" smtClean="0"/>
-              <a:t>.</a:t>
-            </a:r>
-            <a:endParaRPr lang="en-US" altLang="ko-KR" dirty="0" smtClean="0"/>
+            <a:endParaRPr lang="en-US" altLang="ko-KR" dirty="0"/>
+          </a:p>
+          <a:p>
+            <a:pPr marL="514350" indent="-514350">
+              <a:buFont typeface="+mj-lt"/>
+              <a:buAutoNum type="arabicPeriod"/>
+            </a:pPr>
+            <a:r>
+              <a:rPr lang="ko-KR" altLang="en-US" dirty="0"/>
+              <a:t>피치 타이머 도입 전과 후의 경기력 비교</a:t>
+            </a:r>
           </a:p>
         </p:txBody>
       </p:sp>
     </p:spTree>
     <p:extLst>
       <p:ext uri="{BB962C8B-B14F-4D97-AF65-F5344CB8AC3E}">
-        <p14:creationId xmlns:p14="http://schemas.microsoft.com/office/powerpoint/2010/main" val="3294744176"/>
+        <p14:creationId xmlns:p14="http://schemas.microsoft.com/office/powerpoint/2010/main" val="3428740657"/>
       </p:ext>
     </p:extLst>
   </p:cSld>
@@ -5655,18 +5000,237 @@
           <a:lstStyle/>
           <a:p>
             <a:r>
-              <a:rPr lang="ko-KR" altLang="en-US" dirty="0" smtClean="0"/>
+              <a:rPr lang="ko-KR" altLang="en-US" dirty="0"/>
+              <a:t>연구 가설</a:t>
+            </a:r>
+          </a:p>
+        </p:txBody>
+      </p:sp>
+      <p:sp>
+        <p:nvSpPr>
+          <p:cNvPr id="3" name="내용 개체 틀 2"/>
+          <p:cNvSpPr>
+            <a:spLocks noGrp="1"/>
+          </p:cNvSpPr>
+          <p:nvPr>
+            <p:ph idx="1"/>
+          </p:nvPr>
+        </p:nvSpPr>
+        <p:spPr/>
+        <p:txBody>
+          <a:bodyPr/>
+          <a:lstStyle/>
+          <a:p>
+            <a:r>
+              <a:rPr lang="en-US" altLang="ko-KR" dirty="0"/>
+              <a:t>H0-A: </a:t>
+            </a:r>
+            <a:r>
+              <a:rPr lang="ko-KR" altLang="en-US" dirty="0"/>
+              <a:t>피치 템포에 따라 </a:t>
+            </a:r>
+            <a:r>
+              <a:rPr lang="ko-KR" altLang="en-US" dirty="0">
+                <a:solidFill>
+                  <a:srgbClr val="0070C0"/>
+                </a:solidFill>
+              </a:rPr>
+              <a:t>경기력</a:t>
+            </a:r>
+            <a:r>
+              <a:rPr lang="ko-KR" altLang="en-US" dirty="0"/>
+              <a:t>에 차이가 없다</a:t>
+            </a:r>
+            <a:r>
+              <a:rPr lang="en-US" altLang="ko-KR" dirty="0"/>
+              <a:t>. </a:t>
+            </a:r>
+            <a:br>
+              <a:rPr lang="en-US" altLang="ko-KR" dirty="0"/>
+            </a:br>
+            <a:r>
+              <a:rPr lang="en-US" altLang="ko-KR" dirty="0"/>
+              <a:t> </a:t>
+            </a:r>
+            <a:br>
+              <a:rPr lang="en-US" altLang="ko-KR" dirty="0"/>
+            </a:br>
+            <a:r>
+              <a:rPr lang="en-US" altLang="ko-KR" dirty="0"/>
+              <a:t>H1-A: </a:t>
+            </a:r>
+            <a:r>
+              <a:rPr lang="ko-KR" altLang="en-US" dirty="0"/>
+              <a:t>피치 템포에 따라 </a:t>
+            </a:r>
+            <a:r>
+              <a:rPr lang="ko-KR" altLang="en-US" dirty="0">
+                <a:solidFill>
+                  <a:srgbClr val="0070C0"/>
+                </a:solidFill>
+              </a:rPr>
+              <a:t>경기력</a:t>
+            </a:r>
+            <a:r>
+              <a:rPr lang="ko-KR" altLang="en-US" dirty="0"/>
+              <a:t>에 차이가 있다</a:t>
+            </a:r>
+            <a:r>
+              <a:rPr lang="en-US" altLang="ko-KR" dirty="0"/>
+              <a:t>.</a:t>
+            </a:r>
+            <a:br>
+              <a:rPr lang="en-US" altLang="ko-KR" dirty="0"/>
+            </a:br>
+            <a:endParaRPr lang="en-US" altLang="ko-KR" dirty="0"/>
+          </a:p>
+          <a:p>
+            <a:r>
+              <a:rPr lang="en-US" altLang="ko-KR" dirty="0"/>
+              <a:t>H0-B: </a:t>
+            </a:r>
+            <a:r>
+              <a:rPr lang="ko-KR" altLang="en-US" dirty="0"/>
+              <a:t>피치 템포 </a:t>
+            </a:r>
+            <a:r>
+              <a:rPr lang="ko-KR" altLang="en-US" dirty="0" err="1"/>
+              <a:t>변화량에</a:t>
+            </a:r>
+            <a:r>
+              <a:rPr lang="ko-KR" altLang="en-US" dirty="0"/>
+              <a:t> 따른 피치 타이머 도입 전과 후의 </a:t>
+            </a:r>
+            <a:r>
+              <a:rPr lang="ko-KR" altLang="en-US" dirty="0">
+                <a:solidFill>
+                  <a:srgbClr val="0070C0"/>
+                </a:solidFill>
+              </a:rPr>
+              <a:t>경기력</a:t>
+            </a:r>
+            <a:r>
+              <a:rPr lang="ko-KR" altLang="en-US" dirty="0"/>
+              <a:t>의 </a:t>
+            </a:r>
+            <a:r>
+              <a:rPr lang="ko-KR" altLang="en-US" dirty="0" err="1"/>
+              <a:t>변화량은</a:t>
+            </a:r>
+            <a:r>
+              <a:rPr lang="ko-KR" altLang="en-US" dirty="0"/>
+              <a:t> 차이가 없다</a:t>
+            </a:r>
+            <a:r>
+              <a:rPr lang="en-US" altLang="ko-KR" dirty="0"/>
+              <a:t>.</a:t>
+            </a:r>
+            <a:br>
+              <a:rPr lang="en-US" altLang="ko-KR" dirty="0"/>
+            </a:br>
+            <a:br>
+              <a:rPr lang="en-US" altLang="ko-KR" dirty="0"/>
+            </a:br>
+            <a:r>
+              <a:rPr lang="en-US" altLang="ko-KR" dirty="0"/>
+              <a:t>H1-B: </a:t>
+            </a:r>
+            <a:r>
+              <a:rPr lang="ko-KR" altLang="en-US" dirty="0"/>
+              <a:t>피치 템포 </a:t>
+            </a:r>
+            <a:r>
+              <a:rPr lang="ko-KR" altLang="en-US" dirty="0" err="1"/>
+              <a:t>변화량이</a:t>
+            </a:r>
+            <a:r>
+              <a:rPr lang="ko-KR" altLang="en-US" dirty="0"/>
+              <a:t> 클수록 피치 타이머 도입 전과 후의 </a:t>
+            </a:r>
+            <a:r>
+              <a:rPr lang="ko-KR" altLang="en-US" dirty="0">
+                <a:solidFill>
+                  <a:srgbClr val="0070C0"/>
+                </a:solidFill>
+              </a:rPr>
+              <a:t>경기력</a:t>
+            </a:r>
+            <a:r>
+              <a:rPr lang="ko-KR" altLang="en-US" dirty="0"/>
+              <a:t>의 </a:t>
+            </a:r>
+            <a:r>
+              <a:rPr lang="ko-KR" altLang="en-US" dirty="0" err="1"/>
+              <a:t>변화량이</a:t>
+            </a:r>
+            <a:r>
+              <a:rPr lang="ko-KR" altLang="en-US" dirty="0"/>
+              <a:t> 더 클 것이다</a:t>
+            </a:r>
+            <a:r>
+              <a:rPr lang="en-US" altLang="ko-KR" dirty="0"/>
+              <a:t>.</a:t>
+            </a:r>
+          </a:p>
+        </p:txBody>
+      </p:sp>
+    </p:spTree>
+    <p:extLst>
+      <p:ext uri="{BB962C8B-B14F-4D97-AF65-F5344CB8AC3E}">
+        <p14:creationId xmlns:p14="http://schemas.microsoft.com/office/powerpoint/2010/main" val="3294744176"/>
+      </p:ext>
+    </p:extLst>
+  </p:cSld>
+  <p:clrMapOvr>
+    <a:masterClrMapping/>
+  </p:clrMapOvr>
+</p:sld>
+</file>
+
+<file path=ppt/slides/slide7.xml><?xml version="1.0" encoding="utf-8"?>
+<p:sld xmlns:a="http://schemas.openxmlformats.org/drawingml/2006/main" xmlns:r="http://schemas.openxmlformats.org/officeDocument/2006/relationships" xmlns:p="http://schemas.openxmlformats.org/presentationml/2006/main">
+  <p:cSld>
+    <p:spTree>
+      <p:nvGrpSpPr>
+        <p:cNvPr id="1" name=""/>
+        <p:cNvGrpSpPr/>
+        <p:nvPr/>
+      </p:nvGrpSpPr>
+      <p:grpSpPr>
+        <a:xfrm>
+          <a:off x="0" y="0"/>
+          <a:ext cx="0" cy="0"/>
+          <a:chOff x="0" y="0"/>
+          <a:chExt cx="0" cy="0"/>
+        </a:xfrm>
+      </p:grpSpPr>
+      <p:sp>
+        <p:nvSpPr>
+          <p:cNvPr id="2" name="제목 1"/>
+          <p:cNvSpPr>
+            <a:spLocks noGrp="1"/>
+          </p:cNvSpPr>
+          <p:nvPr>
+            <p:ph type="title"/>
+          </p:nvPr>
+        </p:nvSpPr>
+        <p:spPr/>
+        <p:txBody>
+          <a:bodyPr/>
+          <a:lstStyle/>
+          <a:p>
+            <a:r>
+              <a:rPr lang="ko-KR" altLang="en-US" dirty="0"/>
               <a:t>연구 방법 </a:t>
             </a:r>
             <a:r>
-              <a:rPr lang="en-US" altLang="ko-KR" dirty="0" smtClean="0"/>
+              <a:rPr lang="en-US" altLang="ko-KR" dirty="0"/>
               <a:t>– </a:t>
             </a:r>
             <a:r>
-              <a:rPr lang="ko-KR" altLang="en-US" dirty="0" smtClean="0"/>
+              <a:rPr lang="ko-KR" altLang="en-US" dirty="0"/>
               <a:t>데이터 수집</a:t>
             </a:r>
-            <a:endParaRPr lang="ko-KR" altLang="en-US" dirty="0"/>
           </a:p>
         </p:txBody>
       </p:sp>
@@ -5780,60 +5344,56 @@
           <a:lstStyle/>
           <a:p>
             <a:r>
-              <a:rPr lang="en-US" altLang="ko-KR" dirty="0" smtClean="0"/>
+              <a:rPr lang="en-US" altLang="ko-KR" dirty="0"/>
               <a:t>MLB </a:t>
             </a:r>
             <a:r>
-              <a:rPr lang="ko-KR" altLang="en-US" dirty="0" smtClean="0"/>
+              <a:rPr lang="ko-KR" altLang="en-US" dirty="0"/>
               <a:t>관련 데이터를 제공하는 대표적인 </a:t>
             </a:r>
             <a:r>
-              <a:rPr lang="en-US" altLang="ko-KR" dirty="0" smtClean="0"/>
+              <a:rPr lang="en-US" altLang="ko-KR" dirty="0"/>
               <a:t>3</a:t>
             </a:r>
             <a:r>
-              <a:rPr lang="ko-KR" altLang="en-US" dirty="0" smtClean="0"/>
+              <a:rPr lang="ko-KR" altLang="en-US" dirty="0"/>
               <a:t>가지 웹사이트</a:t>
             </a:r>
-            <a:r>
-              <a:rPr lang="en-US" altLang="ko-KR" dirty="0" smtClean="0"/>
-              <a:t/>
-            </a:r>
-            <a:br>
-              <a:rPr lang="en-US" altLang="ko-KR" dirty="0" smtClean="0"/>
-            </a:br>
-            <a:endParaRPr lang="en-US" altLang="ko-KR" dirty="0" smtClean="0"/>
-          </a:p>
-          <a:p>
-            <a:r>
-              <a:rPr lang="ko-KR" altLang="en-US" dirty="0" smtClean="0"/>
+            <a:br>
+              <a:rPr lang="en-US" altLang="ko-KR" dirty="0"/>
+            </a:br>
+            <a:endParaRPr lang="en-US" altLang="ko-KR" dirty="0"/>
+          </a:p>
+          <a:p>
+            <a:r>
+              <a:rPr lang="ko-KR" altLang="en-US" dirty="0"/>
               <a:t>오픈소스 라이브러리인 </a:t>
             </a:r>
             <a:r>
-              <a:rPr lang="en-US" altLang="ko-KR" dirty="0" err="1" smtClean="0"/>
+              <a:rPr lang="en-US" altLang="ko-KR" dirty="0" err="1"/>
               <a:t>pybaseball</a:t>
             </a:r>
             <a:r>
-              <a:rPr lang="ko-KR" altLang="en-US" dirty="0" smtClean="0"/>
+              <a:rPr lang="ko-KR" altLang="en-US" dirty="0"/>
               <a:t>과 </a:t>
             </a:r>
             <a:r>
-              <a:rPr lang="ko-KR" altLang="en-US" dirty="0" err="1" smtClean="0"/>
+              <a:rPr lang="ko-KR" altLang="en-US" dirty="0" err="1"/>
               <a:t>파이썬</a:t>
             </a:r>
             <a:r>
-              <a:rPr lang="ko-KR" altLang="en-US" dirty="0" smtClean="0"/>
+              <a:rPr lang="ko-KR" altLang="en-US" dirty="0"/>
               <a:t> </a:t>
             </a:r>
             <a:r>
-              <a:rPr lang="ko-KR" altLang="en-US" dirty="0" err="1" smtClean="0"/>
+              <a:rPr lang="ko-KR" altLang="en-US" dirty="0" err="1"/>
               <a:t>웹크롤링을</a:t>
             </a:r>
             <a:r>
-              <a:rPr lang="ko-KR" altLang="en-US" dirty="0" smtClean="0"/>
+              <a:rPr lang="ko-KR" altLang="en-US" dirty="0"/>
               <a:t> 활용해 데이터 수집</a:t>
             </a:r>
-            <a:endParaRPr lang="en-US" altLang="ko-KR" dirty="0" smtClean="0"/>
+            <a:endParaRPr lang="en-US" altLang="ko-KR" dirty="0"/>
           </a:p>
           <a:p>
             <a:endParaRPr lang="ko-KR" altLang="en-US" dirty="0"/>
@@ -5844,212 +5404,6 @@
     <p:extLst>
       <p:ext uri="{BB962C8B-B14F-4D97-AF65-F5344CB8AC3E}">
         <p14:creationId xmlns:p14="http://schemas.microsoft.com/office/powerpoint/2010/main" val="2999979899"/>
-      </p:ext>
-    </p:extLst>
-  </p:cSld>
-  <p:clrMapOvr>
-    <a:masterClrMapping/>
-  </p:clrMapOvr>
-</p:sld>
-</file>
-
-<file path=ppt/slides/slide7.xml><?xml version="1.0" encoding="utf-8"?>
-<p:sld xmlns:a="http://schemas.openxmlformats.org/drawingml/2006/main" xmlns:r="http://schemas.openxmlformats.org/officeDocument/2006/relationships" xmlns:p="http://schemas.openxmlformats.org/presentationml/2006/main">
-  <p:cSld>
-    <p:spTree>
-      <p:nvGrpSpPr>
-        <p:cNvPr id="1" name=""/>
-        <p:cNvGrpSpPr/>
-        <p:nvPr/>
-      </p:nvGrpSpPr>
-      <p:grpSpPr>
-        <a:xfrm>
-          <a:off x="0" y="0"/>
-          <a:ext cx="0" cy="0"/>
-          <a:chOff x="0" y="0"/>
-          <a:chExt cx="0" cy="0"/>
-        </a:xfrm>
-      </p:grpSpPr>
-      <p:sp>
-        <p:nvSpPr>
-          <p:cNvPr id="2" name="제목 1"/>
-          <p:cNvSpPr>
-            <a:spLocks noGrp="1"/>
-          </p:cNvSpPr>
-          <p:nvPr>
-            <p:ph type="title"/>
-          </p:nvPr>
-        </p:nvSpPr>
-        <p:spPr/>
-        <p:txBody>
-          <a:bodyPr/>
-          <a:lstStyle/>
-          <a:p>
-            <a:r>
-              <a:rPr lang="ko-KR" altLang="en-US" dirty="0" smtClean="0"/>
-              <a:t>연구대상</a:t>
-            </a:r>
-            <a:endParaRPr lang="ko-KR" altLang="en-US" dirty="0"/>
-          </a:p>
-        </p:txBody>
-      </p:sp>
-      <p:sp>
-        <p:nvSpPr>
-          <p:cNvPr id="3" name="내용 개체 틀 2"/>
-          <p:cNvSpPr>
-            <a:spLocks noGrp="1"/>
-          </p:cNvSpPr>
-          <p:nvPr>
-            <p:ph idx="1"/>
-          </p:nvPr>
-        </p:nvSpPr>
-        <p:spPr/>
-        <p:txBody>
-          <a:bodyPr/>
-          <a:lstStyle/>
-          <a:p>
-            <a:r>
-              <a:rPr lang="ko-KR" altLang="en-US" dirty="0" smtClean="0"/>
-              <a:t>피치 타이머 도입 전 </a:t>
-            </a:r>
-            <a:r>
-              <a:rPr lang="en-US" altLang="ko-KR" dirty="0" smtClean="0"/>
-              <a:t>2</a:t>
-            </a:r>
-            <a:r>
-              <a:rPr lang="ko-KR" altLang="en-US" dirty="0" smtClean="0"/>
-              <a:t>시즌</a:t>
-            </a:r>
-            <a:r>
-              <a:rPr lang="en-US" altLang="ko-KR" dirty="0" smtClean="0"/>
-              <a:t>, </a:t>
-            </a:r>
-            <a:r>
-              <a:rPr lang="ko-KR" altLang="en-US" dirty="0" smtClean="0"/>
-              <a:t>도입 후 </a:t>
-            </a:r>
-            <a:r>
-              <a:rPr lang="en-US" altLang="ko-KR" dirty="0" smtClean="0"/>
-              <a:t>2</a:t>
-            </a:r>
-            <a:r>
-              <a:rPr lang="ko-KR" altLang="en-US" dirty="0" smtClean="0"/>
-              <a:t>시즌</a:t>
-            </a:r>
-            <a:endParaRPr lang="en-US" altLang="ko-KR" dirty="0" smtClean="0"/>
-          </a:p>
-          <a:p>
-            <a:pPr lvl="1"/>
-            <a:r>
-              <a:rPr lang="en-US" altLang="ko-KR" dirty="0" smtClean="0"/>
-              <a:t>2022~2024</a:t>
-            </a:r>
-            <a:br>
-              <a:rPr lang="en-US" altLang="ko-KR" dirty="0" smtClean="0"/>
-            </a:br>
-            <a:endParaRPr lang="en-US" altLang="ko-KR" dirty="0" smtClean="0"/>
-          </a:p>
-          <a:p>
-            <a:r>
-              <a:rPr lang="en-US" altLang="ko-KR" dirty="0" smtClean="0"/>
-              <a:t>4</a:t>
-            </a:r>
-            <a:r>
-              <a:rPr lang="ko-KR" altLang="en-US" dirty="0" smtClean="0"/>
-              <a:t>년 동안</a:t>
-            </a:r>
-            <a:r>
-              <a:rPr lang="en-US" altLang="ko-KR" dirty="0" smtClean="0"/>
-              <a:t>…</a:t>
-            </a:r>
-            <a:endParaRPr lang="en-US" altLang="ko-KR" dirty="0" smtClean="0"/>
-          </a:p>
-          <a:p>
-            <a:pPr lvl="1"/>
-            <a:r>
-              <a:rPr lang="ko-KR" altLang="en-US" dirty="0" smtClean="0"/>
-              <a:t>규정 이닝</a:t>
-            </a:r>
-            <a:r>
-              <a:rPr lang="en-US" altLang="ko-KR" dirty="0" smtClean="0"/>
-              <a:t>(</a:t>
-            </a:r>
-            <a:r>
-              <a:rPr lang="en-US" altLang="ko-KR" dirty="0"/>
-              <a:t>Q</a:t>
-            </a:r>
-            <a:r>
-              <a:rPr lang="en-US" altLang="ko-KR" dirty="0" smtClean="0"/>
-              <a:t>ualified IP)</a:t>
-            </a:r>
-            <a:r>
-              <a:rPr lang="ko-KR" altLang="en-US" dirty="0" smtClean="0"/>
-              <a:t> 만족</a:t>
-            </a:r>
-            <a:endParaRPr lang="en-US" altLang="ko-KR" dirty="0"/>
-          </a:p>
-          <a:p>
-            <a:pPr lvl="1"/>
-            <a:r>
-              <a:rPr lang="ko-KR" altLang="en-US" dirty="0" smtClean="0"/>
-              <a:t>한 시즌 투구 수 </a:t>
-            </a:r>
-            <a:r>
-              <a:rPr lang="en-US" altLang="ko-KR" dirty="0" smtClean="0"/>
-              <a:t>324(162 * 2)</a:t>
-            </a:r>
-            <a:r>
-              <a:rPr lang="ko-KR" altLang="en-US" dirty="0" smtClean="0"/>
-              <a:t>개 이상</a:t>
-            </a:r>
-            <a:endParaRPr lang="en-US" altLang="ko-KR" dirty="0" smtClean="0"/>
-          </a:p>
-          <a:p>
-            <a:pPr lvl="1"/>
-            <a:r>
-              <a:rPr lang="ko-KR" altLang="en-US" dirty="0" smtClean="0"/>
-              <a:t>등</a:t>
-            </a:r>
-            <a:endParaRPr lang="en-US" altLang="ko-KR" dirty="0" smtClean="0"/>
-          </a:p>
-          <a:p>
-            <a:pPr lvl="1"/>
-            <a:endParaRPr lang="en-US" altLang="ko-KR" dirty="0" smtClean="0"/>
-          </a:p>
-        </p:txBody>
-      </p:sp>
-      <p:sp>
-        <p:nvSpPr>
-          <p:cNvPr id="5" name="바닥글 개체 틀 4"/>
-          <p:cNvSpPr>
-            <a:spLocks noGrp="1"/>
-          </p:cNvSpPr>
-          <p:nvPr>
-            <p:ph type="ftr" sz="quarter" idx="11"/>
-          </p:nvPr>
-        </p:nvSpPr>
-        <p:spPr>
-          <a:xfrm>
-            <a:off x="838200" y="6311900"/>
-            <a:ext cx="4114800" cy="365125"/>
-          </a:xfrm>
-        </p:spPr>
-        <p:txBody>
-          <a:bodyPr/>
-          <a:lstStyle/>
-          <a:p>
-            <a:r>
-              <a:rPr lang="en-US" altLang="ko-KR" dirty="0" smtClean="0"/>
-              <a:t>glossary. MLB.com. https://www.mlb.com/glossary</a:t>
-            </a:r>
-            <a:endParaRPr lang="ko-KR" altLang="en-US" dirty="0"/>
-          </a:p>
-        </p:txBody>
-      </p:sp>
-    </p:spTree>
-    <p:extLst>
-      <p:ext uri="{BB962C8B-B14F-4D97-AF65-F5344CB8AC3E}">
-        <p14:creationId xmlns:p14="http://schemas.microsoft.com/office/powerpoint/2010/main" val="2755084847"/>
       </p:ext>
     </p:extLst>
   </p:cSld>
@@ -6092,10 +5446,9 @@
           <a:lstStyle/>
           <a:p>
             <a:r>
-              <a:rPr lang="ko-KR" altLang="en-US" dirty="0" smtClean="0"/>
-              <a:t>지표 선정</a:t>
-            </a:r>
-            <a:endParaRPr lang="ko-KR" altLang="en-US" dirty="0"/>
+              <a:rPr lang="ko-KR" altLang="en-US" dirty="0"/>
+              <a:t>연구대상</a:t>
+            </a:r>
           </a:p>
         </p:txBody>
       </p:sp>
@@ -6115,124 +5468,109 @@
           <a:lstStyle/>
           <a:p>
             <a:r>
-              <a:rPr lang="ko-KR" altLang="en-US" dirty="0" smtClean="0"/>
-              <a:t>경기력이라는 추상적인 개념을 대표할 수 있는 지표 </a:t>
-            </a:r>
-            <a:r>
-              <a:rPr lang="ko-KR" altLang="en-US" dirty="0" smtClean="0"/>
-              <a:t>선정</a:t>
-            </a:r>
-            <a:r>
-              <a:rPr lang="en-US" altLang="ko-KR" dirty="0" smtClean="0"/>
-              <a:t/>
-            </a:r>
-            <a:br>
-              <a:rPr lang="en-US" altLang="ko-KR" dirty="0" smtClean="0"/>
-            </a:br>
+              <a:rPr lang="ko-KR" altLang="en-US" dirty="0"/>
+              <a:t>피치 타이머 도입 전 </a:t>
+            </a:r>
+            <a:r>
+              <a:rPr lang="en-US" altLang="ko-KR" dirty="0"/>
+              <a:t>2</a:t>
+            </a:r>
+            <a:r>
+              <a:rPr lang="ko-KR" altLang="en-US" dirty="0"/>
+              <a:t>시즌</a:t>
+            </a:r>
+            <a:r>
+              <a:rPr lang="en-US" altLang="ko-KR" dirty="0"/>
+              <a:t>, </a:t>
+            </a:r>
+            <a:r>
+              <a:rPr lang="ko-KR" altLang="en-US" dirty="0"/>
+              <a:t>도입 후 </a:t>
+            </a:r>
+            <a:r>
+              <a:rPr lang="en-US" altLang="ko-KR" dirty="0"/>
+              <a:t>2</a:t>
+            </a:r>
+            <a:r>
+              <a:rPr lang="ko-KR" altLang="en-US" dirty="0"/>
+              <a:t>시즌</a:t>
+            </a:r>
             <a:endParaRPr lang="en-US" altLang="ko-KR" dirty="0"/>
           </a:p>
           <a:p>
             <a:pPr lvl="1"/>
             <a:r>
-              <a:rPr lang="en-US" altLang="ko-KR" dirty="0" smtClean="0"/>
-              <a:t>Standard Stats</a:t>
-            </a:r>
-          </a:p>
-          <a:p>
-            <a:pPr lvl="2"/>
-            <a:r>
-              <a:rPr lang="ko-KR" altLang="en-US" dirty="0" smtClean="0"/>
-              <a:t>평균자책점</a:t>
-            </a:r>
-            <a:r>
-              <a:rPr lang="en-US" altLang="ko-KR" dirty="0" smtClean="0"/>
-              <a:t>(ERA) : 9</a:t>
-            </a:r>
-            <a:r>
-              <a:rPr lang="ko-KR" altLang="en-US" dirty="0" smtClean="0"/>
-              <a:t>이닝 당 허용한 점수</a:t>
-            </a:r>
+              <a:rPr lang="en-US" altLang="ko-KR" dirty="0"/>
+              <a:t>2022~2024</a:t>
+            </a:r>
+            <a:br>
+              <a:rPr lang="en-US" altLang="ko-KR" dirty="0"/>
+            </a:br>
             <a:endParaRPr lang="en-US" altLang="ko-KR" dirty="0"/>
           </a:p>
           <a:p>
-            <a:pPr lvl="2"/>
-            <a:r>
-              <a:rPr lang="ko-KR" altLang="en-US" dirty="0" smtClean="0"/>
-              <a:t>피안타율</a:t>
-            </a:r>
-            <a:r>
-              <a:rPr lang="en-US" altLang="ko-KR" dirty="0" smtClean="0"/>
-              <a:t>(WHIP) : 1</a:t>
-            </a:r>
-            <a:r>
-              <a:rPr lang="ko-KR" altLang="en-US" dirty="0" smtClean="0"/>
-              <a:t>이닝 당 허용한 볼넷 혹은 안타</a:t>
-            </a:r>
-            <a:endParaRPr lang="en-US" altLang="ko-KR" dirty="0" smtClean="0"/>
+            <a:r>
+              <a:rPr lang="en-US" altLang="ko-KR" dirty="0"/>
+              <a:t>4</a:t>
+            </a:r>
+            <a:r>
+              <a:rPr lang="ko-KR" altLang="en-US" dirty="0"/>
+              <a:t>년 동안</a:t>
+            </a:r>
+            <a:r>
+              <a:rPr lang="en-US" altLang="ko-KR" dirty="0"/>
+              <a:t>…</a:t>
+            </a:r>
           </a:p>
           <a:p>
             <a:pPr lvl="1"/>
-            <a:endParaRPr lang="en-US" altLang="ko-KR" dirty="0" smtClean="0"/>
+            <a:r>
+              <a:rPr lang="ko-KR" altLang="en-US" dirty="0"/>
+              <a:t>규정 이닝</a:t>
+            </a:r>
+            <a:r>
+              <a:rPr lang="en-US" altLang="ko-KR" dirty="0"/>
+              <a:t>(Qualified IP)</a:t>
+            </a:r>
+            <a:r>
+              <a:rPr lang="ko-KR" altLang="en-US" dirty="0"/>
+              <a:t> 만족</a:t>
+            </a:r>
+            <a:endParaRPr lang="en-US" altLang="ko-KR" dirty="0"/>
           </a:p>
           <a:p>
             <a:pPr lvl="1"/>
             <a:r>
-              <a:rPr lang="en-US" altLang="ko-KR" dirty="0" err="1" smtClean="0"/>
-              <a:t>Statcast</a:t>
-            </a:r>
-            <a:endParaRPr lang="en-US" altLang="ko-KR" dirty="0" smtClean="0"/>
-          </a:p>
-          <a:p>
-            <a:pPr lvl="2"/>
-            <a:r>
-              <a:rPr lang="ko-KR" altLang="en-US" dirty="0" smtClean="0"/>
-              <a:t>구속</a:t>
-            </a:r>
-            <a:r>
-              <a:rPr lang="en-US" altLang="ko-KR" dirty="0" smtClean="0"/>
-              <a:t>(Velocity) : </a:t>
-            </a:r>
-            <a:r>
-              <a:rPr lang="ko-KR" altLang="en-US" dirty="0" smtClean="0"/>
-              <a:t>투수가 공을 던진 순간부터 홈플레이트를 통과하는 순간까지의 </a:t>
-            </a:r>
-            <a:r>
-              <a:rPr lang="ko-KR" altLang="en-US" dirty="0" err="1" smtClean="0"/>
-              <a:t>최대속도</a:t>
-            </a:r>
-            <a:endParaRPr lang="en-US" altLang="ko-KR" dirty="0" smtClean="0"/>
-          </a:p>
-          <a:p>
-            <a:pPr lvl="2"/>
-            <a:r>
-              <a:rPr lang="ko-KR" altLang="en-US" dirty="0" err="1" smtClean="0"/>
-              <a:t>회전수</a:t>
-            </a:r>
-            <a:r>
-              <a:rPr lang="en-US" altLang="ko-KR" dirty="0" smtClean="0"/>
-              <a:t>(Spin Rate) : </a:t>
-            </a:r>
-            <a:r>
-              <a:rPr lang="ko-KR" altLang="en-US" dirty="0" smtClean="0"/>
-              <a:t>공이 던져진 후의 분당 </a:t>
-            </a:r>
-            <a:r>
-              <a:rPr lang="ko-KR" altLang="en-US" dirty="0" err="1" smtClean="0"/>
-              <a:t>회전수</a:t>
-            </a:r>
-            <a:endParaRPr lang="en-US" altLang="ko-KR" dirty="0" smtClean="0"/>
-          </a:p>
-          <a:p>
+              <a:rPr lang="ko-KR" altLang="en-US" dirty="0"/>
+              <a:t>한 시즌 투구 수 </a:t>
+            </a:r>
+            <a:r>
+              <a:rPr lang="en-US" altLang="ko-KR" dirty="0"/>
+              <a:t>324(162 * 2)</a:t>
+            </a:r>
+            <a:r>
+              <a:rPr lang="ko-KR" altLang="en-US" dirty="0"/>
+              <a:t>개 이상</a:t>
+            </a:r>
             <a:endParaRPr lang="en-US" altLang="ko-KR" dirty="0"/>
           </a:p>
           <a:p>
-            <a:endParaRPr lang="ko-KR" altLang="en-US" dirty="0"/>
-          </a:p>
-        </p:txBody>
-      </p:sp>
-      <p:sp>
-        <p:nvSpPr>
-          <p:cNvPr id="6" name="바닥글 개체 틀 4"/>
+            <a:pPr lvl="1"/>
+            <a:r>
+              <a:rPr lang="ko-KR" altLang="en-US" dirty="0"/>
+              <a:t>등</a:t>
+            </a:r>
+            <a:endParaRPr lang="en-US" altLang="ko-KR" dirty="0"/>
+          </a:p>
+          <a:p>
+            <a:pPr lvl="1"/>
+            <a:endParaRPr lang="en-US" altLang="ko-KR" dirty="0"/>
+          </a:p>
+        </p:txBody>
+      </p:sp>
+      <p:sp>
+        <p:nvSpPr>
+          <p:cNvPr id="5" name="바닥글 개체 틀 4"/>
           <p:cNvSpPr>
             <a:spLocks noGrp="1"/>
           </p:cNvSpPr>
@@ -6251,17 +5589,25 @@
           <a:lstStyle/>
           <a:p>
             <a:r>
-              <a:rPr lang="en-US" altLang="ko-KR" dirty="0" smtClean="0"/>
+              <a:rPr lang="en-US" altLang="ko-KR" dirty="0">
+                <a:solidFill>
+                  <a:schemeClr val="tx1"/>
+                </a:solidFill>
+              </a:rPr>
               <a:t>glossary. MLB.com. https://www.mlb.com/glossary</a:t>
             </a:r>
-            <a:endParaRPr lang="ko-KR" altLang="en-US" dirty="0"/>
+            <a:endParaRPr lang="ko-KR" altLang="en-US" dirty="0">
+              <a:solidFill>
+                <a:schemeClr val="tx1"/>
+              </a:solidFill>
+            </a:endParaRPr>
           </a:p>
         </p:txBody>
       </p:sp>
     </p:spTree>
     <p:extLst>
       <p:ext uri="{BB962C8B-B14F-4D97-AF65-F5344CB8AC3E}">
-        <p14:creationId xmlns:p14="http://schemas.microsoft.com/office/powerpoint/2010/main" val="1240441739"/>
+        <p14:creationId xmlns:p14="http://schemas.microsoft.com/office/powerpoint/2010/main" val="2755084847"/>
       </p:ext>
     </p:extLst>
   </p:cSld>
@@ -6304,10 +5650,9 @@
           <a:lstStyle/>
           <a:p>
             <a:r>
-              <a:rPr lang="ko-KR" altLang="en-US" smtClean="0"/>
-              <a:t>예상 결과 및 기대 효과</a:t>
-            </a:r>
-            <a:endParaRPr lang="ko-KR" altLang="en-US"/>
+              <a:rPr lang="ko-KR" altLang="en-US" dirty="0"/>
+              <a:t>지표 선정</a:t>
+            </a:r>
           </a:p>
         </p:txBody>
       </p:sp>
@@ -6327,89 +5672,153 @@
           <a:lstStyle/>
           <a:p>
             <a:r>
-              <a:rPr lang="ko-KR" altLang="en-US" dirty="0" smtClean="0"/>
-              <a:t>피치 템포에 따라 경기력에 차이가 있을 것으로 예상</a:t>
-            </a:r>
-            <a:endParaRPr lang="en-US" altLang="ko-KR" dirty="0" smtClean="0"/>
+              <a:rPr lang="ko-KR" altLang="en-US" dirty="0"/>
+              <a:t>경기력이라는 추상적인 개념을 대표할 수 있는 지표 선정</a:t>
+            </a:r>
+            <a:br>
+              <a:rPr lang="en-US" altLang="ko-KR" dirty="0"/>
+            </a:br>
+            <a:endParaRPr lang="en-US" altLang="ko-KR" dirty="0"/>
           </a:p>
           <a:p>
             <a:pPr lvl="1"/>
             <a:r>
-              <a:rPr lang="ko-KR" altLang="en-US" dirty="0" smtClean="0"/>
-              <a:t>경기력을 위해 피치 템포에 대한 훈련이 필요함을 시사</a:t>
-            </a:r>
-            <a:r>
-              <a:rPr lang="en-US" altLang="ko-KR" dirty="0" smtClean="0"/>
-              <a:t/>
-            </a:r>
-            <a:br>
-              <a:rPr lang="en-US" altLang="ko-KR" dirty="0" smtClean="0"/>
-            </a:br>
-            <a:r>
-              <a:rPr lang="en-US" altLang="ko-KR" dirty="0" smtClean="0"/>
-              <a:t/>
-            </a:r>
-            <a:br>
-              <a:rPr lang="en-US" altLang="ko-KR" dirty="0" smtClean="0"/>
-            </a:br>
+              <a:rPr lang="en-US" altLang="ko-KR" dirty="0"/>
+              <a:t>Standard Stats</a:t>
+            </a:r>
+          </a:p>
+          <a:p>
+            <a:pPr lvl="2"/>
+            <a:r>
+              <a:rPr lang="ko-KR" altLang="en-US" dirty="0"/>
+              <a:t>평균자책점</a:t>
+            </a:r>
+            <a:r>
+              <a:rPr lang="en-US" altLang="ko-KR" dirty="0"/>
+              <a:t>(ERA) : 9</a:t>
+            </a:r>
+            <a:r>
+              <a:rPr lang="ko-KR" altLang="en-US" dirty="0"/>
+              <a:t>이닝 당 허용한 점수</a:t>
+            </a:r>
             <a:endParaRPr lang="en-US" altLang="ko-KR" dirty="0"/>
           </a:p>
           <a:p>
-            <a:r>
-              <a:rPr lang="ko-KR" altLang="en-US" dirty="0" smtClean="0"/>
-              <a:t>피치 타이머 도입 후에 피치 템포 </a:t>
-            </a:r>
-            <a:r>
-              <a:rPr lang="ko-KR" altLang="en-US" dirty="0" err="1" smtClean="0"/>
-              <a:t>변화량이</a:t>
-            </a:r>
-            <a:r>
-              <a:rPr lang="ko-KR" altLang="en-US" dirty="0" smtClean="0"/>
-              <a:t> 큰 선수들의 경기력이 더 많이 감소했을 것으로 예상</a:t>
+            <a:pPr lvl="2"/>
+            <a:r>
+              <a:rPr lang="ko-KR" altLang="en-US" dirty="0"/>
+              <a:t>피안타율</a:t>
+            </a:r>
+            <a:r>
+              <a:rPr lang="en-US" altLang="ko-KR" dirty="0"/>
+              <a:t>(WHIP) : 1</a:t>
+            </a:r>
+            <a:r>
+              <a:rPr lang="ko-KR" altLang="en-US" dirty="0"/>
+              <a:t>이닝 당 허용한 볼넷 혹은 안타</a:t>
             </a:r>
             <a:endParaRPr lang="en-US" altLang="ko-KR" dirty="0"/>
           </a:p>
           <a:p>
             <a:pPr lvl="1"/>
-            <a:r>
-              <a:rPr lang="en-US" altLang="ko-KR" dirty="0" smtClean="0"/>
-              <a:t>MLB</a:t>
-            </a:r>
-            <a:r>
-              <a:rPr lang="ko-KR" altLang="en-US" dirty="0" smtClean="0"/>
-              <a:t>에 진출하길 희망하는 선수들에게 </a:t>
-            </a:r>
-            <a:r>
-              <a:rPr lang="ko-KR" altLang="en-US" dirty="0" err="1" smtClean="0"/>
-              <a:t>의미있는</a:t>
-            </a:r>
-            <a:r>
-              <a:rPr lang="ko-KR" altLang="en-US" dirty="0" smtClean="0"/>
-              <a:t> 연구결과가 </a:t>
-            </a:r>
-            <a:r>
-              <a:rPr lang="en-US" altLang="ko-KR" dirty="0" smtClean="0"/>
-              <a:t/>
-            </a:r>
-            <a:br>
-              <a:rPr lang="en-US" altLang="ko-KR" dirty="0" smtClean="0"/>
-            </a:br>
-            <a:r>
-              <a:rPr lang="ko-KR" altLang="en-US" dirty="0" smtClean="0"/>
-              <a:t>될 수 </a:t>
-            </a:r>
-            <a:r>
-              <a:rPr lang="ko-KR" altLang="en-US" dirty="0" smtClean="0"/>
-              <a:t>있음</a:t>
-            </a:r>
-            <a:endParaRPr lang="en-US" altLang="ko-KR" dirty="0" smtClean="0"/>
+            <a:endParaRPr lang="en-US" altLang="ko-KR" dirty="0"/>
+          </a:p>
+          <a:p>
+            <a:pPr lvl="1"/>
+            <a:r>
+              <a:rPr lang="en-US" altLang="ko-KR" dirty="0" err="1"/>
+              <a:t>Statcast</a:t>
+            </a:r>
+            <a:endParaRPr lang="en-US" altLang="ko-KR" dirty="0"/>
+          </a:p>
+          <a:p>
+            <a:pPr lvl="2"/>
+            <a:r>
+              <a:rPr lang="ko-KR" altLang="en-US" dirty="0"/>
+              <a:t>구속</a:t>
+            </a:r>
+            <a:r>
+              <a:rPr lang="en-US" altLang="ko-KR" dirty="0"/>
+              <a:t>(Velocity) : </a:t>
+            </a:r>
+            <a:r>
+              <a:rPr lang="ko-KR" altLang="en-US" dirty="0"/>
+              <a:t>투수가 공을 던진 순간부터 홈플레이트를 통과하는 순간까지의 </a:t>
+            </a:r>
+            <a:r>
+              <a:rPr lang="ko-KR" altLang="en-US" dirty="0" err="1"/>
+              <a:t>최대속도</a:t>
+            </a:r>
+            <a:endParaRPr lang="en-US" altLang="ko-KR" dirty="0"/>
+          </a:p>
+          <a:p>
+            <a:pPr lvl="2"/>
+            <a:r>
+              <a:rPr lang="ko-KR" altLang="en-US" dirty="0" err="1"/>
+              <a:t>회전수</a:t>
+            </a:r>
+            <a:r>
+              <a:rPr lang="en-US" altLang="ko-KR" dirty="0"/>
+              <a:t>(Spin Rate) : </a:t>
+            </a:r>
+            <a:r>
+              <a:rPr lang="ko-KR" altLang="en-US" dirty="0"/>
+              <a:t>공이 던져진 후의 분당 </a:t>
+            </a:r>
+            <a:r>
+              <a:rPr lang="ko-KR" altLang="en-US" dirty="0" err="1"/>
+              <a:t>회전수</a:t>
+            </a:r>
+            <a:endParaRPr lang="en-US" altLang="ko-KR" dirty="0"/>
+          </a:p>
+          <a:p>
+            <a:endParaRPr lang="en-US" altLang="ko-KR" dirty="0"/>
+          </a:p>
+          <a:p>
+            <a:endParaRPr lang="ko-KR" altLang="en-US" dirty="0"/>
+          </a:p>
+        </p:txBody>
+      </p:sp>
+      <p:sp>
+        <p:nvSpPr>
+          <p:cNvPr id="6" name="바닥글 개체 틀 4"/>
+          <p:cNvSpPr>
+            <a:spLocks noGrp="1"/>
+          </p:cNvSpPr>
+          <p:nvPr>
+            <p:ph type="ftr" sz="quarter" idx="11"/>
+          </p:nvPr>
+        </p:nvSpPr>
+        <p:spPr>
+          <a:xfrm>
+            <a:off x="838200" y="6311900"/>
+            <a:ext cx="4114800" cy="365125"/>
+          </a:xfrm>
+        </p:spPr>
+        <p:txBody>
+          <a:bodyPr/>
+          <a:lstStyle/>
+          <a:p>
+            <a:r>
+              <a:rPr lang="en-US" altLang="ko-KR" dirty="0">
+                <a:solidFill>
+                  <a:schemeClr val="tx1"/>
+                </a:solidFill>
+              </a:rPr>
+              <a:t>glossary. MLB.com. https://www.mlb.com/glossary</a:t>
+            </a:r>
+            <a:endParaRPr lang="ko-KR" altLang="en-US" dirty="0">
+              <a:solidFill>
+                <a:schemeClr val="tx1"/>
+              </a:solidFill>
+            </a:endParaRPr>
           </a:p>
         </p:txBody>
       </p:sp>
     </p:spTree>
     <p:extLst>
       <p:ext uri="{BB962C8B-B14F-4D97-AF65-F5344CB8AC3E}">
-        <p14:creationId xmlns:p14="http://schemas.microsoft.com/office/powerpoint/2010/main" val="18675565"/>
+        <p14:creationId xmlns:p14="http://schemas.microsoft.com/office/powerpoint/2010/main" val="1240441739"/>
       </p:ext>
     </p:extLst>
   </p:cSld>

--- a/0304 연구 계획서 발표.pptx
+++ b/0304 연구 계획서 발표.pptx
@@ -5,20 +5,19 @@
     <p:sldMasterId id="2147483648" r:id="rId1"/>
   </p:sldMasterIdLst>
   <p:notesMasterIdLst>
-    <p:notesMasterId r:id="rId13"/>
+    <p:notesMasterId r:id="rId12"/>
   </p:notesMasterIdLst>
   <p:sldIdLst>
     <p:sldId id="256" r:id="rId2"/>
-    <p:sldId id="266" r:id="rId3"/>
-    <p:sldId id="257" r:id="rId4"/>
-    <p:sldId id="258" r:id="rId5"/>
-    <p:sldId id="259" r:id="rId6"/>
-    <p:sldId id="260" r:id="rId7"/>
-    <p:sldId id="261" r:id="rId8"/>
-    <p:sldId id="262" r:id="rId9"/>
-    <p:sldId id="263" r:id="rId10"/>
-    <p:sldId id="264" r:id="rId11"/>
-    <p:sldId id="265" r:id="rId12"/>
+    <p:sldId id="257" r:id="rId3"/>
+    <p:sldId id="258" r:id="rId4"/>
+    <p:sldId id="259" r:id="rId5"/>
+    <p:sldId id="260" r:id="rId6"/>
+    <p:sldId id="261" r:id="rId7"/>
+    <p:sldId id="262" r:id="rId8"/>
+    <p:sldId id="263" r:id="rId9"/>
+    <p:sldId id="264" r:id="rId10"/>
+    <p:sldId id="265" r:id="rId11"/>
   </p:sldIdLst>
   <p:sldSz cx="12192000" cy="6858000"/>
   <p:notesSz cx="6858000" cy="9144000"/>
@@ -207,7 +206,7 @@
           <a:p>
             <a:fld id="{AA832DD1-B250-4594-AE05-0176F1F4A214}" type="datetimeFigureOut">
               <a:rPr lang="ko-KR" altLang="en-US" smtClean="0"/>
-              <a:t>2025. 3. 5.</a:t>
+              <a:t>2025-03-05</a:t>
             </a:fld>
             <a:endParaRPr lang="ko-KR" altLang="en-US"/>
           </a:p>
@@ -603,7 +602,7 @@
           <a:p>
             <a:fld id="{B3EEB5E7-183B-46BB-AB6C-7195E161E4BB}" type="datetimeFigureOut">
               <a:rPr lang="ko-KR" altLang="en-US" smtClean="0"/>
-              <a:t>2025. 3. 5.</a:t>
+              <a:t>2025-03-05</a:t>
             </a:fld>
             <a:endParaRPr lang="ko-KR" altLang="en-US"/>
           </a:p>
@@ -771,7 +770,7 @@
           <a:p>
             <a:fld id="{B3EEB5E7-183B-46BB-AB6C-7195E161E4BB}" type="datetimeFigureOut">
               <a:rPr lang="ko-KR" altLang="en-US" smtClean="0"/>
-              <a:t>2025. 3. 5.</a:t>
+              <a:t>2025-03-05</a:t>
             </a:fld>
             <a:endParaRPr lang="ko-KR" altLang="en-US"/>
           </a:p>
@@ -949,7 +948,7 @@
           <a:p>
             <a:fld id="{B3EEB5E7-183B-46BB-AB6C-7195E161E4BB}" type="datetimeFigureOut">
               <a:rPr lang="ko-KR" altLang="en-US" smtClean="0"/>
-              <a:t>2025. 3. 5.</a:t>
+              <a:t>2025-03-05</a:t>
             </a:fld>
             <a:endParaRPr lang="ko-KR" altLang="en-US"/>
           </a:p>
@@ -1117,7 +1116,7 @@
           <a:p>
             <a:fld id="{B3EEB5E7-183B-46BB-AB6C-7195E161E4BB}" type="datetimeFigureOut">
               <a:rPr lang="ko-KR" altLang="en-US" smtClean="0"/>
-              <a:t>2025. 3. 5.</a:t>
+              <a:t>2025-03-05</a:t>
             </a:fld>
             <a:endParaRPr lang="ko-KR" altLang="en-US"/>
           </a:p>
@@ -1362,7 +1361,7 @@
           <a:p>
             <a:fld id="{B3EEB5E7-183B-46BB-AB6C-7195E161E4BB}" type="datetimeFigureOut">
               <a:rPr lang="ko-KR" altLang="en-US" smtClean="0"/>
-              <a:t>2025. 3. 5.</a:t>
+              <a:t>2025-03-05</a:t>
             </a:fld>
             <a:endParaRPr lang="ko-KR" altLang="en-US"/>
           </a:p>
@@ -1591,7 +1590,7 @@
           <a:p>
             <a:fld id="{B3EEB5E7-183B-46BB-AB6C-7195E161E4BB}" type="datetimeFigureOut">
               <a:rPr lang="ko-KR" altLang="en-US" smtClean="0"/>
-              <a:t>2025. 3. 5.</a:t>
+              <a:t>2025-03-05</a:t>
             </a:fld>
             <a:endParaRPr lang="ko-KR" altLang="en-US"/>
           </a:p>
@@ -1955,7 +1954,7 @@
           <a:p>
             <a:fld id="{B3EEB5E7-183B-46BB-AB6C-7195E161E4BB}" type="datetimeFigureOut">
               <a:rPr lang="ko-KR" altLang="en-US" smtClean="0"/>
-              <a:t>2025. 3. 5.</a:t>
+              <a:t>2025-03-05</a:t>
             </a:fld>
             <a:endParaRPr lang="ko-KR" altLang="en-US"/>
           </a:p>
@@ -2072,7 +2071,7 @@
           <a:p>
             <a:fld id="{B3EEB5E7-183B-46BB-AB6C-7195E161E4BB}" type="datetimeFigureOut">
               <a:rPr lang="ko-KR" altLang="en-US" smtClean="0"/>
-              <a:t>2025. 3. 5.</a:t>
+              <a:t>2025-03-05</a:t>
             </a:fld>
             <a:endParaRPr lang="ko-KR" altLang="en-US"/>
           </a:p>
@@ -2167,7 +2166,7 @@
           <a:p>
             <a:fld id="{B3EEB5E7-183B-46BB-AB6C-7195E161E4BB}" type="datetimeFigureOut">
               <a:rPr lang="ko-KR" altLang="en-US" smtClean="0"/>
-              <a:t>2025. 3. 5.</a:t>
+              <a:t>2025-03-05</a:t>
             </a:fld>
             <a:endParaRPr lang="ko-KR" altLang="en-US"/>
           </a:p>
@@ -2442,7 +2441,7 @@
           <a:p>
             <a:fld id="{B3EEB5E7-183B-46BB-AB6C-7195E161E4BB}" type="datetimeFigureOut">
               <a:rPr lang="ko-KR" altLang="en-US" smtClean="0"/>
-              <a:t>2025. 3. 5.</a:t>
+              <a:t>2025-03-05</a:t>
             </a:fld>
             <a:endParaRPr lang="ko-KR" altLang="en-US"/>
           </a:p>
@@ -2694,7 +2693,7 @@
           <a:p>
             <a:fld id="{B3EEB5E7-183B-46BB-AB6C-7195E161E4BB}" type="datetimeFigureOut">
               <a:rPr lang="ko-KR" altLang="en-US" smtClean="0"/>
-              <a:t>2025. 3. 5.</a:t>
+              <a:t>2025-03-05</a:t>
             </a:fld>
             <a:endParaRPr lang="ko-KR" altLang="en-US"/>
           </a:p>
@@ -2905,7 +2904,7 @@
           <a:p>
             <a:fld id="{B3EEB5E7-183B-46BB-AB6C-7195E161E4BB}" type="datetimeFigureOut">
               <a:rPr lang="ko-KR" altLang="en-US" smtClean="0"/>
-              <a:t>2025. 3. 5.</a:t>
+              <a:t>2025-03-05</a:t>
             </a:fld>
             <a:endParaRPr lang="ko-KR" altLang="en-US"/>
           </a:p>
@@ -3327,606 +3326,1410 @@
           </a:bodyPr>
           <a:lstStyle/>
           <a:p>
-            <a:br>
-              <a:rPr lang="en-US" altLang="ko-KR" dirty="0"/>
-            </a:br>
-            <a:br>
-              <a:rPr lang="en-US" altLang="ko-KR" dirty="0"/>
-            </a:br>
-            <a:br>
-              <a:rPr lang="en-US" altLang="ko-KR" dirty="0"/>
-            </a:br>
-            <a:br>
-              <a:rPr lang="en-US" altLang="ko-KR" dirty="0"/>
-            </a:br>
-            <a:br>
-              <a:rPr lang="en-US" altLang="ko-KR" dirty="0"/>
-            </a:br>
-            <a:br>
-              <a:rPr lang="en-US" altLang="ko-KR" dirty="0"/>
-            </a:br>
-            <a:br>
-              <a:rPr lang="en-US" altLang="ko-KR" dirty="0"/>
-            </a:br>
-            <a:br>
-              <a:rPr lang="en-US" altLang="ko-KR" dirty="0"/>
-            </a:br>
-            <a:br>
-              <a:rPr lang="en-US" altLang="ko-KR" dirty="0"/>
-            </a:br>
-            <a:br>
-              <a:rPr lang="en-US" altLang="ko-KR" dirty="0"/>
-            </a:br>
-            <a:br>
-              <a:rPr lang="en-US" altLang="ko-KR" dirty="0"/>
-            </a:br>
-            <a:br>
-              <a:rPr lang="en-US" altLang="ko-KR" dirty="0"/>
-            </a:br>
-            <a:br>
-              <a:rPr lang="en-US" altLang="ko-KR" dirty="0"/>
-            </a:br>
-            <a:br>
-              <a:rPr lang="en-US" altLang="ko-KR" dirty="0"/>
-            </a:br>
-            <a:br>
-              <a:rPr lang="en-US" altLang="ko-KR" dirty="0"/>
-            </a:br>
-            <a:br>
-              <a:rPr lang="en-US" altLang="ko-KR" dirty="0"/>
-            </a:br>
-            <a:br>
-              <a:rPr lang="en-US" altLang="ko-KR" dirty="0"/>
-            </a:br>
-            <a:br>
-              <a:rPr lang="en-US" altLang="ko-KR" dirty="0"/>
-            </a:br>
-            <a:br>
-              <a:rPr lang="en-US" altLang="ko-KR" dirty="0"/>
-            </a:br>
-            <a:br>
-              <a:rPr lang="en-US" altLang="ko-KR" dirty="0"/>
-            </a:br>
-            <a:br>
-              <a:rPr lang="en-US" altLang="ko-KR" dirty="0"/>
-            </a:br>
-            <a:br>
-              <a:rPr lang="en-US" altLang="ko-KR" dirty="0"/>
-            </a:br>
-            <a:br>
-              <a:rPr lang="en-US" altLang="ko-KR" dirty="0"/>
-            </a:br>
-            <a:br>
-              <a:rPr lang="en-US" altLang="ko-KR" dirty="0"/>
-            </a:br>
-            <a:br>
-              <a:rPr lang="en-US" altLang="ko-KR" dirty="0"/>
-            </a:br>
-            <a:br>
-              <a:rPr lang="en-US" altLang="ko-KR" dirty="0"/>
-            </a:br>
-            <a:br>
-              <a:rPr lang="en-US" altLang="ko-KR" dirty="0"/>
-            </a:br>
-            <a:br>
-              <a:rPr lang="en-US" altLang="ko-KR" dirty="0"/>
-            </a:br>
-            <a:br>
-              <a:rPr lang="en-US" altLang="ko-KR" dirty="0"/>
-            </a:br>
-            <a:br>
-              <a:rPr lang="en-US" altLang="ko-KR" dirty="0"/>
-            </a:br>
-            <a:br>
-              <a:rPr lang="en-US" altLang="ko-KR" dirty="0"/>
-            </a:br>
-            <a:br>
-              <a:rPr lang="en-US" altLang="ko-KR" dirty="0"/>
-            </a:br>
-            <a:br>
-              <a:rPr lang="en-US" altLang="ko-KR" dirty="0"/>
-            </a:br>
-            <a:br>
-              <a:rPr lang="en-US" altLang="ko-KR" dirty="0"/>
-            </a:br>
-            <a:br>
-              <a:rPr lang="en-US" altLang="ko-KR" dirty="0"/>
-            </a:br>
-            <a:br>
-              <a:rPr lang="en-US" altLang="ko-KR" dirty="0"/>
-            </a:br>
-            <a:br>
-              <a:rPr lang="en-US" altLang="ko-KR" dirty="0"/>
-            </a:br>
-            <a:br>
-              <a:rPr lang="en-US" altLang="ko-KR" dirty="0"/>
-            </a:br>
-            <a:br>
-              <a:rPr lang="en-US" altLang="ko-KR" dirty="0"/>
-            </a:br>
-            <a:br>
-              <a:rPr lang="en-US" altLang="ko-KR" dirty="0"/>
-            </a:br>
-            <a:br>
-              <a:rPr lang="en-US" altLang="ko-KR" dirty="0"/>
-            </a:br>
-            <a:br>
-              <a:rPr lang="en-US" altLang="ko-KR" dirty="0"/>
-            </a:br>
-            <a:br>
-              <a:rPr lang="en-US" altLang="ko-KR" dirty="0"/>
-            </a:br>
-            <a:br>
-              <a:rPr lang="en-US" altLang="ko-KR" dirty="0"/>
-            </a:br>
-            <a:br>
-              <a:rPr lang="en-US" altLang="ko-KR" dirty="0"/>
-            </a:br>
-            <a:br>
-              <a:rPr lang="en-US" altLang="ko-KR" dirty="0"/>
-            </a:br>
-            <a:br>
-              <a:rPr lang="en-US" altLang="ko-KR" dirty="0"/>
-            </a:br>
-            <a:br>
-              <a:rPr lang="en-US" altLang="ko-KR" dirty="0"/>
-            </a:br>
-            <a:br>
-              <a:rPr lang="en-US" altLang="ko-KR" dirty="0"/>
-            </a:br>
-            <a:br>
-              <a:rPr lang="en-US" altLang="ko-KR" dirty="0"/>
-            </a:br>
-            <a:br>
-              <a:rPr lang="en-US" altLang="ko-KR" dirty="0"/>
-            </a:br>
-            <a:br>
-              <a:rPr lang="en-US" altLang="ko-KR" dirty="0"/>
-            </a:br>
-            <a:br>
-              <a:rPr lang="en-US" altLang="ko-KR" dirty="0"/>
-            </a:br>
-            <a:br>
-              <a:rPr lang="en-US" altLang="ko-KR" dirty="0"/>
-            </a:br>
-            <a:br>
-              <a:rPr lang="en-US" altLang="ko-KR" dirty="0"/>
-            </a:br>
-            <a:br>
-              <a:rPr lang="en-US" altLang="ko-KR" dirty="0"/>
-            </a:br>
-            <a:br>
-              <a:rPr lang="en-US" altLang="ko-KR" dirty="0"/>
-            </a:br>
-            <a:br>
-              <a:rPr lang="en-US" altLang="ko-KR" dirty="0"/>
-            </a:br>
-            <a:br>
-              <a:rPr lang="en-US" altLang="ko-KR" dirty="0"/>
-            </a:br>
-            <a:br>
-              <a:rPr lang="en-US" altLang="ko-KR" dirty="0"/>
-            </a:br>
-            <a:br>
-              <a:rPr lang="en-US" altLang="ko-KR" dirty="0"/>
-            </a:br>
-            <a:br>
-              <a:rPr lang="en-US" altLang="ko-KR" dirty="0"/>
-            </a:br>
-            <a:br>
-              <a:rPr lang="en-US" altLang="ko-KR" dirty="0"/>
-            </a:br>
-            <a:br>
-              <a:rPr lang="en-US" altLang="ko-KR" dirty="0"/>
-            </a:br>
-            <a:br>
-              <a:rPr lang="en-US" altLang="ko-KR" dirty="0"/>
-            </a:br>
-            <a:br>
-              <a:rPr lang="en-US" altLang="ko-KR" dirty="0"/>
-            </a:br>
-            <a:br>
-              <a:rPr lang="en-US" altLang="ko-KR" dirty="0"/>
-            </a:br>
-            <a:br>
-              <a:rPr lang="en-US" altLang="ko-KR" dirty="0"/>
-            </a:br>
-            <a:br>
-              <a:rPr lang="en-US" altLang="ko-KR" dirty="0"/>
-            </a:br>
-            <a:br>
-              <a:rPr lang="en-US" altLang="ko-KR" dirty="0"/>
-            </a:br>
-            <a:br>
-              <a:rPr lang="en-US" altLang="ko-KR" dirty="0"/>
-            </a:br>
-            <a:br>
-              <a:rPr lang="en-US" altLang="ko-KR" dirty="0"/>
-            </a:br>
-            <a:br>
-              <a:rPr lang="en-US" altLang="ko-KR" dirty="0"/>
-            </a:br>
-            <a:br>
-              <a:rPr lang="en-US" altLang="ko-KR" dirty="0"/>
-            </a:br>
-            <a:br>
-              <a:rPr lang="en-US" altLang="ko-KR" dirty="0"/>
-            </a:br>
-            <a:br>
-              <a:rPr lang="en-US" altLang="ko-KR" dirty="0"/>
-            </a:br>
-            <a:br>
-              <a:rPr lang="en-US" altLang="ko-KR" dirty="0"/>
-            </a:br>
-            <a:br>
-              <a:rPr lang="en-US" altLang="ko-KR" dirty="0"/>
-            </a:br>
-            <a:br>
-              <a:rPr lang="en-US" altLang="ko-KR" dirty="0"/>
-            </a:br>
-            <a:br>
-              <a:rPr lang="en-US" altLang="ko-KR" dirty="0"/>
-            </a:br>
-            <a:br>
-              <a:rPr lang="en-US" altLang="ko-KR" dirty="0"/>
-            </a:br>
-            <a:br>
-              <a:rPr lang="en-US" altLang="ko-KR" dirty="0"/>
-            </a:br>
-            <a:br>
-              <a:rPr lang="en-US" altLang="ko-KR" dirty="0"/>
-            </a:br>
-            <a:br>
-              <a:rPr lang="en-US" altLang="ko-KR" dirty="0"/>
-            </a:br>
-            <a:br>
-              <a:rPr lang="en-US" altLang="ko-KR" dirty="0"/>
-            </a:br>
-            <a:br>
-              <a:rPr lang="en-US" altLang="ko-KR" dirty="0"/>
-            </a:br>
-            <a:br>
-              <a:rPr lang="en-US" altLang="ko-KR" dirty="0"/>
-            </a:br>
-            <a:br>
-              <a:rPr lang="en-US" altLang="ko-KR" dirty="0"/>
-            </a:br>
-            <a:br>
-              <a:rPr lang="en-US" altLang="ko-KR" dirty="0"/>
-            </a:br>
-            <a:br>
-              <a:rPr lang="en-US" altLang="ko-KR" dirty="0"/>
-            </a:br>
-            <a:br>
-              <a:rPr lang="en-US" altLang="ko-KR" dirty="0"/>
-            </a:br>
-            <a:br>
-              <a:rPr lang="en-US" altLang="ko-KR" dirty="0"/>
-            </a:br>
-            <a:br>
-              <a:rPr lang="en-US" altLang="ko-KR" dirty="0"/>
-            </a:br>
-            <a:br>
-              <a:rPr lang="en-US" altLang="ko-KR" dirty="0"/>
-            </a:br>
-            <a:br>
-              <a:rPr lang="en-US" altLang="ko-KR" dirty="0"/>
-            </a:br>
-            <a:br>
-              <a:rPr lang="en-US" altLang="ko-KR" dirty="0"/>
-            </a:br>
-            <a:br>
-              <a:rPr lang="en-US" altLang="ko-KR" dirty="0"/>
-            </a:br>
-            <a:br>
-              <a:rPr lang="en-US" altLang="ko-KR" dirty="0"/>
-            </a:br>
-            <a:br>
-              <a:rPr lang="en-US" altLang="ko-KR" dirty="0"/>
-            </a:br>
-            <a:br>
-              <a:rPr lang="en-US" altLang="ko-KR" dirty="0"/>
-            </a:br>
-            <a:br>
-              <a:rPr lang="en-US" altLang="ko-KR" dirty="0"/>
-            </a:br>
-            <a:br>
-              <a:rPr lang="en-US" altLang="ko-KR" dirty="0"/>
-            </a:br>
-            <a:br>
-              <a:rPr lang="en-US" altLang="ko-KR" dirty="0"/>
-            </a:br>
-            <a:br>
-              <a:rPr lang="en-US" altLang="ko-KR" dirty="0"/>
-            </a:br>
-            <a:br>
-              <a:rPr lang="en-US" altLang="ko-KR" dirty="0"/>
-            </a:br>
-            <a:br>
-              <a:rPr lang="en-US" altLang="ko-KR" dirty="0"/>
-            </a:br>
-            <a:br>
-              <a:rPr lang="en-US" altLang="ko-KR" dirty="0"/>
-            </a:br>
-            <a:br>
-              <a:rPr lang="en-US" altLang="ko-KR" dirty="0"/>
-            </a:br>
-            <a:br>
-              <a:rPr lang="en-US" altLang="ko-KR" dirty="0"/>
-            </a:br>
-            <a:br>
-              <a:rPr lang="en-US" altLang="ko-KR" dirty="0"/>
-            </a:br>
-            <a:br>
-              <a:rPr lang="en-US" altLang="ko-KR" dirty="0"/>
-            </a:br>
-            <a:br>
-              <a:rPr lang="en-US" altLang="ko-KR" dirty="0"/>
-            </a:br>
-            <a:br>
-              <a:rPr lang="en-US" altLang="ko-KR" dirty="0"/>
-            </a:br>
-            <a:br>
-              <a:rPr lang="en-US" altLang="ko-KR" dirty="0"/>
-            </a:br>
-            <a:br>
-              <a:rPr lang="en-US" altLang="ko-KR" dirty="0"/>
-            </a:br>
-            <a:br>
-              <a:rPr lang="en-US" altLang="ko-KR" dirty="0"/>
-            </a:br>
-            <a:br>
-              <a:rPr lang="en-US" altLang="ko-KR" dirty="0"/>
-            </a:br>
-            <a:br>
-              <a:rPr lang="en-US" altLang="ko-KR" dirty="0"/>
-            </a:br>
-            <a:br>
-              <a:rPr lang="en-US" altLang="ko-KR" dirty="0"/>
-            </a:br>
-            <a:br>
-              <a:rPr lang="en-US" altLang="ko-KR" dirty="0"/>
-            </a:br>
-            <a:br>
-              <a:rPr lang="en-US" altLang="ko-KR" dirty="0"/>
-            </a:br>
-            <a:br>
-              <a:rPr lang="en-US" altLang="ko-KR" dirty="0"/>
-            </a:br>
-            <a:br>
-              <a:rPr lang="en-US" altLang="ko-KR" dirty="0"/>
-            </a:br>
-            <a:br>
-              <a:rPr lang="en-US" altLang="ko-KR" dirty="0"/>
-            </a:br>
-            <a:br>
-              <a:rPr lang="en-US" altLang="ko-KR" dirty="0"/>
-            </a:br>
-            <a:br>
-              <a:rPr lang="en-US" altLang="ko-KR" dirty="0"/>
-            </a:br>
-            <a:br>
-              <a:rPr lang="en-US" altLang="ko-KR" dirty="0"/>
-            </a:br>
-            <a:br>
-              <a:rPr lang="en-US" altLang="ko-KR" dirty="0"/>
-            </a:br>
-            <a:br>
-              <a:rPr lang="en-US" altLang="ko-KR" dirty="0"/>
-            </a:br>
-            <a:br>
-              <a:rPr lang="en-US" altLang="ko-KR" dirty="0"/>
-            </a:br>
-            <a:br>
-              <a:rPr lang="en-US" altLang="ko-KR" dirty="0"/>
-            </a:br>
-            <a:br>
-              <a:rPr lang="en-US" altLang="ko-KR" dirty="0"/>
-            </a:br>
-            <a:br>
-              <a:rPr lang="en-US" altLang="ko-KR" dirty="0"/>
-            </a:br>
-            <a:br>
-              <a:rPr lang="en-US" altLang="ko-KR" dirty="0"/>
-            </a:br>
-            <a:br>
-              <a:rPr lang="en-US" altLang="ko-KR" dirty="0"/>
-            </a:br>
-            <a:br>
-              <a:rPr lang="en-US" altLang="ko-KR" dirty="0"/>
-            </a:br>
-            <a:br>
-              <a:rPr lang="en-US" altLang="ko-KR" dirty="0"/>
-            </a:br>
-            <a:br>
-              <a:rPr lang="en-US" altLang="ko-KR" dirty="0"/>
-            </a:br>
-            <a:br>
-              <a:rPr lang="en-US" altLang="ko-KR" dirty="0"/>
-            </a:br>
-            <a:br>
-              <a:rPr lang="en-US" altLang="ko-KR" dirty="0"/>
-            </a:br>
-            <a:br>
-              <a:rPr lang="en-US" altLang="ko-KR" dirty="0"/>
-            </a:br>
-            <a:br>
-              <a:rPr lang="en-US" altLang="ko-KR" dirty="0"/>
-            </a:br>
-            <a:br>
-              <a:rPr lang="en-US" altLang="ko-KR" dirty="0"/>
-            </a:br>
-            <a:br>
-              <a:rPr lang="en-US" altLang="ko-KR" dirty="0"/>
-            </a:br>
-            <a:br>
-              <a:rPr lang="en-US" altLang="ko-KR" dirty="0"/>
-            </a:br>
-            <a:br>
-              <a:rPr lang="en-US" altLang="ko-KR" dirty="0"/>
-            </a:br>
-            <a:br>
-              <a:rPr lang="en-US" altLang="ko-KR" dirty="0"/>
-            </a:br>
-            <a:br>
-              <a:rPr lang="en-US" altLang="ko-KR" dirty="0"/>
-            </a:br>
-            <a:br>
-              <a:rPr lang="en-US" altLang="ko-KR" dirty="0"/>
-            </a:br>
-            <a:br>
-              <a:rPr lang="en-US" altLang="ko-KR" dirty="0"/>
-            </a:br>
-            <a:br>
-              <a:rPr lang="en-US" altLang="ko-KR" dirty="0"/>
-            </a:br>
-            <a:br>
-              <a:rPr lang="en-US" altLang="ko-KR" dirty="0"/>
-            </a:br>
-            <a:br>
-              <a:rPr lang="en-US" altLang="ko-KR" dirty="0"/>
-            </a:br>
-            <a:br>
-              <a:rPr lang="en-US" altLang="ko-KR" dirty="0"/>
-            </a:br>
-            <a:br>
-              <a:rPr lang="en-US" altLang="ko-KR" dirty="0"/>
-            </a:br>
-            <a:br>
-              <a:rPr lang="en-US" altLang="ko-KR" dirty="0"/>
-            </a:br>
-            <a:br>
-              <a:rPr lang="en-US" altLang="ko-KR" dirty="0"/>
-            </a:br>
-            <a:br>
-              <a:rPr lang="en-US" altLang="ko-KR" dirty="0"/>
-            </a:br>
-            <a:br>
-              <a:rPr lang="en-US" altLang="ko-KR" dirty="0"/>
-            </a:br>
-            <a:br>
-              <a:rPr lang="en-US" altLang="ko-KR" dirty="0"/>
-            </a:br>
-            <a:br>
-              <a:rPr lang="en-US" altLang="ko-KR" dirty="0"/>
-            </a:br>
-            <a:br>
-              <a:rPr lang="en-US" altLang="ko-KR" dirty="0"/>
-            </a:br>
-            <a:br>
-              <a:rPr lang="en-US" altLang="ko-KR" dirty="0"/>
-            </a:br>
-            <a:br>
-              <a:rPr lang="en-US" altLang="ko-KR" dirty="0"/>
-            </a:br>
-            <a:br>
-              <a:rPr lang="en-US" altLang="ko-KR" dirty="0"/>
-            </a:br>
-            <a:br>
-              <a:rPr lang="en-US" altLang="ko-KR" dirty="0"/>
-            </a:br>
-            <a:br>
-              <a:rPr lang="en-US" altLang="ko-KR" dirty="0"/>
-            </a:br>
-            <a:br>
-              <a:rPr lang="en-US" altLang="ko-KR" dirty="0"/>
-            </a:br>
-            <a:br>
-              <a:rPr lang="en-US" altLang="ko-KR" dirty="0"/>
-            </a:br>
-            <a:br>
-              <a:rPr lang="en-US" altLang="ko-KR" dirty="0"/>
-            </a:br>
-            <a:br>
-              <a:rPr lang="en-US" altLang="ko-KR" dirty="0"/>
-            </a:br>
-            <a:br>
-              <a:rPr lang="en-US" altLang="ko-KR" dirty="0"/>
-            </a:br>
-            <a:br>
-              <a:rPr lang="en-US" altLang="ko-KR" dirty="0"/>
-            </a:br>
-            <a:br>
-              <a:rPr lang="en-US" altLang="ko-KR" dirty="0"/>
-            </a:br>
-            <a:br>
-              <a:rPr lang="en-US" altLang="ko-KR" dirty="0"/>
-            </a:br>
-            <a:br>
-              <a:rPr lang="en-US" altLang="ko-KR" dirty="0"/>
-            </a:br>
-            <a:br>
-              <a:rPr lang="en-US" altLang="ko-KR" dirty="0"/>
-            </a:br>
-            <a:br>
-              <a:rPr lang="en-US" altLang="ko-KR" dirty="0"/>
-            </a:br>
-            <a:br>
-              <a:rPr lang="en-US" altLang="ko-KR" dirty="0"/>
-            </a:br>
-            <a:br>
-              <a:rPr lang="en-US" altLang="ko-KR" dirty="0"/>
-            </a:br>
-            <a:br>
-              <a:rPr lang="en-US" altLang="ko-KR" dirty="0"/>
-            </a:br>
-            <a:br>
-              <a:rPr lang="en-US" altLang="ko-KR" dirty="0"/>
-            </a:br>
-            <a:br>
-              <a:rPr lang="en-US" altLang="ko-KR" dirty="0"/>
-            </a:br>
-            <a:br>
-              <a:rPr lang="en-US" altLang="ko-KR" dirty="0"/>
-            </a:br>
-            <a:br>
-              <a:rPr lang="en-US" altLang="ko-KR" dirty="0"/>
-            </a:br>
-            <a:br>
-              <a:rPr lang="en-US" altLang="ko-KR" dirty="0"/>
-            </a:br>
-            <a:br>
-              <a:rPr lang="en-US" altLang="ko-KR" dirty="0"/>
-            </a:br>
-            <a:br>
-              <a:rPr lang="en-US" altLang="ko-KR" dirty="0"/>
-            </a:br>
-            <a:br>
-              <a:rPr lang="en-US" altLang="ko-KR" dirty="0"/>
-            </a:br>
-            <a:br>
-              <a:rPr lang="en-US" altLang="ko-KR" dirty="0"/>
-            </a:br>
-            <a:br>
-              <a:rPr lang="en-US" altLang="ko-KR" dirty="0"/>
-            </a:br>
-            <a:br>
-              <a:rPr lang="en-US" altLang="ko-KR" dirty="0"/>
-            </a:br>
-            <a:br>
-              <a:rPr lang="en-US" altLang="ko-KR" dirty="0"/>
-            </a:br>
-            <a:br>
-              <a:rPr lang="en-US" altLang="ko-KR" dirty="0"/>
-            </a:br>
-            <a:br>
-              <a:rPr lang="en-US" altLang="ko-KR" dirty="0"/>
-            </a:br>
-            <a:br>
-              <a:rPr lang="en-US" altLang="ko-KR" dirty="0"/>
-            </a:br>
-            <a:br>
-              <a:rPr lang="en-US" altLang="ko-KR" dirty="0"/>
-            </a:br>
-            <a:br>
-              <a:rPr lang="en-US" altLang="ko-KR" dirty="0"/>
-            </a:br>
-            <a:br>
-              <a:rPr lang="en-US" altLang="ko-KR" dirty="0"/>
-            </a:br>
-            <a:br>
-              <a:rPr lang="en-US" altLang="ko-KR" dirty="0"/>
-            </a:br>
+            <a:r>
+              <a:rPr lang="en-US" altLang="ko-KR" dirty="0"/>
+              <a:t/>
+            </a:r>
+            <a:br>
+              <a:rPr lang="en-US" altLang="ko-KR" dirty="0"/>
+            </a:br>
+            <a:r>
+              <a:rPr lang="en-US" altLang="ko-KR" dirty="0"/>
+              <a:t/>
+            </a:r>
+            <a:br>
+              <a:rPr lang="en-US" altLang="ko-KR" dirty="0"/>
+            </a:br>
+            <a:r>
+              <a:rPr lang="en-US" altLang="ko-KR" dirty="0"/>
+              <a:t/>
+            </a:r>
+            <a:br>
+              <a:rPr lang="en-US" altLang="ko-KR" dirty="0"/>
+            </a:br>
+            <a:r>
+              <a:rPr lang="en-US" altLang="ko-KR" dirty="0"/>
+              <a:t/>
+            </a:r>
+            <a:br>
+              <a:rPr lang="en-US" altLang="ko-KR" dirty="0"/>
+            </a:br>
+            <a:r>
+              <a:rPr lang="en-US" altLang="ko-KR" dirty="0"/>
+              <a:t/>
+            </a:r>
+            <a:br>
+              <a:rPr lang="en-US" altLang="ko-KR" dirty="0"/>
+            </a:br>
+            <a:r>
+              <a:rPr lang="en-US" altLang="ko-KR" dirty="0"/>
+              <a:t/>
+            </a:r>
+            <a:br>
+              <a:rPr lang="en-US" altLang="ko-KR" dirty="0"/>
+            </a:br>
+            <a:r>
+              <a:rPr lang="en-US" altLang="ko-KR" dirty="0"/>
+              <a:t/>
+            </a:r>
+            <a:br>
+              <a:rPr lang="en-US" altLang="ko-KR" dirty="0"/>
+            </a:br>
+            <a:r>
+              <a:rPr lang="en-US" altLang="ko-KR" dirty="0"/>
+              <a:t/>
+            </a:r>
+            <a:br>
+              <a:rPr lang="en-US" altLang="ko-KR" dirty="0"/>
+            </a:br>
+            <a:r>
+              <a:rPr lang="en-US" altLang="ko-KR" dirty="0"/>
+              <a:t/>
+            </a:r>
+            <a:br>
+              <a:rPr lang="en-US" altLang="ko-KR" dirty="0"/>
+            </a:br>
+            <a:r>
+              <a:rPr lang="en-US" altLang="ko-KR" dirty="0"/>
+              <a:t/>
+            </a:r>
+            <a:br>
+              <a:rPr lang="en-US" altLang="ko-KR" dirty="0"/>
+            </a:br>
+            <a:r>
+              <a:rPr lang="en-US" altLang="ko-KR" dirty="0"/>
+              <a:t/>
+            </a:r>
+            <a:br>
+              <a:rPr lang="en-US" altLang="ko-KR" dirty="0"/>
+            </a:br>
+            <a:r>
+              <a:rPr lang="en-US" altLang="ko-KR" dirty="0"/>
+              <a:t/>
+            </a:r>
+            <a:br>
+              <a:rPr lang="en-US" altLang="ko-KR" dirty="0"/>
+            </a:br>
+            <a:r>
+              <a:rPr lang="en-US" altLang="ko-KR" dirty="0"/>
+              <a:t/>
+            </a:r>
+            <a:br>
+              <a:rPr lang="en-US" altLang="ko-KR" dirty="0"/>
+            </a:br>
+            <a:r>
+              <a:rPr lang="en-US" altLang="ko-KR" dirty="0"/>
+              <a:t/>
+            </a:r>
+            <a:br>
+              <a:rPr lang="en-US" altLang="ko-KR" dirty="0"/>
+            </a:br>
+            <a:r>
+              <a:rPr lang="en-US" altLang="ko-KR" dirty="0"/>
+              <a:t/>
+            </a:r>
+            <a:br>
+              <a:rPr lang="en-US" altLang="ko-KR" dirty="0"/>
+            </a:br>
+            <a:r>
+              <a:rPr lang="en-US" altLang="ko-KR" dirty="0"/>
+              <a:t/>
+            </a:r>
+            <a:br>
+              <a:rPr lang="en-US" altLang="ko-KR" dirty="0"/>
+            </a:br>
+            <a:r>
+              <a:rPr lang="en-US" altLang="ko-KR" dirty="0"/>
+              <a:t/>
+            </a:r>
+            <a:br>
+              <a:rPr lang="en-US" altLang="ko-KR" dirty="0"/>
+            </a:br>
+            <a:r>
+              <a:rPr lang="en-US" altLang="ko-KR" dirty="0"/>
+              <a:t/>
+            </a:r>
+            <a:br>
+              <a:rPr lang="en-US" altLang="ko-KR" dirty="0"/>
+            </a:br>
+            <a:r>
+              <a:rPr lang="en-US" altLang="ko-KR" dirty="0"/>
+              <a:t/>
+            </a:r>
+            <a:br>
+              <a:rPr lang="en-US" altLang="ko-KR" dirty="0"/>
+            </a:br>
+            <a:r>
+              <a:rPr lang="en-US" altLang="ko-KR" dirty="0"/>
+              <a:t/>
+            </a:r>
+            <a:br>
+              <a:rPr lang="en-US" altLang="ko-KR" dirty="0"/>
+            </a:br>
+            <a:r>
+              <a:rPr lang="en-US" altLang="ko-KR" dirty="0"/>
+              <a:t/>
+            </a:r>
+            <a:br>
+              <a:rPr lang="en-US" altLang="ko-KR" dirty="0"/>
+            </a:br>
+            <a:r>
+              <a:rPr lang="en-US" altLang="ko-KR" dirty="0"/>
+              <a:t/>
+            </a:r>
+            <a:br>
+              <a:rPr lang="en-US" altLang="ko-KR" dirty="0"/>
+            </a:br>
+            <a:r>
+              <a:rPr lang="en-US" altLang="ko-KR" dirty="0"/>
+              <a:t/>
+            </a:r>
+            <a:br>
+              <a:rPr lang="en-US" altLang="ko-KR" dirty="0"/>
+            </a:br>
+            <a:r>
+              <a:rPr lang="en-US" altLang="ko-KR" dirty="0"/>
+              <a:t/>
+            </a:r>
+            <a:br>
+              <a:rPr lang="en-US" altLang="ko-KR" dirty="0"/>
+            </a:br>
+            <a:r>
+              <a:rPr lang="en-US" altLang="ko-KR" dirty="0"/>
+              <a:t/>
+            </a:r>
+            <a:br>
+              <a:rPr lang="en-US" altLang="ko-KR" dirty="0"/>
+            </a:br>
+            <a:r>
+              <a:rPr lang="en-US" altLang="ko-KR" dirty="0"/>
+              <a:t/>
+            </a:r>
+            <a:br>
+              <a:rPr lang="en-US" altLang="ko-KR" dirty="0"/>
+            </a:br>
+            <a:r>
+              <a:rPr lang="en-US" altLang="ko-KR" dirty="0"/>
+              <a:t/>
+            </a:r>
+            <a:br>
+              <a:rPr lang="en-US" altLang="ko-KR" dirty="0"/>
+            </a:br>
+            <a:r>
+              <a:rPr lang="en-US" altLang="ko-KR" dirty="0"/>
+              <a:t/>
+            </a:r>
+            <a:br>
+              <a:rPr lang="en-US" altLang="ko-KR" dirty="0"/>
+            </a:br>
+            <a:r>
+              <a:rPr lang="en-US" altLang="ko-KR" dirty="0"/>
+              <a:t/>
+            </a:r>
+            <a:br>
+              <a:rPr lang="en-US" altLang="ko-KR" dirty="0"/>
+            </a:br>
+            <a:r>
+              <a:rPr lang="en-US" altLang="ko-KR" dirty="0"/>
+              <a:t/>
+            </a:r>
+            <a:br>
+              <a:rPr lang="en-US" altLang="ko-KR" dirty="0"/>
+            </a:br>
+            <a:r>
+              <a:rPr lang="en-US" altLang="ko-KR" dirty="0"/>
+              <a:t/>
+            </a:r>
+            <a:br>
+              <a:rPr lang="en-US" altLang="ko-KR" dirty="0"/>
+            </a:br>
+            <a:r>
+              <a:rPr lang="en-US" altLang="ko-KR" dirty="0"/>
+              <a:t/>
+            </a:r>
+            <a:br>
+              <a:rPr lang="en-US" altLang="ko-KR" dirty="0"/>
+            </a:br>
+            <a:r>
+              <a:rPr lang="en-US" altLang="ko-KR" dirty="0"/>
+              <a:t/>
+            </a:r>
+            <a:br>
+              <a:rPr lang="en-US" altLang="ko-KR" dirty="0"/>
+            </a:br>
+            <a:r>
+              <a:rPr lang="en-US" altLang="ko-KR" dirty="0"/>
+              <a:t/>
+            </a:r>
+            <a:br>
+              <a:rPr lang="en-US" altLang="ko-KR" dirty="0"/>
+            </a:br>
+            <a:r>
+              <a:rPr lang="en-US" altLang="ko-KR" dirty="0"/>
+              <a:t/>
+            </a:r>
+            <a:br>
+              <a:rPr lang="en-US" altLang="ko-KR" dirty="0"/>
+            </a:br>
+            <a:r>
+              <a:rPr lang="en-US" altLang="ko-KR" dirty="0"/>
+              <a:t/>
+            </a:r>
+            <a:br>
+              <a:rPr lang="en-US" altLang="ko-KR" dirty="0"/>
+            </a:br>
+            <a:r>
+              <a:rPr lang="en-US" altLang="ko-KR" dirty="0"/>
+              <a:t/>
+            </a:r>
+            <a:br>
+              <a:rPr lang="en-US" altLang="ko-KR" dirty="0"/>
+            </a:br>
+            <a:r>
+              <a:rPr lang="en-US" altLang="ko-KR" dirty="0"/>
+              <a:t/>
+            </a:r>
+            <a:br>
+              <a:rPr lang="en-US" altLang="ko-KR" dirty="0"/>
+            </a:br>
+            <a:r>
+              <a:rPr lang="en-US" altLang="ko-KR" dirty="0"/>
+              <a:t/>
+            </a:r>
+            <a:br>
+              <a:rPr lang="en-US" altLang="ko-KR" dirty="0"/>
+            </a:br>
+            <a:r>
+              <a:rPr lang="en-US" altLang="ko-KR" dirty="0"/>
+              <a:t/>
+            </a:r>
+            <a:br>
+              <a:rPr lang="en-US" altLang="ko-KR" dirty="0"/>
+            </a:br>
+            <a:r>
+              <a:rPr lang="en-US" altLang="ko-KR" dirty="0"/>
+              <a:t/>
+            </a:r>
+            <a:br>
+              <a:rPr lang="en-US" altLang="ko-KR" dirty="0"/>
+            </a:br>
+            <a:r>
+              <a:rPr lang="en-US" altLang="ko-KR" dirty="0"/>
+              <a:t/>
+            </a:r>
+            <a:br>
+              <a:rPr lang="en-US" altLang="ko-KR" dirty="0"/>
+            </a:br>
+            <a:r>
+              <a:rPr lang="en-US" altLang="ko-KR" dirty="0"/>
+              <a:t/>
+            </a:r>
+            <a:br>
+              <a:rPr lang="en-US" altLang="ko-KR" dirty="0"/>
+            </a:br>
+            <a:r>
+              <a:rPr lang="en-US" altLang="ko-KR" dirty="0"/>
+              <a:t/>
+            </a:r>
+            <a:br>
+              <a:rPr lang="en-US" altLang="ko-KR" dirty="0"/>
+            </a:br>
+            <a:r>
+              <a:rPr lang="en-US" altLang="ko-KR" dirty="0"/>
+              <a:t/>
+            </a:r>
+            <a:br>
+              <a:rPr lang="en-US" altLang="ko-KR" dirty="0"/>
+            </a:br>
+            <a:r>
+              <a:rPr lang="en-US" altLang="ko-KR" dirty="0"/>
+              <a:t/>
+            </a:r>
+            <a:br>
+              <a:rPr lang="en-US" altLang="ko-KR" dirty="0"/>
+            </a:br>
+            <a:r>
+              <a:rPr lang="en-US" altLang="ko-KR" dirty="0"/>
+              <a:t/>
+            </a:r>
+            <a:br>
+              <a:rPr lang="en-US" altLang="ko-KR" dirty="0"/>
+            </a:br>
+            <a:r>
+              <a:rPr lang="en-US" altLang="ko-KR" dirty="0"/>
+              <a:t/>
+            </a:r>
+            <a:br>
+              <a:rPr lang="en-US" altLang="ko-KR" dirty="0"/>
+            </a:br>
+            <a:r>
+              <a:rPr lang="en-US" altLang="ko-KR" dirty="0"/>
+              <a:t/>
+            </a:r>
+            <a:br>
+              <a:rPr lang="en-US" altLang="ko-KR" dirty="0"/>
+            </a:br>
+            <a:r>
+              <a:rPr lang="en-US" altLang="ko-KR" dirty="0"/>
+              <a:t/>
+            </a:r>
+            <a:br>
+              <a:rPr lang="en-US" altLang="ko-KR" dirty="0"/>
+            </a:br>
+            <a:r>
+              <a:rPr lang="en-US" altLang="ko-KR" dirty="0"/>
+              <a:t/>
+            </a:r>
+            <a:br>
+              <a:rPr lang="en-US" altLang="ko-KR" dirty="0"/>
+            </a:br>
+            <a:r>
+              <a:rPr lang="en-US" altLang="ko-KR" dirty="0"/>
+              <a:t/>
+            </a:r>
+            <a:br>
+              <a:rPr lang="en-US" altLang="ko-KR" dirty="0"/>
+            </a:br>
+            <a:r>
+              <a:rPr lang="en-US" altLang="ko-KR" dirty="0"/>
+              <a:t/>
+            </a:r>
+            <a:br>
+              <a:rPr lang="en-US" altLang="ko-KR" dirty="0"/>
+            </a:br>
+            <a:r>
+              <a:rPr lang="en-US" altLang="ko-KR" dirty="0"/>
+              <a:t/>
+            </a:r>
+            <a:br>
+              <a:rPr lang="en-US" altLang="ko-KR" dirty="0"/>
+            </a:br>
+            <a:r>
+              <a:rPr lang="en-US" altLang="ko-KR" dirty="0"/>
+              <a:t/>
+            </a:r>
+            <a:br>
+              <a:rPr lang="en-US" altLang="ko-KR" dirty="0"/>
+            </a:br>
+            <a:r>
+              <a:rPr lang="en-US" altLang="ko-KR" dirty="0"/>
+              <a:t/>
+            </a:r>
+            <a:br>
+              <a:rPr lang="en-US" altLang="ko-KR" dirty="0"/>
+            </a:br>
+            <a:r>
+              <a:rPr lang="en-US" altLang="ko-KR" dirty="0"/>
+              <a:t/>
+            </a:r>
+            <a:br>
+              <a:rPr lang="en-US" altLang="ko-KR" dirty="0"/>
+            </a:br>
+            <a:r>
+              <a:rPr lang="en-US" altLang="ko-KR" dirty="0"/>
+              <a:t/>
+            </a:r>
+            <a:br>
+              <a:rPr lang="en-US" altLang="ko-KR" dirty="0"/>
+            </a:br>
+            <a:r>
+              <a:rPr lang="en-US" altLang="ko-KR" dirty="0"/>
+              <a:t/>
+            </a:r>
+            <a:br>
+              <a:rPr lang="en-US" altLang="ko-KR" dirty="0"/>
+            </a:br>
+            <a:r>
+              <a:rPr lang="en-US" altLang="ko-KR" dirty="0"/>
+              <a:t/>
+            </a:r>
+            <a:br>
+              <a:rPr lang="en-US" altLang="ko-KR" dirty="0"/>
+            </a:br>
+            <a:r>
+              <a:rPr lang="en-US" altLang="ko-KR" dirty="0"/>
+              <a:t/>
+            </a:r>
+            <a:br>
+              <a:rPr lang="en-US" altLang="ko-KR" dirty="0"/>
+            </a:br>
+            <a:r>
+              <a:rPr lang="en-US" altLang="ko-KR" dirty="0"/>
+              <a:t/>
+            </a:r>
+            <a:br>
+              <a:rPr lang="en-US" altLang="ko-KR" dirty="0"/>
+            </a:br>
+            <a:r>
+              <a:rPr lang="en-US" altLang="ko-KR" dirty="0"/>
+              <a:t/>
+            </a:r>
+            <a:br>
+              <a:rPr lang="en-US" altLang="ko-KR" dirty="0"/>
+            </a:br>
+            <a:r>
+              <a:rPr lang="en-US" altLang="ko-KR" dirty="0"/>
+              <a:t/>
+            </a:r>
+            <a:br>
+              <a:rPr lang="en-US" altLang="ko-KR" dirty="0"/>
+            </a:br>
+            <a:r>
+              <a:rPr lang="en-US" altLang="ko-KR" dirty="0"/>
+              <a:t/>
+            </a:r>
+            <a:br>
+              <a:rPr lang="en-US" altLang="ko-KR" dirty="0"/>
+            </a:br>
+            <a:r>
+              <a:rPr lang="en-US" altLang="ko-KR" dirty="0"/>
+              <a:t/>
+            </a:r>
+            <a:br>
+              <a:rPr lang="en-US" altLang="ko-KR" dirty="0"/>
+            </a:br>
+            <a:r>
+              <a:rPr lang="en-US" altLang="ko-KR" dirty="0"/>
+              <a:t/>
+            </a:r>
+            <a:br>
+              <a:rPr lang="en-US" altLang="ko-KR" dirty="0"/>
+            </a:br>
+            <a:r>
+              <a:rPr lang="en-US" altLang="ko-KR" dirty="0"/>
+              <a:t/>
+            </a:r>
+            <a:br>
+              <a:rPr lang="en-US" altLang="ko-KR" dirty="0"/>
+            </a:br>
+            <a:r>
+              <a:rPr lang="en-US" altLang="ko-KR" dirty="0"/>
+              <a:t/>
+            </a:r>
+            <a:br>
+              <a:rPr lang="en-US" altLang="ko-KR" dirty="0"/>
+            </a:br>
+            <a:r>
+              <a:rPr lang="en-US" altLang="ko-KR" dirty="0"/>
+              <a:t/>
+            </a:r>
+            <a:br>
+              <a:rPr lang="en-US" altLang="ko-KR" dirty="0"/>
+            </a:br>
+            <a:r>
+              <a:rPr lang="en-US" altLang="ko-KR" dirty="0"/>
+              <a:t/>
+            </a:r>
+            <a:br>
+              <a:rPr lang="en-US" altLang="ko-KR" dirty="0"/>
+            </a:br>
+            <a:r>
+              <a:rPr lang="en-US" altLang="ko-KR" dirty="0"/>
+              <a:t/>
+            </a:r>
+            <a:br>
+              <a:rPr lang="en-US" altLang="ko-KR" dirty="0"/>
+            </a:br>
+            <a:r>
+              <a:rPr lang="en-US" altLang="ko-KR" dirty="0"/>
+              <a:t/>
+            </a:r>
+            <a:br>
+              <a:rPr lang="en-US" altLang="ko-KR" dirty="0"/>
+            </a:br>
+            <a:r>
+              <a:rPr lang="en-US" altLang="ko-KR" dirty="0"/>
+              <a:t/>
+            </a:r>
+            <a:br>
+              <a:rPr lang="en-US" altLang="ko-KR" dirty="0"/>
+            </a:br>
+            <a:r>
+              <a:rPr lang="en-US" altLang="ko-KR" dirty="0"/>
+              <a:t/>
+            </a:r>
+            <a:br>
+              <a:rPr lang="en-US" altLang="ko-KR" dirty="0"/>
+            </a:br>
+            <a:r>
+              <a:rPr lang="en-US" altLang="ko-KR" dirty="0"/>
+              <a:t/>
+            </a:r>
+            <a:br>
+              <a:rPr lang="en-US" altLang="ko-KR" dirty="0"/>
+            </a:br>
+            <a:r>
+              <a:rPr lang="en-US" altLang="ko-KR" dirty="0"/>
+              <a:t/>
+            </a:r>
+            <a:br>
+              <a:rPr lang="en-US" altLang="ko-KR" dirty="0"/>
+            </a:br>
+            <a:r>
+              <a:rPr lang="en-US" altLang="ko-KR" dirty="0"/>
+              <a:t/>
+            </a:r>
+            <a:br>
+              <a:rPr lang="en-US" altLang="ko-KR" dirty="0"/>
+            </a:br>
+            <a:r>
+              <a:rPr lang="en-US" altLang="ko-KR" dirty="0"/>
+              <a:t/>
+            </a:r>
+            <a:br>
+              <a:rPr lang="en-US" altLang="ko-KR" dirty="0"/>
+            </a:br>
+            <a:r>
+              <a:rPr lang="en-US" altLang="ko-KR" dirty="0"/>
+              <a:t/>
+            </a:r>
+            <a:br>
+              <a:rPr lang="en-US" altLang="ko-KR" dirty="0"/>
+            </a:br>
+            <a:r>
+              <a:rPr lang="en-US" altLang="ko-KR" dirty="0"/>
+              <a:t/>
+            </a:r>
+            <a:br>
+              <a:rPr lang="en-US" altLang="ko-KR" dirty="0"/>
+            </a:br>
+            <a:r>
+              <a:rPr lang="en-US" altLang="ko-KR" dirty="0"/>
+              <a:t/>
+            </a:r>
+            <a:br>
+              <a:rPr lang="en-US" altLang="ko-KR" dirty="0"/>
+            </a:br>
+            <a:r>
+              <a:rPr lang="en-US" altLang="ko-KR" dirty="0"/>
+              <a:t/>
+            </a:r>
+            <a:br>
+              <a:rPr lang="en-US" altLang="ko-KR" dirty="0"/>
+            </a:br>
+            <a:r>
+              <a:rPr lang="en-US" altLang="ko-KR" dirty="0"/>
+              <a:t/>
+            </a:r>
+            <a:br>
+              <a:rPr lang="en-US" altLang="ko-KR" dirty="0"/>
+            </a:br>
+            <a:r>
+              <a:rPr lang="en-US" altLang="ko-KR" dirty="0"/>
+              <a:t/>
+            </a:r>
+            <a:br>
+              <a:rPr lang="en-US" altLang="ko-KR" dirty="0"/>
+            </a:br>
+            <a:r>
+              <a:rPr lang="en-US" altLang="ko-KR" dirty="0"/>
+              <a:t/>
+            </a:r>
+            <a:br>
+              <a:rPr lang="en-US" altLang="ko-KR" dirty="0"/>
+            </a:br>
+            <a:r>
+              <a:rPr lang="en-US" altLang="ko-KR" dirty="0"/>
+              <a:t/>
+            </a:r>
+            <a:br>
+              <a:rPr lang="en-US" altLang="ko-KR" dirty="0"/>
+            </a:br>
+            <a:r>
+              <a:rPr lang="en-US" altLang="ko-KR" dirty="0"/>
+              <a:t/>
+            </a:r>
+            <a:br>
+              <a:rPr lang="en-US" altLang="ko-KR" dirty="0"/>
+            </a:br>
+            <a:r>
+              <a:rPr lang="en-US" altLang="ko-KR" dirty="0"/>
+              <a:t/>
+            </a:r>
+            <a:br>
+              <a:rPr lang="en-US" altLang="ko-KR" dirty="0"/>
+            </a:br>
+            <a:r>
+              <a:rPr lang="en-US" altLang="ko-KR" dirty="0"/>
+              <a:t/>
+            </a:r>
+            <a:br>
+              <a:rPr lang="en-US" altLang="ko-KR" dirty="0"/>
+            </a:br>
+            <a:r>
+              <a:rPr lang="en-US" altLang="ko-KR" dirty="0"/>
+              <a:t/>
+            </a:r>
+            <a:br>
+              <a:rPr lang="en-US" altLang="ko-KR" dirty="0"/>
+            </a:br>
+            <a:r>
+              <a:rPr lang="en-US" altLang="ko-KR" dirty="0"/>
+              <a:t/>
+            </a:r>
+            <a:br>
+              <a:rPr lang="en-US" altLang="ko-KR" dirty="0"/>
+            </a:br>
+            <a:r>
+              <a:rPr lang="en-US" altLang="ko-KR" dirty="0"/>
+              <a:t/>
+            </a:r>
+            <a:br>
+              <a:rPr lang="en-US" altLang="ko-KR" dirty="0"/>
+            </a:br>
+            <a:r>
+              <a:rPr lang="en-US" altLang="ko-KR" dirty="0"/>
+              <a:t/>
+            </a:r>
+            <a:br>
+              <a:rPr lang="en-US" altLang="ko-KR" dirty="0"/>
+            </a:br>
+            <a:r>
+              <a:rPr lang="en-US" altLang="ko-KR" dirty="0"/>
+              <a:t/>
+            </a:r>
+            <a:br>
+              <a:rPr lang="en-US" altLang="ko-KR" dirty="0"/>
+            </a:br>
+            <a:r>
+              <a:rPr lang="en-US" altLang="ko-KR" dirty="0"/>
+              <a:t/>
+            </a:r>
+            <a:br>
+              <a:rPr lang="en-US" altLang="ko-KR" dirty="0"/>
+            </a:br>
+            <a:r>
+              <a:rPr lang="en-US" altLang="ko-KR" dirty="0"/>
+              <a:t/>
+            </a:r>
+            <a:br>
+              <a:rPr lang="en-US" altLang="ko-KR" dirty="0"/>
+            </a:br>
+            <a:r>
+              <a:rPr lang="en-US" altLang="ko-KR" dirty="0"/>
+              <a:t/>
+            </a:r>
+            <a:br>
+              <a:rPr lang="en-US" altLang="ko-KR" dirty="0"/>
+            </a:br>
+            <a:r>
+              <a:rPr lang="en-US" altLang="ko-KR" dirty="0"/>
+              <a:t/>
+            </a:r>
+            <a:br>
+              <a:rPr lang="en-US" altLang="ko-KR" dirty="0"/>
+            </a:br>
+            <a:r>
+              <a:rPr lang="en-US" altLang="ko-KR" dirty="0"/>
+              <a:t/>
+            </a:r>
+            <a:br>
+              <a:rPr lang="en-US" altLang="ko-KR" dirty="0"/>
+            </a:br>
+            <a:r>
+              <a:rPr lang="en-US" altLang="ko-KR" dirty="0"/>
+              <a:t/>
+            </a:r>
+            <a:br>
+              <a:rPr lang="en-US" altLang="ko-KR" dirty="0"/>
+            </a:br>
+            <a:r>
+              <a:rPr lang="en-US" altLang="ko-KR" dirty="0"/>
+              <a:t/>
+            </a:r>
+            <a:br>
+              <a:rPr lang="en-US" altLang="ko-KR" dirty="0"/>
+            </a:br>
+            <a:r>
+              <a:rPr lang="en-US" altLang="ko-KR" dirty="0"/>
+              <a:t/>
+            </a:r>
+            <a:br>
+              <a:rPr lang="en-US" altLang="ko-KR" dirty="0"/>
+            </a:br>
+            <a:r>
+              <a:rPr lang="en-US" altLang="ko-KR" dirty="0"/>
+              <a:t/>
+            </a:r>
+            <a:br>
+              <a:rPr lang="en-US" altLang="ko-KR" dirty="0"/>
+            </a:br>
+            <a:r>
+              <a:rPr lang="en-US" altLang="ko-KR" dirty="0"/>
+              <a:t/>
+            </a:r>
+            <a:br>
+              <a:rPr lang="en-US" altLang="ko-KR" dirty="0"/>
+            </a:br>
+            <a:r>
+              <a:rPr lang="en-US" altLang="ko-KR" dirty="0"/>
+              <a:t/>
+            </a:r>
+            <a:br>
+              <a:rPr lang="en-US" altLang="ko-KR" dirty="0"/>
+            </a:br>
+            <a:r>
+              <a:rPr lang="en-US" altLang="ko-KR" dirty="0"/>
+              <a:t/>
+            </a:r>
+            <a:br>
+              <a:rPr lang="en-US" altLang="ko-KR" dirty="0"/>
+            </a:br>
+            <a:r>
+              <a:rPr lang="en-US" altLang="ko-KR" dirty="0"/>
+              <a:t/>
+            </a:r>
+            <a:br>
+              <a:rPr lang="en-US" altLang="ko-KR" dirty="0"/>
+            </a:br>
+            <a:r>
+              <a:rPr lang="en-US" altLang="ko-KR" dirty="0"/>
+              <a:t/>
+            </a:r>
+            <a:br>
+              <a:rPr lang="en-US" altLang="ko-KR" dirty="0"/>
+            </a:br>
+            <a:r>
+              <a:rPr lang="en-US" altLang="ko-KR" dirty="0"/>
+              <a:t/>
+            </a:r>
+            <a:br>
+              <a:rPr lang="en-US" altLang="ko-KR" dirty="0"/>
+            </a:br>
+            <a:r>
+              <a:rPr lang="en-US" altLang="ko-KR" dirty="0"/>
+              <a:t/>
+            </a:r>
+            <a:br>
+              <a:rPr lang="en-US" altLang="ko-KR" dirty="0"/>
+            </a:br>
+            <a:r>
+              <a:rPr lang="en-US" altLang="ko-KR" dirty="0"/>
+              <a:t/>
+            </a:r>
+            <a:br>
+              <a:rPr lang="en-US" altLang="ko-KR" dirty="0"/>
+            </a:br>
+            <a:r>
+              <a:rPr lang="en-US" altLang="ko-KR" dirty="0"/>
+              <a:t/>
+            </a:r>
+            <a:br>
+              <a:rPr lang="en-US" altLang="ko-KR" dirty="0"/>
+            </a:br>
+            <a:r>
+              <a:rPr lang="en-US" altLang="ko-KR" dirty="0"/>
+              <a:t/>
+            </a:r>
+            <a:br>
+              <a:rPr lang="en-US" altLang="ko-KR" dirty="0"/>
+            </a:br>
+            <a:r>
+              <a:rPr lang="en-US" altLang="ko-KR" dirty="0"/>
+              <a:t/>
+            </a:r>
+            <a:br>
+              <a:rPr lang="en-US" altLang="ko-KR" dirty="0"/>
+            </a:br>
+            <a:r>
+              <a:rPr lang="en-US" altLang="ko-KR" dirty="0"/>
+              <a:t/>
+            </a:r>
+            <a:br>
+              <a:rPr lang="en-US" altLang="ko-KR" dirty="0"/>
+            </a:br>
+            <a:r>
+              <a:rPr lang="en-US" altLang="ko-KR" dirty="0"/>
+              <a:t/>
+            </a:r>
+            <a:br>
+              <a:rPr lang="en-US" altLang="ko-KR" dirty="0"/>
+            </a:br>
+            <a:r>
+              <a:rPr lang="en-US" altLang="ko-KR" dirty="0"/>
+              <a:t/>
+            </a:r>
+            <a:br>
+              <a:rPr lang="en-US" altLang="ko-KR" dirty="0"/>
+            </a:br>
+            <a:r>
+              <a:rPr lang="en-US" altLang="ko-KR" dirty="0"/>
+              <a:t/>
+            </a:r>
+            <a:br>
+              <a:rPr lang="en-US" altLang="ko-KR" dirty="0"/>
+            </a:br>
+            <a:r>
+              <a:rPr lang="en-US" altLang="ko-KR" dirty="0"/>
+              <a:t/>
+            </a:r>
+            <a:br>
+              <a:rPr lang="en-US" altLang="ko-KR" dirty="0"/>
+            </a:br>
+            <a:r>
+              <a:rPr lang="en-US" altLang="ko-KR" dirty="0"/>
+              <a:t/>
+            </a:r>
+            <a:br>
+              <a:rPr lang="en-US" altLang="ko-KR" dirty="0"/>
+            </a:br>
+            <a:r>
+              <a:rPr lang="en-US" altLang="ko-KR" dirty="0"/>
+              <a:t/>
+            </a:r>
+            <a:br>
+              <a:rPr lang="en-US" altLang="ko-KR" dirty="0"/>
+            </a:br>
+            <a:r>
+              <a:rPr lang="en-US" altLang="ko-KR" dirty="0"/>
+              <a:t/>
+            </a:r>
+            <a:br>
+              <a:rPr lang="en-US" altLang="ko-KR" dirty="0"/>
+            </a:br>
+            <a:r>
+              <a:rPr lang="en-US" altLang="ko-KR" dirty="0"/>
+              <a:t/>
+            </a:r>
+            <a:br>
+              <a:rPr lang="en-US" altLang="ko-KR" dirty="0"/>
+            </a:br>
+            <a:r>
+              <a:rPr lang="en-US" altLang="ko-KR" dirty="0"/>
+              <a:t/>
+            </a:r>
+            <a:br>
+              <a:rPr lang="en-US" altLang="ko-KR" dirty="0"/>
+            </a:br>
+            <a:r>
+              <a:rPr lang="en-US" altLang="ko-KR" dirty="0"/>
+              <a:t/>
+            </a:r>
+            <a:br>
+              <a:rPr lang="en-US" altLang="ko-KR" dirty="0"/>
+            </a:br>
+            <a:r>
+              <a:rPr lang="en-US" altLang="ko-KR" dirty="0"/>
+              <a:t/>
+            </a:r>
+            <a:br>
+              <a:rPr lang="en-US" altLang="ko-KR" dirty="0"/>
+            </a:br>
+            <a:r>
+              <a:rPr lang="en-US" altLang="ko-KR" dirty="0"/>
+              <a:t/>
+            </a:r>
+            <a:br>
+              <a:rPr lang="en-US" altLang="ko-KR" dirty="0"/>
+            </a:br>
+            <a:r>
+              <a:rPr lang="en-US" altLang="ko-KR" dirty="0"/>
+              <a:t/>
+            </a:r>
+            <a:br>
+              <a:rPr lang="en-US" altLang="ko-KR" dirty="0"/>
+            </a:br>
+            <a:r>
+              <a:rPr lang="en-US" altLang="ko-KR" dirty="0"/>
+              <a:t/>
+            </a:r>
+            <a:br>
+              <a:rPr lang="en-US" altLang="ko-KR" dirty="0"/>
+            </a:br>
+            <a:r>
+              <a:rPr lang="en-US" altLang="ko-KR" dirty="0"/>
+              <a:t/>
+            </a:r>
+            <a:br>
+              <a:rPr lang="en-US" altLang="ko-KR" dirty="0"/>
+            </a:br>
+            <a:r>
+              <a:rPr lang="en-US" altLang="ko-KR" dirty="0"/>
+              <a:t/>
+            </a:r>
+            <a:br>
+              <a:rPr lang="en-US" altLang="ko-KR" dirty="0"/>
+            </a:br>
+            <a:r>
+              <a:rPr lang="en-US" altLang="ko-KR" dirty="0"/>
+              <a:t/>
+            </a:r>
+            <a:br>
+              <a:rPr lang="en-US" altLang="ko-KR" dirty="0"/>
+            </a:br>
+            <a:r>
+              <a:rPr lang="en-US" altLang="ko-KR" dirty="0"/>
+              <a:t/>
+            </a:r>
+            <a:br>
+              <a:rPr lang="en-US" altLang="ko-KR" dirty="0"/>
+            </a:br>
+            <a:r>
+              <a:rPr lang="en-US" altLang="ko-KR" dirty="0"/>
+              <a:t/>
+            </a:r>
+            <a:br>
+              <a:rPr lang="en-US" altLang="ko-KR" dirty="0"/>
+            </a:br>
+            <a:r>
+              <a:rPr lang="en-US" altLang="ko-KR" dirty="0"/>
+              <a:t/>
+            </a:r>
+            <a:br>
+              <a:rPr lang="en-US" altLang="ko-KR" dirty="0"/>
+            </a:br>
+            <a:r>
+              <a:rPr lang="en-US" altLang="ko-KR" dirty="0"/>
+              <a:t/>
+            </a:r>
+            <a:br>
+              <a:rPr lang="en-US" altLang="ko-KR" dirty="0"/>
+            </a:br>
+            <a:r>
+              <a:rPr lang="en-US" altLang="ko-KR" dirty="0"/>
+              <a:t/>
+            </a:r>
+            <a:br>
+              <a:rPr lang="en-US" altLang="ko-KR" dirty="0"/>
+            </a:br>
+            <a:r>
+              <a:rPr lang="en-US" altLang="ko-KR" dirty="0"/>
+              <a:t/>
+            </a:r>
+            <a:br>
+              <a:rPr lang="en-US" altLang="ko-KR" dirty="0"/>
+            </a:br>
+            <a:r>
+              <a:rPr lang="en-US" altLang="ko-KR" dirty="0"/>
+              <a:t/>
+            </a:r>
+            <a:br>
+              <a:rPr lang="en-US" altLang="ko-KR" dirty="0"/>
+            </a:br>
+            <a:r>
+              <a:rPr lang="en-US" altLang="ko-KR" dirty="0"/>
+              <a:t/>
+            </a:r>
+            <a:br>
+              <a:rPr lang="en-US" altLang="ko-KR" dirty="0"/>
+            </a:br>
+            <a:r>
+              <a:rPr lang="en-US" altLang="ko-KR" dirty="0"/>
+              <a:t/>
+            </a:r>
+            <a:br>
+              <a:rPr lang="en-US" altLang="ko-KR" dirty="0"/>
+            </a:br>
+            <a:r>
+              <a:rPr lang="en-US" altLang="ko-KR" dirty="0"/>
+              <a:t/>
+            </a:r>
+            <a:br>
+              <a:rPr lang="en-US" altLang="ko-KR" dirty="0"/>
+            </a:br>
+            <a:r>
+              <a:rPr lang="en-US" altLang="ko-KR" dirty="0"/>
+              <a:t/>
+            </a:r>
+            <a:br>
+              <a:rPr lang="en-US" altLang="ko-KR" dirty="0"/>
+            </a:br>
+            <a:r>
+              <a:rPr lang="en-US" altLang="ko-KR" dirty="0"/>
+              <a:t/>
+            </a:r>
+            <a:br>
+              <a:rPr lang="en-US" altLang="ko-KR" dirty="0"/>
+            </a:br>
+            <a:r>
+              <a:rPr lang="en-US" altLang="ko-KR" dirty="0"/>
+              <a:t/>
+            </a:r>
+            <a:br>
+              <a:rPr lang="en-US" altLang="ko-KR" dirty="0"/>
+            </a:br>
+            <a:r>
+              <a:rPr lang="en-US" altLang="ko-KR" dirty="0"/>
+              <a:t/>
+            </a:r>
+            <a:br>
+              <a:rPr lang="en-US" altLang="ko-KR" dirty="0"/>
+            </a:br>
+            <a:r>
+              <a:rPr lang="en-US" altLang="ko-KR" dirty="0"/>
+              <a:t/>
+            </a:r>
+            <a:br>
+              <a:rPr lang="en-US" altLang="ko-KR" dirty="0"/>
+            </a:br>
+            <a:r>
+              <a:rPr lang="en-US" altLang="ko-KR" dirty="0"/>
+              <a:t/>
+            </a:r>
+            <a:br>
+              <a:rPr lang="en-US" altLang="ko-KR" dirty="0"/>
+            </a:br>
+            <a:r>
+              <a:rPr lang="en-US" altLang="ko-KR" dirty="0"/>
+              <a:t/>
+            </a:r>
+            <a:br>
+              <a:rPr lang="en-US" altLang="ko-KR" dirty="0"/>
+            </a:br>
+            <a:r>
+              <a:rPr lang="en-US" altLang="ko-KR" dirty="0"/>
+              <a:t/>
+            </a:r>
+            <a:br>
+              <a:rPr lang="en-US" altLang="ko-KR" dirty="0"/>
+            </a:br>
+            <a:r>
+              <a:rPr lang="en-US" altLang="ko-KR" dirty="0"/>
+              <a:t/>
+            </a:r>
+            <a:br>
+              <a:rPr lang="en-US" altLang="ko-KR" dirty="0"/>
+            </a:br>
+            <a:r>
+              <a:rPr lang="en-US" altLang="ko-KR" dirty="0"/>
+              <a:t/>
+            </a:r>
+            <a:br>
+              <a:rPr lang="en-US" altLang="ko-KR" dirty="0"/>
+            </a:br>
+            <a:r>
+              <a:rPr lang="en-US" altLang="ko-KR" dirty="0"/>
+              <a:t/>
+            </a:r>
+            <a:br>
+              <a:rPr lang="en-US" altLang="ko-KR" dirty="0"/>
+            </a:br>
+            <a:r>
+              <a:rPr lang="en-US" altLang="ko-KR" dirty="0"/>
+              <a:t/>
+            </a:r>
+            <a:br>
+              <a:rPr lang="en-US" altLang="ko-KR" dirty="0"/>
+            </a:br>
+            <a:r>
+              <a:rPr lang="en-US" altLang="ko-KR" dirty="0"/>
+              <a:t/>
+            </a:r>
+            <a:br>
+              <a:rPr lang="en-US" altLang="ko-KR" dirty="0"/>
+            </a:br>
+            <a:r>
+              <a:rPr lang="en-US" altLang="ko-KR" dirty="0"/>
+              <a:t/>
+            </a:r>
+            <a:br>
+              <a:rPr lang="en-US" altLang="ko-KR" dirty="0"/>
+            </a:br>
+            <a:r>
+              <a:rPr lang="en-US" altLang="ko-KR" dirty="0"/>
+              <a:t/>
+            </a:r>
+            <a:br>
+              <a:rPr lang="en-US" altLang="ko-KR" dirty="0"/>
+            </a:br>
+            <a:r>
+              <a:rPr lang="en-US" altLang="ko-KR" dirty="0"/>
+              <a:t/>
+            </a:r>
+            <a:br>
+              <a:rPr lang="en-US" altLang="ko-KR" dirty="0"/>
+            </a:br>
+            <a:r>
+              <a:rPr lang="en-US" altLang="ko-KR" dirty="0"/>
+              <a:t/>
+            </a:r>
+            <a:br>
+              <a:rPr lang="en-US" altLang="ko-KR" dirty="0"/>
+            </a:br>
+            <a:r>
+              <a:rPr lang="en-US" altLang="ko-KR" dirty="0"/>
+              <a:t/>
+            </a:r>
+            <a:br>
+              <a:rPr lang="en-US" altLang="ko-KR" dirty="0"/>
+            </a:br>
+            <a:r>
+              <a:rPr lang="en-US" altLang="ko-KR" dirty="0"/>
+              <a:t/>
+            </a:r>
+            <a:br>
+              <a:rPr lang="en-US" altLang="ko-KR" dirty="0"/>
+            </a:br>
+            <a:r>
+              <a:rPr lang="en-US" altLang="ko-KR" dirty="0"/>
+              <a:t/>
+            </a:r>
+            <a:br>
+              <a:rPr lang="en-US" altLang="ko-KR" dirty="0"/>
+            </a:br>
+            <a:r>
+              <a:rPr lang="en-US" altLang="ko-KR" dirty="0"/>
+              <a:t/>
+            </a:r>
+            <a:br>
+              <a:rPr lang="en-US" altLang="ko-KR" dirty="0"/>
+            </a:br>
+            <a:r>
+              <a:rPr lang="en-US" altLang="ko-KR" dirty="0"/>
+              <a:t/>
+            </a:r>
+            <a:br>
+              <a:rPr lang="en-US" altLang="ko-KR" dirty="0"/>
+            </a:br>
+            <a:r>
+              <a:rPr lang="en-US" altLang="ko-KR" dirty="0"/>
+              <a:t/>
+            </a:r>
+            <a:br>
+              <a:rPr lang="en-US" altLang="ko-KR" dirty="0"/>
+            </a:br>
+            <a:r>
+              <a:rPr lang="en-US" altLang="ko-KR" dirty="0"/>
+              <a:t/>
+            </a:r>
+            <a:br>
+              <a:rPr lang="en-US" altLang="ko-KR" dirty="0"/>
+            </a:br>
+            <a:r>
+              <a:rPr lang="en-US" altLang="ko-KR" dirty="0"/>
+              <a:t/>
+            </a:r>
+            <a:br>
+              <a:rPr lang="en-US" altLang="ko-KR" dirty="0"/>
+            </a:br>
+            <a:r>
+              <a:rPr lang="en-US" altLang="ko-KR" dirty="0"/>
+              <a:t/>
+            </a:r>
+            <a:br>
+              <a:rPr lang="en-US" altLang="ko-KR" dirty="0"/>
+            </a:br>
+            <a:r>
+              <a:rPr lang="en-US" altLang="ko-KR" dirty="0"/>
+              <a:t/>
+            </a:r>
+            <a:br>
+              <a:rPr lang="en-US" altLang="ko-KR" dirty="0"/>
+            </a:br>
+            <a:r>
+              <a:rPr lang="en-US" altLang="ko-KR" dirty="0"/>
+              <a:t/>
+            </a:r>
+            <a:br>
+              <a:rPr lang="en-US" altLang="ko-KR" dirty="0"/>
+            </a:br>
+            <a:r>
+              <a:rPr lang="en-US" altLang="ko-KR" dirty="0"/>
+              <a:t/>
+            </a:r>
+            <a:br>
+              <a:rPr lang="en-US" altLang="ko-KR" dirty="0"/>
+            </a:br>
+            <a:r>
+              <a:rPr lang="en-US" altLang="ko-KR" dirty="0"/>
+              <a:t/>
+            </a:r>
+            <a:br>
+              <a:rPr lang="en-US" altLang="ko-KR" dirty="0"/>
+            </a:br>
+            <a:r>
+              <a:rPr lang="en-US" altLang="ko-KR" dirty="0"/>
+              <a:t/>
+            </a:r>
+            <a:br>
+              <a:rPr lang="en-US" altLang="ko-KR" dirty="0"/>
+            </a:br>
+            <a:r>
+              <a:rPr lang="en-US" altLang="ko-KR" dirty="0"/>
+              <a:t/>
+            </a:r>
+            <a:br>
+              <a:rPr lang="en-US" altLang="ko-KR" dirty="0"/>
+            </a:br>
+            <a:r>
+              <a:rPr lang="en-US" altLang="ko-KR" dirty="0"/>
+              <a:t/>
+            </a:r>
+            <a:br>
+              <a:rPr lang="en-US" altLang="ko-KR" dirty="0"/>
+            </a:br>
+            <a:r>
+              <a:rPr lang="en-US" altLang="ko-KR" dirty="0"/>
+              <a:t/>
+            </a:r>
+            <a:br>
+              <a:rPr lang="en-US" altLang="ko-KR" dirty="0"/>
+            </a:br>
+            <a:r>
+              <a:rPr lang="en-US" altLang="ko-KR" dirty="0"/>
+              <a:t/>
+            </a:r>
+            <a:br>
+              <a:rPr lang="en-US" altLang="ko-KR" dirty="0"/>
+            </a:br>
+            <a:r>
+              <a:rPr lang="en-US" altLang="ko-KR" dirty="0"/>
+              <a:t/>
+            </a:r>
+            <a:br>
+              <a:rPr lang="en-US" altLang="ko-KR" dirty="0"/>
+            </a:br>
+            <a:r>
+              <a:rPr lang="en-US" altLang="ko-KR" dirty="0"/>
+              <a:t/>
+            </a:r>
+            <a:br>
+              <a:rPr lang="en-US" altLang="ko-KR" dirty="0"/>
+            </a:br>
+            <a:r>
+              <a:rPr lang="en-US" altLang="ko-KR" dirty="0"/>
+              <a:t/>
+            </a:r>
+            <a:br>
+              <a:rPr lang="en-US" altLang="ko-KR" dirty="0"/>
+            </a:br>
+            <a:r>
+              <a:rPr lang="en-US" altLang="ko-KR" dirty="0"/>
+              <a:t/>
+            </a:r>
+            <a:br>
+              <a:rPr lang="en-US" altLang="ko-KR" dirty="0"/>
+            </a:br>
+            <a:r>
+              <a:rPr lang="en-US" altLang="ko-KR" dirty="0"/>
+              <a:t/>
+            </a:r>
+            <a:br>
+              <a:rPr lang="en-US" altLang="ko-KR" dirty="0"/>
+            </a:br>
+            <a:r>
+              <a:rPr lang="en-US" altLang="ko-KR" dirty="0"/>
+              <a:t/>
+            </a:r>
+            <a:br>
+              <a:rPr lang="en-US" altLang="ko-KR" dirty="0"/>
+            </a:br>
+            <a:r>
+              <a:rPr lang="en-US" altLang="ko-KR" dirty="0"/>
+              <a:t/>
+            </a:r>
+            <a:br>
+              <a:rPr lang="en-US" altLang="ko-KR" dirty="0"/>
+            </a:br>
+            <a:r>
+              <a:rPr lang="en-US" altLang="ko-KR" dirty="0"/>
+              <a:t/>
+            </a:r>
+            <a:br>
+              <a:rPr lang="en-US" altLang="ko-KR" dirty="0"/>
+            </a:br>
+            <a:r>
+              <a:rPr lang="en-US" altLang="ko-KR" dirty="0"/>
+              <a:t/>
+            </a:r>
+            <a:br>
+              <a:rPr lang="en-US" altLang="ko-KR" dirty="0"/>
+            </a:br>
+            <a:r>
+              <a:rPr lang="en-US" altLang="ko-KR" dirty="0"/>
+              <a:t/>
+            </a:r>
+            <a:br>
+              <a:rPr lang="en-US" altLang="ko-KR" dirty="0"/>
+            </a:br>
+            <a:r>
+              <a:rPr lang="en-US" altLang="ko-KR" dirty="0"/>
+              <a:t/>
+            </a:r>
+            <a:br>
+              <a:rPr lang="en-US" altLang="ko-KR" dirty="0"/>
+            </a:br>
+            <a:r>
+              <a:rPr lang="en-US" altLang="ko-KR" dirty="0"/>
+              <a:t/>
+            </a:r>
+            <a:br>
+              <a:rPr lang="en-US" altLang="ko-KR" dirty="0"/>
+            </a:br>
+            <a:r>
+              <a:rPr lang="en-US" altLang="ko-KR" dirty="0"/>
+              <a:t/>
+            </a:r>
+            <a:br>
+              <a:rPr lang="en-US" altLang="ko-KR" dirty="0"/>
+            </a:br>
+            <a:r>
+              <a:rPr lang="en-US" altLang="ko-KR" dirty="0"/>
+              <a:t/>
+            </a:r>
+            <a:br>
+              <a:rPr lang="en-US" altLang="ko-KR" dirty="0"/>
+            </a:br>
+            <a:r>
+              <a:rPr lang="en-US" altLang="ko-KR" dirty="0"/>
+              <a:t/>
+            </a:r>
+            <a:br>
+              <a:rPr lang="en-US" altLang="ko-KR" dirty="0"/>
+            </a:br>
+            <a:r>
+              <a:rPr lang="en-US" altLang="ko-KR" dirty="0"/>
+              <a:t/>
+            </a:r>
+            <a:br>
+              <a:rPr lang="en-US" altLang="ko-KR" dirty="0"/>
+            </a:br>
+            <a:r>
+              <a:rPr lang="en-US" altLang="ko-KR" dirty="0"/>
+              <a:t/>
+            </a:r>
+            <a:br>
+              <a:rPr lang="en-US" altLang="ko-KR" dirty="0"/>
+            </a:br>
+            <a:r>
+              <a:rPr lang="en-US" altLang="ko-KR" dirty="0"/>
+              <a:t/>
+            </a:r>
+            <a:br>
+              <a:rPr lang="en-US" altLang="ko-KR" dirty="0"/>
+            </a:br>
+            <a:r>
+              <a:rPr lang="en-US" altLang="ko-KR" dirty="0"/>
+              <a:t/>
+            </a:r>
+            <a:br>
+              <a:rPr lang="en-US" altLang="ko-KR" dirty="0"/>
+            </a:br>
+            <a:r>
+              <a:rPr lang="en-US" altLang="ko-KR" dirty="0"/>
+              <a:t/>
+            </a:r>
+            <a:br>
+              <a:rPr lang="en-US" altLang="ko-KR" dirty="0"/>
+            </a:br>
+            <a:r>
+              <a:rPr lang="en-US" altLang="ko-KR" dirty="0"/>
+              <a:t/>
+            </a:r>
+            <a:br>
+              <a:rPr lang="en-US" altLang="ko-KR" dirty="0"/>
+            </a:br>
+            <a:r>
+              <a:rPr lang="en-US" altLang="ko-KR" dirty="0"/>
+              <a:t/>
+            </a:r>
+            <a:br>
+              <a:rPr lang="en-US" altLang="ko-KR" dirty="0"/>
+            </a:br>
+            <a:r>
+              <a:rPr lang="en-US" altLang="ko-KR" dirty="0"/>
+              <a:t/>
+            </a:r>
             <a:br>
               <a:rPr lang="en-US" altLang="ko-KR" dirty="0"/>
             </a:br>
@@ -3995,7 +4798,7 @@
         </p:nvSpPr>
         <p:spPr>
           <a:xfrm>
-            <a:off x="239731" y="266350"/>
+            <a:off x="340399" y="599143"/>
             <a:ext cx="3623353" cy="523220"/>
           </a:xfrm>
           <a:prstGeom prst="rect">
@@ -4067,9 +4870,10 @@
           <a:lstStyle/>
           <a:p>
             <a:r>
-              <a:rPr lang="ko-KR" altLang="en-US"/>
-              <a:t>예상 결과 및 기대 효과</a:t>
-            </a:r>
+              <a:rPr lang="en-US" altLang="ko-KR" dirty="0"/>
+              <a:t>To do..</a:t>
+            </a:r>
+            <a:endParaRPr lang="ko-KR" altLang="en-US" dirty="0"/>
           </a:p>
         </p:txBody>
       </p:sp>
@@ -4090,176 +4894,41 @@
           <a:p>
             <a:r>
               <a:rPr lang="ko-KR" altLang="en-US" dirty="0"/>
-              <a:t>피치 템포에 따라 경기력에 차이가 있을 것으로 예상</a:t>
-            </a:r>
+              <a:t>연구 대상 및 지표 선정</a:t>
+            </a:r>
+            <a:r>
+              <a:rPr lang="en-US" altLang="ko-KR" dirty="0"/>
+              <a:t/>
+            </a:r>
+            <a:br>
+              <a:rPr lang="en-US" altLang="ko-KR" dirty="0"/>
+            </a:br>
             <a:endParaRPr lang="en-US" altLang="ko-KR" dirty="0"/>
           </a:p>
           <a:p>
+            <a:r>
+              <a:rPr lang="ko-KR" altLang="en-US" dirty="0"/>
+              <a:t>비교 방법 선정</a:t>
+            </a:r>
+            <a:endParaRPr lang="en-US" altLang="ko-KR" dirty="0"/>
+          </a:p>
+          <a:p>
             <a:pPr lvl="1"/>
             <a:r>
               <a:rPr lang="ko-KR" altLang="en-US" dirty="0"/>
-              <a:t>경기력을 위해 피치 템포에 대한 훈련이 필요함을 시사</a:t>
-            </a:r>
-            <a:br>
-              <a:rPr lang="en-US" altLang="ko-KR" dirty="0"/>
-            </a:br>
-            <a:br>
-              <a:rPr lang="en-US" altLang="ko-KR" dirty="0"/>
-            </a:br>
+              <a:t>평균 구속 비교</a:t>
+            </a:r>
             <a:endParaRPr lang="en-US" altLang="ko-KR" dirty="0"/>
           </a:p>
           <a:p>
-            <a:r>
-              <a:rPr lang="ko-KR" altLang="en-US" dirty="0"/>
-              <a:t>피치 타이머 도입 후에 피치 템포 </a:t>
-            </a:r>
-            <a:r>
-              <a:rPr lang="ko-KR" altLang="en-US" dirty="0" err="1"/>
-              <a:t>변화량이</a:t>
-            </a:r>
-            <a:r>
-              <a:rPr lang="ko-KR" altLang="en-US" dirty="0"/>
-              <a:t> 큰 선수들의 경기력이 더 많이 감소했을 것으로 예상</a:t>
-            </a:r>
-            <a:endParaRPr lang="en-US" altLang="ko-KR" dirty="0"/>
-          </a:p>
-          <a:p>
             <a:pPr lvl="1"/>
             <a:r>
-              <a:rPr lang="en-US" altLang="ko-KR" dirty="0"/>
-              <a:t>MLB</a:t>
-            </a:r>
-            <a:r>
-              <a:rPr lang="ko-KR" altLang="en-US" dirty="0"/>
-              <a:t>에 진출하길 희망하는 선수들에게 </a:t>
-            </a:r>
-            <a:r>
-              <a:rPr lang="ko-KR" altLang="en-US" dirty="0" err="1"/>
-              <a:t>의미있는</a:t>
-            </a:r>
-            <a:r>
-              <a:rPr lang="ko-KR" altLang="en-US" dirty="0"/>
-              <a:t> 연구결과가 </a:t>
-            </a:r>
-            <a:br>
-              <a:rPr lang="en-US" altLang="ko-KR" dirty="0"/>
-            </a:br>
-            <a:r>
-              <a:rPr lang="ko-KR" altLang="en-US" dirty="0"/>
-              <a:t>될 수 있음</a:t>
-            </a:r>
-            <a:endParaRPr lang="en-US" altLang="ko-KR" dirty="0"/>
-          </a:p>
-        </p:txBody>
-      </p:sp>
-    </p:spTree>
-    <p:extLst>
-      <p:ext uri="{BB962C8B-B14F-4D97-AF65-F5344CB8AC3E}">
-        <p14:creationId xmlns:p14="http://schemas.microsoft.com/office/powerpoint/2010/main" val="18675565"/>
-      </p:ext>
-    </p:extLst>
-  </p:cSld>
-  <p:clrMapOvr>
-    <a:masterClrMapping/>
-  </p:clrMapOvr>
-</p:sld>
-</file>
-
-<file path=ppt/slides/slide11.xml><?xml version="1.0" encoding="utf-8"?>
-<p:sld xmlns:a="http://schemas.openxmlformats.org/drawingml/2006/main" xmlns:r="http://schemas.openxmlformats.org/officeDocument/2006/relationships" xmlns:p="http://schemas.openxmlformats.org/presentationml/2006/main">
-  <p:cSld>
-    <p:spTree>
-      <p:nvGrpSpPr>
-        <p:cNvPr id="1" name=""/>
-        <p:cNvGrpSpPr/>
-        <p:nvPr/>
-      </p:nvGrpSpPr>
-      <p:grpSpPr>
-        <a:xfrm>
-          <a:off x="0" y="0"/>
-          <a:ext cx="0" cy="0"/>
-          <a:chOff x="0" y="0"/>
-          <a:chExt cx="0" cy="0"/>
-        </a:xfrm>
-      </p:grpSpPr>
-      <p:sp>
-        <p:nvSpPr>
-          <p:cNvPr id="2" name="제목 1"/>
-          <p:cNvSpPr>
-            <a:spLocks noGrp="1"/>
-          </p:cNvSpPr>
-          <p:nvPr>
-            <p:ph type="title"/>
-          </p:nvPr>
-        </p:nvSpPr>
-        <p:spPr/>
-        <p:txBody>
-          <a:bodyPr/>
-          <a:lstStyle/>
-          <a:p>
-            <a:r>
-              <a:rPr lang="en-US" altLang="ko-KR" dirty="0"/>
-              <a:t>To do..</a:t>
-            </a:r>
-            <a:endParaRPr lang="ko-KR" altLang="en-US" dirty="0"/>
-          </a:p>
-        </p:txBody>
-      </p:sp>
-      <p:sp>
-        <p:nvSpPr>
-          <p:cNvPr id="3" name="내용 개체 틀 2"/>
-          <p:cNvSpPr>
-            <a:spLocks noGrp="1"/>
-          </p:cNvSpPr>
-          <p:nvPr>
-            <p:ph idx="1"/>
-          </p:nvPr>
-        </p:nvSpPr>
-        <p:spPr/>
-        <p:txBody>
-          <a:bodyPr/>
-          <a:lstStyle/>
-          <a:p>
-            <a:r>
-              <a:rPr lang="ko-KR" altLang="en-US" dirty="0"/>
-              <a:t>연구 대상 및 지표 선정</a:t>
-            </a:r>
-            <a:br>
-              <a:rPr lang="en-US" altLang="ko-KR" dirty="0"/>
-            </a:br>
-            <a:endParaRPr lang="en-US" altLang="ko-KR" dirty="0"/>
-          </a:p>
-          <a:p>
-            <a:r>
-              <a:rPr lang="ko-KR" altLang="en-US" dirty="0"/>
-              <a:t>비교 방법 선정</a:t>
-            </a:r>
-            <a:endParaRPr lang="en-US" altLang="ko-KR" dirty="0"/>
-          </a:p>
-          <a:p>
-            <a:pPr lvl="1"/>
-            <a:r>
-              <a:rPr lang="ko-KR" altLang="en-US" dirty="0"/>
-              <a:t>평균 구속 비교</a:t>
-            </a:r>
-            <a:endParaRPr lang="en-US" altLang="ko-KR" dirty="0"/>
-          </a:p>
-          <a:p>
-            <a:pPr lvl="1"/>
-            <a:r>
-              <a:rPr lang="ko-KR" altLang="en-US" dirty="0"/>
-              <a:t>경기 중 구속 감소율 비교</a:t>
-            </a:r>
-            <a:endParaRPr lang="en-US" altLang="ko-KR" dirty="0"/>
-          </a:p>
-          <a:p>
-            <a:pPr lvl="1"/>
-            <a:endParaRPr lang="en-US" altLang="ko-KR" dirty="0"/>
-          </a:p>
-          <a:p>
-            <a:r>
-              <a:rPr lang="ko-KR" altLang="en-US" dirty="0"/>
-              <a:t>일반화</a:t>
+              <a:rPr lang="ko-KR" altLang="en-US" dirty="0"/>
+              <a:t>경기 중 구속 감소율 </a:t>
+            </a:r>
+            <a:r>
+              <a:rPr lang="ko-KR" altLang="en-US" dirty="0" smtClean="0"/>
+              <a:t>비교</a:t>
             </a:r>
             <a:endParaRPr lang="en-US" altLang="ko-KR" dirty="0"/>
           </a:p>
@@ -4303,13 +4972,7 @@
       </p:grpSpPr>
       <p:sp>
         <p:nvSpPr>
-          <p:cNvPr id="2" name="Title 1">
-            <a:extLst>
-              <a:ext uri="{FF2B5EF4-FFF2-40B4-BE49-F238E27FC236}">
-                <a16:creationId xmlns:a16="http://schemas.microsoft.com/office/drawing/2014/main" id="{855AE117-1E62-83AE-C9A0-043A0266BCE3}"/>
-              </a:ext>
-            </a:extLst>
-          </p:cNvPr>
+          <p:cNvPr id="2" name="제목 1"/>
           <p:cNvSpPr>
             <a:spLocks noGrp="1"/>
           </p:cNvSpPr>
@@ -4323,42 +4986,15 @@
           <a:lstStyle/>
           <a:p>
             <a:r>
-              <a:rPr lang="ko-KR" altLang="en-US" dirty="0" err="1"/>
-              <a:t>피치템포</a:t>
-            </a:r>
-            <a:r>
-              <a:rPr lang="en-US" altLang="ko-KR" dirty="0"/>
-              <a:t>(pitch</a:t>
-            </a:r>
-            <a:r>
-              <a:rPr lang="ko-KR" altLang="en-US" dirty="0"/>
-              <a:t> </a:t>
-            </a:r>
-            <a:r>
-              <a:rPr lang="en-US" altLang="ko-KR" dirty="0"/>
-              <a:t>tempo)</a:t>
-            </a:r>
-            <a:r>
-              <a:rPr lang="ko-KR" altLang="en-US" dirty="0"/>
-              <a:t>란</a:t>
-            </a:r>
-            <a:r>
-              <a:rPr lang="en-US" altLang="ko-KR" dirty="0"/>
-              <a:t>?</a:t>
-            </a:r>
-            <a:endParaRPr lang="en-KR" dirty="0"/>
-          </a:p>
-        </p:txBody>
-      </p:sp>
-      <p:sp>
-        <p:nvSpPr>
-          <p:cNvPr id="3" name="Content Placeholder 2">
-            <a:extLst>
-              <a:ext uri="{FF2B5EF4-FFF2-40B4-BE49-F238E27FC236}">
-                <a16:creationId xmlns:a16="http://schemas.microsoft.com/office/drawing/2014/main" id="{A4F39377-E321-BC08-05D2-DF8C88F5EA18}"/>
-              </a:ext>
-            </a:extLst>
-          </p:cNvPr>
+              <a:rPr lang="ko-KR" altLang="en-US" dirty="0"/>
+              <a:t>목차</a:t>
+            </a:r>
+          </a:p>
+        </p:txBody>
+      </p:sp>
+      <p:sp>
+        <p:nvSpPr>
+          <p:cNvPr id="3" name="내용 개체 틀 2"/>
           <p:cNvSpPr>
             <a:spLocks noGrp="1"/>
           </p:cNvSpPr>
@@ -4371,14 +5007,83 @@
           <a:bodyPr/>
           <a:lstStyle/>
           <a:p>
-            <a:endParaRPr lang="en-KR"/>
+            <a:r>
+              <a:rPr lang="ko-KR" altLang="en-US" dirty="0"/>
+              <a:t>서론</a:t>
+            </a:r>
+            <a:endParaRPr lang="en-US" altLang="ko-KR" dirty="0"/>
+          </a:p>
+          <a:p>
+            <a:pPr lvl="1"/>
+            <a:r>
+              <a:rPr lang="ko-KR" altLang="en-US" dirty="0"/>
+              <a:t>이론적 배경</a:t>
+            </a:r>
+            <a:endParaRPr lang="en-US" altLang="ko-KR" dirty="0"/>
+          </a:p>
+          <a:p>
+            <a:pPr lvl="1"/>
+            <a:r>
+              <a:rPr lang="ko-KR" altLang="en-US" dirty="0"/>
+              <a:t>연구 목적</a:t>
+            </a:r>
+            <a:endParaRPr lang="en-US" altLang="ko-KR" dirty="0"/>
+          </a:p>
+          <a:p>
+            <a:pPr lvl="1"/>
+            <a:r>
+              <a:rPr lang="ko-KR" altLang="en-US" dirty="0"/>
+              <a:t>연구 가설</a:t>
+            </a:r>
+            <a:endParaRPr lang="en-US" altLang="ko-KR" dirty="0"/>
+          </a:p>
+          <a:p>
+            <a:r>
+              <a:rPr lang="ko-KR" altLang="en-US" dirty="0"/>
+              <a:t>연구 방법</a:t>
+            </a:r>
+            <a:endParaRPr lang="en-US" altLang="ko-KR" dirty="0"/>
+          </a:p>
+          <a:p>
+            <a:pPr lvl="1"/>
+            <a:r>
+              <a:rPr lang="ko-KR" altLang="en-US" dirty="0"/>
+              <a:t>데이터 수집</a:t>
+            </a:r>
+            <a:endParaRPr lang="en-US" altLang="ko-KR" dirty="0"/>
+          </a:p>
+          <a:p>
+            <a:pPr lvl="1"/>
+            <a:r>
+              <a:rPr lang="ko-KR" altLang="en-US" dirty="0"/>
+              <a:t>연구대상</a:t>
+            </a:r>
+            <a:endParaRPr lang="en-US" altLang="ko-KR" dirty="0"/>
+          </a:p>
+          <a:p>
+            <a:pPr lvl="1"/>
+            <a:r>
+              <a:rPr lang="ko-KR" altLang="en-US" dirty="0"/>
+              <a:t>지표 선정</a:t>
+            </a:r>
+            <a:endParaRPr lang="en-US" altLang="ko-KR" dirty="0"/>
+          </a:p>
+          <a:p>
+            <a:r>
+              <a:rPr lang="ko-KR" altLang="en-US" dirty="0"/>
+              <a:t>예상 결과 및 기대효과</a:t>
+            </a:r>
+            <a:endParaRPr lang="en-US" altLang="ko-KR" dirty="0"/>
+          </a:p>
+          <a:p>
+            <a:endParaRPr lang="ko-KR" altLang="en-US" dirty="0"/>
           </a:p>
         </p:txBody>
       </p:sp>
     </p:spTree>
     <p:extLst>
       <p:ext uri="{BB962C8B-B14F-4D97-AF65-F5344CB8AC3E}">
-        <p14:creationId xmlns:p14="http://schemas.microsoft.com/office/powerpoint/2010/main" val="4204302391"/>
+        <p14:creationId xmlns:p14="http://schemas.microsoft.com/office/powerpoint/2010/main" val="748744262"/>
       </p:ext>
     </p:extLst>
   </p:cSld>
@@ -4422,7 +5127,7 @@
           <a:p>
             <a:r>
               <a:rPr lang="ko-KR" altLang="en-US" dirty="0"/>
-              <a:t>목차</a:t>
+              <a:t>이론적 배경</a:t>
             </a:r>
           </a:p>
         </p:txBody>
@@ -4443,16 +5148,54 @@
           <a:lstStyle/>
           <a:p>
             <a:r>
-              <a:rPr lang="ko-KR" altLang="en-US" dirty="0"/>
-              <a:t>서론</a:t>
+              <a:rPr lang="en-US" altLang="ko-KR" dirty="0"/>
+              <a:t>2023</a:t>
+            </a:r>
+            <a:r>
+              <a:rPr lang="ko-KR" altLang="en-US" dirty="0"/>
+              <a:t>년 새로운 규칙 도입</a:t>
             </a:r>
             <a:endParaRPr lang="en-US" altLang="ko-KR" dirty="0"/>
           </a:p>
           <a:p>
             <a:pPr lvl="1"/>
             <a:r>
-              <a:rPr lang="ko-KR" altLang="en-US" dirty="0"/>
-              <a:t>이론적 배경</a:t>
+              <a:rPr lang="ko-KR" altLang="en-US" dirty="0" smtClean="0">
+                <a:solidFill>
+                  <a:srgbClr val="FF0000"/>
+                </a:solidFill>
+                <a:hlinkClick r:id="rId2"/>
+              </a:rPr>
+              <a:t>투구 시간 </a:t>
+            </a:r>
+            <a:r>
+              <a:rPr lang="ko-KR" altLang="en-US" dirty="0">
+                <a:solidFill>
+                  <a:srgbClr val="FF0000"/>
+                </a:solidFill>
+                <a:hlinkClick r:id="rId2"/>
+              </a:rPr>
+              <a:t>제한</a:t>
+            </a:r>
+            <a:r>
+              <a:rPr lang="en-US" altLang="ko-KR" dirty="0"/>
+              <a:t>, </a:t>
+            </a:r>
+            <a:r>
+              <a:rPr lang="ko-KR" altLang="en-US" dirty="0" err="1"/>
+              <a:t>수비시프트</a:t>
+            </a:r>
+            <a:r>
+              <a:rPr lang="ko-KR" altLang="en-US" dirty="0"/>
+              <a:t> 제한</a:t>
+            </a:r>
+            <a:r>
+              <a:rPr lang="en-US" altLang="ko-KR" dirty="0"/>
+              <a:t>, </a:t>
+            </a:r>
+            <a:r>
+              <a:rPr lang="ko-KR" altLang="en-US" dirty="0"/>
+              <a:t>베이스 크기 확대</a:t>
             </a:r>
             <a:endParaRPr lang="en-US" altLang="ko-KR" dirty="0"/>
           </a:p>
@@ -4460,22 +5203,30 @@
             <a:pPr lvl="1"/>
             <a:r>
               <a:rPr lang="ko-KR" altLang="en-US" dirty="0"/>
-              <a:t>연구 목적</a:t>
+              <a:t>도입 후 실제 경기 시간 감소</a:t>
+            </a:r>
+            <a:r>
+              <a:rPr lang="en-US" altLang="ko-KR" dirty="0"/>
+              <a:t>, </a:t>
+            </a:r>
+            <a:r>
+              <a:rPr lang="ko-KR" altLang="en-US" dirty="0"/>
+              <a:t>관중 수 증가</a:t>
             </a:r>
             <a:endParaRPr lang="en-US" altLang="ko-KR" dirty="0"/>
           </a:p>
           <a:p>
             <a:pPr lvl="1"/>
-            <a:r>
-              <a:rPr lang="ko-KR" altLang="en-US" dirty="0"/>
-              <a:t>연구 가설</a:t>
-            </a:r>
             <a:endParaRPr lang="en-US" altLang="ko-KR" dirty="0"/>
           </a:p>
           <a:p>
             <a:r>
               <a:rPr lang="ko-KR" altLang="en-US" dirty="0"/>
-              <a:t>연구 방법</a:t>
+              <a:t>투수의 경기력 관련 연구 </a:t>
+            </a:r>
+            <a:r>
+              <a:rPr lang="ko-KR" altLang="en-US" dirty="0" err="1"/>
+              <a:t>多</a:t>
             </a:r>
             <a:endParaRPr lang="en-US" altLang="ko-KR" dirty="0"/>
           </a:p>
@@ -4483,42 +5234,213 @@
             <a:pPr lvl="1"/>
             <a:r>
               <a:rPr lang="ko-KR" altLang="en-US" dirty="0"/>
-              <a:t>데이터 수집</a:t>
-            </a:r>
+              <a:t>투수의 골반조절이 경기력에 미치는 영향 </a:t>
+            </a:r>
+            <a:r>
+              <a:rPr lang="en-US" altLang="ko-KR" dirty="0"/>
+              <a:t>(Chaudhari, 2011)</a:t>
+            </a:r>
+          </a:p>
+          <a:p>
+            <a:pPr lvl="1"/>
+            <a:r>
+              <a:rPr lang="ko-KR" altLang="en-US" dirty="0"/>
+              <a:t>투구 수 증가에 따른 하지기능 및 투구 능력의 변화 </a:t>
+            </a:r>
+            <a:r>
+              <a:rPr lang="en-US" altLang="ko-KR" dirty="0"/>
+              <a:t>(</a:t>
+            </a:r>
+            <a:r>
+              <a:rPr lang="en-US" altLang="ko-KR" dirty="0" err="1"/>
+              <a:t>Yangisawa</a:t>
+            </a:r>
+            <a:r>
+              <a:rPr lang="en-US" altLang="ko-KR" dirty="0"/>
+              <a:t>, 2018)</a:t>
+            </a:r>
+            <a:br>
+              <a:rPr lang="en-US" altLang="ko-KR" dirty="0"/>
+            </a:br>
             <a:endParaRPr lang="en-US" altLang="ko-KR" dirty="0"/>
           </a:p>
           <a:p>
+            <a:r>
+              <a:rPr lang="en-US" altLang="ko-KR" dirty="0"/>
+              <a:t>But, </a:t>
+            </a:r>
+            <a:r>
+              <a:rPr lang="ko-KR" altLang="en-US" dirty="0" err="1"/>
+              <a:t>피치템포나</a:t>
+            </a:r>
+            <a:r>
+              <a:rPr lang="ko-KR" altLang="en-US" dirty="0"/>
+              <a:t> 피치 클락 관련된 연구 부족</a:t>
+            </a:r>
+            <a:endParaRPr lang="en-US" altLang="ko-KR" dirty="0"/>
+          </a:p>
+          <a:p>
+            <a:endParaRPr lang="en-US" altLang="ko-KR" dirty="0"/>
+          </a:p>
+          <a:p>
             <a:pPr lvl="1"/>
-            <a:r>
-              <a:rPr lang="ko-KR" altLang="en-US" dirty="0"/>
-              <a:t>연구대상</a:t>
-            </a:r>
             <a:endParaRPr lang="en-US" altLang="ko-KR" dirty="0"/>
           </a:p>
-          <a:p>
-            <a:pPr lvl="1"/>
-            <a:r>
-              <a:rPr lang="ko-KR" altLang="en-US" dirty="0"/>
-              <a:t>지표 선정</a:t>
-            </a:r>
-            <a:endParaRPr lang="en-US" altLang="ko-KR" dirty="0"/>
-          </a:p>
-          <a:p>
-            <a:r>
-              <a:rPr lang="ko-KR" altLang="en-US" dirty="0"/>
-              <a:t>예상 결과 및 기대효과</a:t>
-            </a:r>
-            <a:endParaRPr lang="en-US" altLang="ko-KR" dirty="0"/>
-          </a:p>
-          <a:p>
-            <a:endParaRPr lang="ko-KR" altLang="en-US" dirty="0"/>
+        </p:txBody>
+      </p:sp>
+      <p:sp>
+        <p:nvSpPr>
+          <p:cNvPr id="4" name="바닥글 개체 틀 4">
+            <a:extLst>
+              <a:ext uri="{FF2B5EF4-FFF2-40B4-BE49-F238E27FC236}">
+                <a16:creationId xmlns:a16="http://schemas.microsoft.com/office/drawing/2014/main" id="{AA1876E6-F606-F046-4149-18C4398A4097}"/>
+              </a:ext>
+            </a:extLst>
+          </p:cNvPr>
+          <p:cNvSpPr>
+            <a:spLocks noGrp="1"/>
+          </p:cNvSpPr>
+          <p:nvPr>
+            <p:ph type="ftr" sz="quarter" idx="11"/>
+          </p:nvPr>
+        </p:nvSpPr>
+        <p:spPr>
+          <a:xfrm>
+            <a:off x="838200" y="6311900"/>
+            <a:ext cx="9918844" cy="365125"/>
+          </a:xfrm>
+        </p:spPr>
+        <p:txBody>
+          <a:bodyPr/>
+          <a:lstStyle/>
+          <a:p>
+            <a:pPr marL="171450" indent="-171450" algn="l">
+              <a:buFont typeface="Arial" panose="020B0604020202020204" pitchFamily="34" charset="0"/>
+              <a:buChar char="•"/>
+            </a:pPr>
+            <a:r>
+              <a:rPr lang="en-US" sz="1000" b="0" i="0" dirty="0">
+                <a:solidFill>
+                  <a:srgbClr val="222222"/>
+                </a:solidFill>
+                <a:effectLst/>
+                <a:latin typeface="Arial" panose="020B0604020202020204" pitchFamily="34" charset="0"/>
+              </a:rPr>
+              <a:t>Chaudhari, A. M., McKenzie, C. S., Borchers, J. R., &amp; Best, T. M. (2011). Lumbopelvic control and pitching performance of professional baseball pitchers. </a:t>
+            </a:r>
+            <a:r>
+              <a:rPr lang="en-US" sz="1000" b="0" i="1" dirty="0">
+                <a:solidFill>
+                  <a:srgbClr val="222222"/>
+                </a:solidFill>
+                <a:effectLst/>
+                <a:latin typeface="Arial" panose="020B0604020202020204" pitchFamily="34" charset="0"/>
+              </a:rPr>
+              <a:t>The Journal of Strength &amp; Conditioning Research</a:t>
+            </a:r>
+            <a:r>
+              <a:rPr lang="en-US" sz="1000" b="0" i="0" dirty="0">
+                <a:solidFill>
+                  <a:srgbClr val="222222"/>
+                </a:solidFill>
+                <a:effectLst/>
+                <a:latin typeface="Arial" panose="020B0604020202020204" pitchFamily="34" charset="0"/>
+              </a:rPr>
+              <a:t>, </a:t>
+            </a:r>
+            <a:r>
+              <a:rPr lang="en-US" sz="1000" b="0" i="1" dirty="0">
+                <a:solidFill>
+                  <a:srgbClr val="222222"/>
+                </a:solidFill>
+                <a:effectLst/>
+                <a:latin typeface="Arial" panose="020B0604020202020204" pitchFamily="34" charset="0"/>
+              </a:rPr>
+              <a:t>25</a:t>
+            </a:r>
+            <a:r>
+              <a:rPr lang="en-US" sz="1000" b="0" i="0" dirty="0">
+                <a:solidFill>
+                  <a:srgbClr val="222222"/>
+                </a:solidFill>
+                <a:effectLst/>
+                <a:latin typeface="Arial" panose="020B0604020202020204" pitchFamily="34" charset="0"/>
+              </a:rPr>
+              <a:t>(8), 2127-2132.</a:t>
+            </a:r>
+          </a:p>
+          <a:p>
+            <a:pPr marL="171450" indent="-171450" algn="l">
+              <a:buFont typeface="Arial" panose="020B0604020202020204" pitchFamily="34" charset="0"/>
+              <a:buChar char="•"/>
+            </a:pPr>
+            <a:r>
+              <a:rPr lang="en-US" sz="1000" b="0" i="0" dirty="0">
+                <a:solidFill>
+                  <a:srgbClr val="222222"/>
+                </a:solidFill>
+                <a:effectLst/>
+                <a:latin typeface="Arial" panose="020B0604020202020204" pitchFamily="34" charset="0"/>
+              </a:rPr>
+              <a:t>Yanagisawa, O., &amp; Taniguchi, H. (2018). Changes in lower extremity function and pitching performance with increasing numbers of pitches in baseball pitchers. </a:t>
+            </a:r>
+            <a:r>
+              <a:rPr lang="en-US" sz="1000" b="0" i="1" dirty="0">
+                <a:solidFill>
+                  <a:srgbClr val="222222"/>
+                </a:solidFill>
+                <a:effectLst/>
+                <a:latin typeface="Arial" panose="020B0604020202020204" pitchFamily="34" charset="0"/>
+              </a:rPr>
+              <a:t>Journal of exercise rehabilitation</a:t>
+            </a:r>
+            <a:r>
+              <a:rPr lang="en-US" sz="1000" b="0" i="0" dirty="0">
+                <a:solidFill>
+                  <a:srgbClr val="222222"/>
+                </a:solidFill>
+                <a:effectLst/>
+                <a:latin typeface="Arial" panose="020B0604020202020204" pitchFamily="34" charset="0"/>
+              </a:rPr>
+              <a:t>, </a:t>
+            </a:r>
+            <a:r>
+              <a:rPr lang="en-US" sz="1000" b="0" i="1" dirty="0">
+                <a:solidFill>
+                  <a:srgbClr val="222222"/>
+                </a:solidFill>
+                <a:effectLst/>
+                <a:latin typeface="Arial" panose="020B0604020202020204" pitchFamily="34" charset="0"/>
+              </a:rPr>
+              <a:t>14</a:t>
+            </a:r>
+            <a:r>
+              <a:rPr lang="en-US" sz="1000" b="0" i="0" dirty="0">
+                <a:solidFill>
+                  <a:srgbClr val="222222"/>
+                </a:solidFill>
+                <a:effectLst/>
+                <a:latin typeface="Arial" panose="020B0604020202020204" pitchFamily="34" charset="0"/>
+              </a:rPr>
+              <a:t>(3), 430.</a:t>
+            </a:r>
+            <a:br>
+              <a:rPr lang="en-US" sz="1000" b="0" i="0" dirty="0">
+                <a:solidFill>
+                  <a:srgbClr val="222222"/>
+                </a:solidFill>
+                <a:effectLst/>
+                <a:latin typeface="Arial" panose="020B0604020202020204" pitchFamily="34" charset="0"/>
+              </a:rPr>
+            </a:br>
+            <a:endParaRPr lang="ko-KR" altLang="en-US" sz="1000" dirty="0"/>
           </a:p>
         </p:txBody>
       </p:sp>
     </p:spTree>
     <p:extLst>
       <p:ext uri="{BB962C8B-B14F-4D97-AF65-F5344CB8AC3E}">
-        <p14:creationId xmlns:p14="http://schemas.microsoft.com/office/powerpoint/2010/main" val="748744262"/>
+        <p14:creationId xmlns:p14="http://schemas.microsoft.com/office/powerpoint/2010/main" val="2750738981"/>
       </p:ext>
     </p:extLst>
   </p:cSld>
@@ -4562,7 +5484,7 @@
           <a:p>
             <a:r>
               <a:rPr lang="ko-KR" altLang="en-US" dirty="0"/>
-              <a:t>이론적 배경</a:t>
+              <a:t>연구 목적</a:t>
             </a:r>
           </a:p>
         </p:txBody>
@@ -4582,286 +5504,43 @@
           <a:bodyPr/>
           <a:lstStyle/>
           <a:p>
-            <a:r>
-              <a:rPr lang="en-US" altLang="ko-KR" dirty="0"/>
-              <a:t>2023</a:t>
-            </a:r>
-            <a:r>
-              <a:rPr lang="ko-KR" altLang="en-US" dirty="0"/>
-              <a:t>년 새로운 규칙 도입</a:t>
+            <a:pPr marL="514350" indent="-514350">
+              <a:buFont typeface="+mj-lt"/>
+              <a:buAutoNum type="arabicPeriod"/>
+            </a:pPr>
+            <a:r>
+              <a:rPr lang="ko-KR" altLang="en-US" dirty="0"/>
+              <a:t>피치 템포에 따른 경기력 비교</a:t>
+            </a:r>
+            <a:r>
+              <a:rPr lang="en-US" altLang="ko-KR" dirty="0"/>
+              <a:t/>
+            </a:r>
+            <a:br>
+              <a:rPr lang="en-US" altLang="ko-KR" dirty="0"/>
+            </a:br>
+            <a:r>
+              <a:rPr lang="ko-KR" altLang="en-US" dirty="0"/>
+              <a:t> </a:t>
             </a:r>
             <a:endParaRPr lang="en-US" altLang="ko-KR" dirty="0"/>
           </a:p>
           <a:p>
-            <a:pPr lvl="1"/>
-            <a:r>
-              <a:rPr lang="ko-KR" altLang="en-US" dirty="0"/>
-              <a:t>시간 제한</a:t>
-            </a:r>
-            <a:r>
-              <a:rPr lang="en-US" altLang="ko-KR" dirty="0"/>
-              <a:t>, </a:t>
-            </a:r>
-            <a:r>
-              <a:rPr lang="ko-KR" altLang="en-US" dirty="0" err="1"/>
-              <a:t>수비시프트</a:t>
-            </a:r>
-            <a:r>
-              <a:rPr lang="ko-KR" altLang="en-US" dirty="0"/>
-              <a:t> 제한</a:t>
-            </a:r>
-            <a:r>
-              <a:rPr lang="en-US" altLang="ko-KR" dirty="0"/>
-              <a:t>, </a:t>
-            </a:r>
-            <a:r>
-              <a:rPr lang="ko-KR" altLang="en-US" dirty="0"/>
-              <a:t>베이스 크기 확대</a:t>
-            </a:r>
-            <a:endParaRPr lang="en-US" altLang="ko-KR" dirty="0"/>
-          </a:p>
-          <a:p>
-            <a:pPr lvl="1"/>
-            <a:r>
-              <a:rPr lang="ko-KR" altLang="en-US" dirty="0"/>
-              <a:t>도입 후 실제 경기 시간 감소</a:t>
-            </a:r>
-            <a:r>
-              <a:rPr lang="en-US" altLang="ko-KR" dirty="0"/>
-              <a:t>, </a:t>
-            </a:r>
-            <a:r>
-              <a:rPr lang="ko-KR" altLang="en-US" dirty="0"/>
-              <a:t>관중 수 증가</a:t>
-            </a:r>
-            <a:endParaRPr lang="en-US" altLang="ko-KR" dirty="0"/>
-          </a:p>
-          <a:p>
-            <a:pPr lvl="1"/>
-            <a:endParaRPr lang="en-US" altLang="ko-KR" dirty="0"/>
-          </a:p>
-          <a:p>
-            <a:r>
-              <a:rPr lang="ko-KR" altLang="en-US" dirty="0"/>
-              <a:t>투수의 경기력 관련 연구 </a:t>
-            </a:r>
-            <a:r>
-              <a:rPr lang="ko-KR" altLang="en-US" dirty="0" err="1"/>
-              <a:t>多</a:t>
-            </a:r>
-            <a:endParaRPr lang="en-US" altLang="ko-KR" dirty="0"/>
-          </a:p>
-          <a:p>
-            <a:pPr lvl="1"/>
-            <a:r>
-              <a:rPr lang="ko-KR" altLang="en-US" dirty="0"/>
-              <a:t>투수의 골반조절이 경기력에 미치는 영향 </a:t>
-            </a:r>
-            <a:r>
-              <a:rPr lang="en-US" altLang="ko-KR" dirty="0"/>
-              <a:t>(Chaudhari, 2011)</a:t>
-            </a:r>
-          </a:p>
-          <a:p>
-            <a:pPr lvl="1"/>
-            <a:r>
-              <a:rPr lang="ko-KR" altLang="en-US" dirty="0"/>
-              <a:t>투구 수 증가에 따른 하지기능 및 투구 능력의 변화 </a:t>
-            </a:r>
-            <a:r>
-              <a:rPr lang="en-US" altLang="ko-KR" dirty="0"/>
-              <a:t>(</a:t>
-            </a:r>
-            <a:r>
-              <a:rPr lang="en-US" altLang="ko-KR" dirty="0" err="1"/>
-              <a:t>Yangisawa</a:t>
-            </a:r>
-            <a:r>
-              <a:rPr lang="en-US" altLang="ko-KR" dirty="0"/>
-              <a:t>, 2018)</a:t>
-            </a:r>
-            <a:br>
-              <a:rPr lang="en-US" altLang="ko-KR" dirty="0"/>
-            </a:br>
-            <a:endParaRPr lang="en-US" altLang="ko-KR" dirty="0"/>
-          </a:p>
-          <a:p>
-            <a:r>
-              <a:rPr lang="en-US" altLang="ko-KR" dirty="0"/>
-              <a:t>But, </a:t>
-            </a:r>
-            <a:r>
-              <a:rPr lang="ko-KR" altLang="en-US" dirty="0" err="1"/>
-              <a:t>피치템포나</a:t>
-            </a:r>
-            <a:r>
-              <a:rPr lang="ko-KR" altLang="en-US" dirty="0"/>
-              <a:t> 피치 클락 관련된 연구 부족</a:t>
-            </a:r>
-            <a:endParaRPr lang="en-US" altLang="ko-KR" dirty="0"/>
-          </a:p>
-          <a:p>
-            <a:endParaRPr lang="en-US" altLang="ko-KR" dirty="0"/>
-          </a:p>
-          <a:p>
-            <a:pPr lvl="1"/>
-            <a:endParaRPr lang="en-US" altLang="ko-KR" dirty="0"/>
-          </a:p>
-        </p:txBody>
-      </p:sp>
-      <p:sp>
-        <p:nvSpPr>
-          <p:cNvPr id="4" name="바닥글 개체 틀 4">
-            <a:extLst>
-              <a:ext uri="{FF2B5EF4-FFF2-40B4-BE49-F238E27FC236}">
-                <a16:creationId xmlns:a16="http://schemas.microsoft.com/office/drawing/2014/main" id="{AA1876E6-F606-F046-4149-18C4398A4097}"/>
-              </a:ext>
-            </a:extLst>
-          </p:cNvPr>
-          <p:cNvSpPr>
-            <a:spLocks noGrp="1"/>
-          </p:cNvSpPr>
-          <p:nvPr>
-            <p:ph type="ftr" sz="quarter" idx="11"/>
-          </p:nvPr>
-        </p:nvSpPr>
-        <p:spPr>
-          <a:xfrm>
-            <a:off x="838200" y="6311900"/>
-            <a:ext cx="9918844" cy="365125"/>
-          </a:xfrm>
-        </p:spPr>
-        <p:txBody>
-          <a:bodyPr/>
-          <a:lstStyle/>
-          <a:p>
-            <a:pPr marL="171450" indent="-171450" algn="l">
-              <a:buFont typeface="Arial" panose="020B0604020202020204" pitchFamily="34" charset="0"/>
-              <a:buChar char="•"/>
+            <a:pPr marL="514350" indent="-514350">
+              <a:buFont typeface="+mj-lt"/>
+              <a:buAutoNum type="arabicPeriod"/>
             </a:pPr>
             <a:r>
-              <a:rPr lang="en-US" sz="1000" b="0" i="0" dirty="0">
-                <a:solidFill>
-                  <a:srgbClr val="222222"/>
-                </a:solidFill>
-                <a:effectLst/>
-                <a:latin typeface="Arial" panose="020B0604020202020204" pitchFamily="34" charset="0"/>
-              </a:rPr>
-              <a:t>Chaudhari, A. M., McKenzie, C. S., Borchers, J. R., &amp; Best, T. M. (2011). Lumbopelvic control and pitching performance of professional baseball pitchers. </a:t>
-            </a:r>
-            <a:r>
-              <a:rPr lang="en-US" sz="1000" b="0" i="1" dirty="0">
-                <a:solidFill>
-                  <a:srgbClr val="222222"/>
-                </a:solidFill>
-                <a:effectLst/>
-                <a:latin typeface="Arial" panose="020B0604020202020204" pitchFamily="34" charset="0"/>
-              </a:rPr>
-              <a:t>The Journal of Strength &amp; Conditioning Research</a:t>
-            </a:r>
-            <a:r>
-              <a:rPr lang="en-US" sz="1000" b="0" i="0" dirty="0">
-                <a:solidFill>
-                  <a:srgbClr val="222222"/>
-                </a:solidFill>
-                <a:effectLst/>
-                <a:latin typeface="Arial" panose="020B0604020202020204" pitchFamily="34" charset="0"/>
-              </a:rPr>
-              <a:t>, </a:t>
-            </a:r>
-            <a:r>
-              <a:rPr lang="en-US" sz="1000" b="0" i="1" dirty="0">
-                <a:solidFill>
-                  <a:srgbClr val="222222"/>
-                </a:solidFill>
-                <a:effectLst/>
-                <a:latin typeface="Arial" panose="020B0604020202020204" pitchFamily="34" charset="0"/>
-              </a:rPr>
-              <a:t>25</a:t>
-            </a:r>
-            <a:r>
-              <a:rPr lang="en-US" sz="1000" b="0" i="0" dirty="0">
-                <a:solidFill>
-                  <a:srgbClr val="222222"/>
-                </a:solidFill>
-                <a:effectLst/>
-                <a:latin typeface="Arial" panose="020B0604020202020204" pitchFamily="34" charset="0"/>
-              </a:rPr>
-              <a:t>(8), 2127-2132.</a:t>
-            </a:r>
-          </a:p>
-          <a:p>
-            <a:pPr marL="171450" indent="-171450" algn="l">
-              <a:buFont typeface="Arial" panose="020B0604020202020204" pitchFamily="34" charset="0"/>
-              <a:buChar char="•"/>
-            </a:pPr>
-            <a:r>
-              <a:rPr lang="en-US" sz="1000" b="0" i="0" dirty="0">
-                <a:solidFill>
-                  <a:srgbClr val="222222"/>
-                </a:solidFill>
-                <a:effectLst/>
-                <a:latin typeface="Arial" panose="020B0604020202020204" pitchFamily="34" charset="0"/>
-              </a:rPr>
-              <a:t>Yanagisawa, O., &amp; Taniguchi, H. (2018). Changes in lower extremity function and pitching performance with increasing numbers of pitches in baseball pitchers. </a:t>
-            </a:r>
-            <a:r>
-              <a:rPr lang="en-US" sz="1000" b="0" i="1" dirty="0">
-                <a:solidFill>
-                  <a:srgbClr val="222222"/>
-                </a:solidFill>
-                <a:effectLst/>
-                <a:latin typeface="Arial" panose="020B0604020202020204" pitchFamily="34" charset="0"/>
-              </a:rPr>
-              <a:t>Journal of exercise rehabilitation</a:t>
-            </a:r>
-            <a:r>
-              <a:rPr lang="en-US" sz="1000" b="0" i="0" dirty="0">
-                <a:solidFill>
-                  <a:srgbClr val="222222"/>
-                </a:solidFill>
-                <a:effectLst/>
-                <a:latin typeface="Arial" panose="020B0604020202020204" pitchFamily="34" charset="0"/>
-              </a:rPr>
-              <a:t>, </a:t>
-            </a:r>
-            <a:r>
-              <a:rPr lang="en-US" sz="1000" b="0" i="1" dirty="0">
-                <a:solidFill>
-                  <a:srgbClr val="222222"/>
-                </a:solidFill>
-                <a:effectLst/>
-                <a:latin typeface="Arial" panose="020B0604020202020204" pitchFamily="34" charset="0"/>
-              </a:rPr>
-              <a:t>14</a:t>
-            </a:r>
-            <a:r>
-              <a:rPr lang="en-US" sz="1000" b="0" i="0" dirty="0">
-                <a:solidFill>
-                  <a:srgbClr val="222222"/>
-                </a:solidFill>
-                <a:effectLst/>
-                <a:latin typeface="Arial" panose="020B0604020202020204" pitchFamily="34" charset="0"/>
-              </a:rPr>
-              <a:t>(3), 430.</a:t>
-            </a:r>
-            <a:br>
-              <a:rPr lang="en-US" sz="1000" b="0" i="0" dirty="0">
-                <a:solidFill>
-                  <a:srgbClr val="222222"/>
-                </a:solidFill>
-                <a:effectLst/>
-                <a:latin typeface="Arial" panose="020B0604020202020204" pitchFamily="34" charset="0"/>
-              </a:rPr>
-            </a:br>
-            <a:endParaRPr lang="ko-KR" altLang="en-US" sz="1000" dirty="0"/>
+              <a:rPr lang="ko-KR" altLang="en-US" dirty="0"/>
+              <a:t>피치 타이머 도입 전과 후의 경기력 비교</a:t>
+            </a:r>
           </a:p>
         </p:txBody>
       </p:sp>
     </p:spTree>
     <p:extLst>
       <p:ext uri="{BB962C8B-B14F-4D97-AF65-F5344CB8AC3E}">
-        <p14:creationId xmlns:p14="http://schemas.microsoft.com/office/powerpoint/2010/main" val="2750738981"/>
+        <p14:creationId xmlns:p14="http://schemas.microsoft.com/office/powerpoint/2010/main" val="3428740657"/>
       </p:ext>
     </p:extLst>
   </p:cSld>
@@ -4905,102 +5584,6 @@
           <a:p>
             <a:r>
               <a:rPr lang="ko-KR" altLang="en-US" dirty="0"/>
-              <a:t>연구 목적</a:t>
-            </a:r>
-          </a:p>
-        </p:txBody>
-      </p:sp>
-      <p:sp>
-        <p:nvSpPr>
-          <p:cNvPr id="3" name="내용 개체 틀 2"/>
-          <p:cNvSpPr>
-            <a:spLocks noGrp="1"/>
-          </p:cNvSpPr>
-          <p:nvPr>
-            <p:ph idx="1"/>
-          </p:nvPr>
-        </p:nvSpPr>
-        <p:spPr/>
-        <p:txBody>
-          <a:bodyPr/>
-          <a:lstStyle/>
-          <a:p>
-            <a:pPr marL="514350" indent="-514350">
-              <a:buFont typeface="+mj-lt"/>
-              <a:buAutoNum type="arabicPeriod"/>
-            </a:pPr>
-            <a:r>
-              <a:rPr lang="ko-KR" altLang="en-US" dirty="0"/>
-              <a:t>피치 템포에 따른 경기력 비교</a:t>
-            </a:r>
-            <a:br>
-              <a:rPr lang="en-US" altLang="ko-KR" dirty="0"/>
-            </a:br>
-            <a:r>
-              <a:rPr lang="ko-KR" altLang="en-US" dirty="0"/>
-              <a:t> </a:t>
-            </a:r>
-            <a:endParaRPr lang="en-US" altLang="ko-KR" dirty="0"/>
-          </a:p>
-          <a:p>
-            <a:pPr marL="514350" indent="-514350">
-              <a:buFont typeface="+mj-lt"/>
-              <a:buAutoNum type="arabicPeriod"/>
-            </a:pPr>
-            <a:r>
-              <a:rPr lang="ko-KR" altLang="en-US" dirty="0"/>
-              <a:t>피치 타이머 도입 전과 후의 경기력 비교</a:t>
-            </a:r>
-          </a:p>
-        </p:txBody>
-      </p:sp>
-    </p:spTree>
-    <p:extLst>
-      <p:ext uri="{BB962C8B-B14F-4D97-AF65-F5344CB8AC3E}">
-        <p14:creationId xmlns:p14="http://schemas.microsoft.com/office/powerpoint/2010/main" val="3428740657"/>
-      </p:ext>
-    </p:extLst>
-  </p:cSld>
-  <p:clrMapOvr>
-    <a:masterClrMapping/>
-  </p:clrMapOvr>
-</p:sld>
-</file>
-
-<file path=ppt/slides/slide6.xml><?xml version="1.0" encoding="utf-8"?>
-<p:sld xmlns:a="http://schemas.openxmlformats.org/drawingml/2006/main" xmlns:r="http://schemas.openxmlformats.org/officeDocument/2006/relationships" xmlns:p="http://schemas.openxmlformats.org/presentationml/2006/main">
-  <p:cSld>
-    <p:spTree>
-      <p:nvGrpSpPr>
-        <p:cNvPr id="1" name=""/>
-        <p:cNvGrpSpPr/>
-        <p:nvPr/>
-      </p:nvGrpSpPr>
-      <p:grpSpPr>
-        <a:xfrm>
-          <a:off x="0" y="0"/>
-          <a:ext cx="0" cy="0"/>
-          <a:chOff x="0" y="0"/>
-          <a:chExt cx="0" cy="0"/>
-        </a:xfrm>
-      </p:grpSpPr>
-      <p:sp>
-        <p:nvSpPr>
-          <p:cNvPr id="2" name="제목 1"/>
-          <p:cNvSpPr>
-            <a:spLocks noGrp="1"/>
-          </p:cNvSpPr>
-          <p:nvPr>
-            <p:ph type="title"/>
-          </p:nvPr>
-        </p:nvSpPr>
-        <p:spPr/>
-        <p:txBody>
-          <a:bodyPr/>
-          <a:lstStyle/>
-          <a:p>
-            <a:r>
-              <a:rPr lang="ko-KR" altLang="en-US" dirty="0"/>
               <a:t>연구 가설</a:t>
             </a:r>
           </a:p>
@@ -5128,6 +5711,10 @@
             <a:br>
               <a:rPr lang="en-US" altLang="ko-KR" dirty="0"/>
             </a:br>
+            <a:r>
+              <a:rPr lang="en-US" altLang="ko-KR" dirty="0"/>
+              <a:t/>
+            </a:r>
             <a:br>
               <a:rPr lang="en-US" altLang="ko-KR" dirty="0"/>
             </a:br>
@@ -5187,7 +5774,7 @@
 </p:sld>
 </file>
 
-<file path=ppt/slides/slide7.xml><?xml version="1.0" encoding="utf-8"?>
+<file path=ppt/slides/slide6.xml><?xml version="1.0" encoding="utf-8"?>
 <p:sld xmlns:a="http://schemas.openxmlformats.org/drawingml/2006/main" xmlns:r="http://schemas.openxmlformats.org/officeDocument/2006/relationships" xmlns:p="http://schemas.openxmlformats.org/presentationml/2006/main">
   <p:cSld>
     <p:spTree>
@@ -5359,6 +5946,10 @@
               <a:rPr lang="ko-KR" altLang="en-US" dirty="0"/>
               <a:t>가지 웹사이트</a:t>
             </a:r>
+            <a:r>
+              <a:rPr lang="en-US" altLang="ko-KR" dirty="0"/>
+              <a:t/>
+            </a:r>
             <a:br>
               <a:rPr lang="en-US" altLang="ko-KR" dirty="0"/>
             </a:br>
@@ -5404,6 +5995,210 @@
     <p:extLst>
       <p:ext uri="{BB962C8B-B14F-4D97-AF65-F5344CB8AC3E}">
         <p14:creationId xmlns:p14="http://schemas.microsoft.com/office/powerpoint/2010/main" val="2999979899"/>
+      </p:ext>
+    </p:extLst>
+  </p:cSld>
+  <p:clrMapOvr>
+    <a:masterClrMapping/>
+  </p:clrMapOvr>
+</p:sld>
+</file>
+
+<file path=ppt/slides/slide7.xml><?xml version="1.0" encoding="utf-8"?>
+<p:sld xmlns:a="http://schemas.openxmlformats.org/drawingml/2006/main" xmlns:r="http://schemas.openxmlformats.org/officeDocument/2006/relationships" xmlns:p="http://schemas.openxmlformats.org/presentationml/2006/main">
+  <p:cSld>
+    <p:spTree>
+      <p:nvGrpSpPr>
+        <p:cNvPr id="1" name=""/>
+        <p:cNvGrpSpPr/>
+        <p:nvPr/>
+      </p:nvGrpSpPr>
+      <p:grpSpPr>
+        <a:xfrm>
+          <a:off x="0" y="0"/>
+          <a:ext cx="0" cy="0"/>
+          <a:chOff x="0" y="0"/>
+          <a:chExt cx="0" cy="0"/>
+        </a:xfrm>
+      </p:grpSpPr>
+      <p:sp>
+        <p:nvSpPr>
+          <p:cNvPr id="2" name="제목 1"/>
+          <p:cNvSpPr>
+            <a:spLocks noGrp="1"/>
+          </p:cNvSpPr>
+          <p:nvPr>
+            <p:ph type="title"/>
+          </p:nvPr>
+        </p:nvSpPr>
+        <p:spPr/>
+        <p:txBody>
+          <a:bodyPr/>
+          <a:lstStyle/>
+          <a:p>
+            <a:r>
+              <a:rPr lang="ko-KR" altLang="en-US" dirty="0"/>
+              <a:t>연구대상</a:t>
+            </a:r>
+          </a:p>
+        </p:txBody>
+      </p:sp>
+      <p:sp>
+        <p:nvSpPr>
+          <p:cNvPr id="3" name="내용 개체 틀 2"/>
+          <p:cNvSpPr>
+            <a:spLocks noGrp="1"/>
+          </p:cNvSpPr>
+          <p:nvPr>
+            <p:ph idx="1"/>
+          </p:nvPr>
+        </p:nvSpPr>
+        <p:spPr/>
+        <p:txBody>
+          <a:bodyPr/>
+          <a:lstStyle/>
+          <a:p>
+            <a:r>
+              <a:rPr lang="ko-KR" altLang="en-US" dirty="0"/>
+              <a:t>피치 타이머 도입 전 </a:t>
+            </a:r>
+            <a:r>
+              <a:rPr lang="en-US" altLang="ko-KR" dirty="0"/>
+              <a:t>2</a:t>
+            </a:r>
+            <a:r>
+              <a:rPr lang="ko-KR" altLang="en-US" dirty="0"/>
+              <a:t>시즌</a:t>
+            </a:r>
+            <a:r>
+              <a:rPr lang="en-US" altLang="ko-KR" dirty="0"/>
+              <a:t>, </a:t>
+            </a:r>
+            <a:r>
+              <a:rPr lang="ko-KR" altLang="en-US" dirty="0"/>
+              <a:t>도입 후 </a:t>
+            </a:r>
+            <a:r>
+              <a:rPr lang="en-US" altLang="ko-KR" dirty="0"/>
+              <a:t>2</a:t>
+            </a:r>
+            <a:r>
+              <a:rPr lang="ko-KR" altLang="en-US" dirty="0"/>
+              <a:t>시즌</a:t>
+            </a:r>
+            <a:endParaRPr lang="en-US" altLang="ko-KR" dirty="0"/>
+          </a:p>
+          <a:p>
+            <a:pPr lvl="1"/>
+            <a:r>
+              <a:rPr lang="en-US" altLang="ko-KR" dirty="0"/>
+              <a:t>2022~2024</a:t>
+            </a:r>
+            <a:br>
+              <a:rPr lang="en-US" altLang="ko-KR" dirty="0"/>
+            </a:br>
+            <a:endParaRPr lang="en-US" altLang="ko-KR" dirty="0"/>
+          </a:p>
+          <a:p>
+            <a:r>
+              <a:rPr lang="en-US" altLang="ko-KR" dirty="0"/>
+              <a:t>4</a:t>
+            </a:r>
+            <a:r>
+              <a:rPr lang="ko-KR" altLang="en-US" dirty="0"/>
+              <a:t>년 동안</a:t>
+            </a:r>
+            <a:r>
+              <a:rPr lang="en-US" altLang="ko-KR" dirty="0"/>
+              <a:t>…</a:t>
+            </a:r>
+          </a:p>
+          <a:p>
+            <a:pPr lvl="1"/>
+            <a:r>
+              <a:rPr lang="ko-KR" altLang="en-US" dirty="0"/>
+              <a:t>규정 이닝</a:t>
+            </a:r>
+            <a:r>
+              <a:rPr lang="en-US" altLang="ko-KR" dirty="0"/>
+              <a:t>(Qualified IP)</a:t>
+            </a:r>
+            <a:r>
+              <a:rPr lang="ko-KR" altLang="en-US" dirty="0"/>
+              <a:t> 만족</a:t>
+            </a:r>
+            <a:endParaRPr lang="en-US" altLang="ko-KR" dirty="0"/>
+          </a:p>
+          <a:p>
+            <a:pPr lvl="1"/>
+            <a:r>
+              <a:rPr lang="ko-KR" altLang="en-US" dirty="0"/>
+              <a:t>한 시즌 투구 수 </a:t>
+            </a:r>
+            <a:r>
+              <a:rPr lang="en-US" altLang="ko-KR" dirty="0"/>
+              <a:t>324(162 * 2)</a:t>
+            </a:r>
+            <a:r>
+              <a:rPr lang="ko-KR" altLang="en-US" dirty="0"/>
+              <a:t>개 이상</a:t>
+            </a:r>
+            <a:endParaRPr lang="en-US" altLang="ko-KR" dirty="0"/>
+          </a:p>
+          <a:p>
+            <a:pPr lvl="1"/>
+            <a:r>
+              <a:rPr lang="ko-KR" altLang="en-US" dirty="0"/>
+              <a:t>등</a:t>
+            </a:r>
+            <a:endParaRPr lang="en-US" altLang="ko-KR" dirty="0"/>
+          </a:p>
+          <a:p>
+            <a:pPr lvl="1"/>
+            <a:endParaRPr lang="en-US" altLang="ko-KR" dirty="0"/>
+          </a:p>
+        </p:txBody>
+      </p:sp>
+      <p:sp>
+        <p:nvSpPr>
+          <p:cNvPr id="5" name="바닥글 개체 틀 4"/>
+          <p:cNvSpPr>
+            <a:spLocks noGrp="1"/>
+          </p:cNvSpPr>
+          <p:nvPr>
+            <p:ph type="ftr" sz="quarter" idx="11"/>
+          </p:nvPr>
+        </p:nvSpPr>
+        <p:spPr>
+          <a:xfrm>
+            <a:off x="838200" y="6311900"/>
+            <a:ext cx="4114800" cy="365125"/>
+          </a:xfrm>
+        </p:spPr>
+        <p:txBody>
+          <a:bodyPr/>
+          <a:lstStyle/>
+          <a:p>
+            <a:r>
+              <a:rPr lang="en-US" altLang="ko-KR" dirty="0">
+                <a:solidFill>
+                  <a:schemeClr val="tx1"/>
+                </a:solidFill>
+              </a:rPr>
+              <a:t>glossary. MLB.com. https://www.mlb.com/glossary</a:t>
+            </a:r>
+            <a:endParaRPr lang="ko-KR" altLang="en-US" dirty="0">
+              <a:solidFill>
+                <a:schemeClr val="tx1"/>
+              </a:solidFill>
+            </a:endParaRPr>
+          </a:p>
+        </p:txBody>
+      </p:sp>
+    </p:spTree>
+    <p:extLst>
+      <p:ext uri="{BB962C8B-B14F-4D97-AF65-F5344CB8AC3E}">
+        <p14:creationId xmlns:p14="http://schemas.microsoft.com/office/powerpoint/2010/main" val="2755084847"/>
       </p:ext>
     </p:extLst>
   </p:cSld>
@@ -5447,7 +6242,7 @@
           <a:p>
             <a:r>
               <a:rPr lang="ko-KR" altLang="en-US" dirty="0"/>
-              <a:t>연구대상</a:t>
+              <a:t>지표 선정</a:t>
             </a:r>
           </a:p>
         </p:txBody>
@@ -5469,96 +6264,53 @@
           <a:p>
             <a:r>
               <a:rPr lang="ko-KR" altLang="en-US" dirty="0"/>
-              <a:t>피치 타이머 도입 전 </a:t>
-            </a:r>
-            <a:r>
-              <a:rPr lang="en-US" altLang="ko-KR" dirty="0"/>
-              <a:t>2</a:t>
-            </a:r>
-            <a:r>
-              <a:rPr lang="ko-KR" altLang="en-US" dirty="0"/>
-              <a:t>시즌</a:t>
-            </a:r>
-            <a:r>
-              <a:rPr lang="en-US" altLang="ko-KR" dirty="0"/>
-              <a:t>, </a:t>
-            </a:r>
-            <a:r>
-              <a:rPr lang="ko-KR" altLang="en-US" dirty="0"/>
-              <a:t>도입 후 </a:t>
-            </a:r>
-            <a:r>
-              <a:rPr lang="en-US" altLang="ko-KR" dirty="0"/>
-              <a:t>2</a:t>
-            </a:r>
-            <a:r>
-              <a:rPr lang="ko-KR" altLang="en-US" dirty="0"/>
-              <a:t>시즌</a:t>
-            </a:r>
+              <a:t>경기력이라는 추상적인 개념을 대표할 수 있는 지표 선정</a:t>
+            </a:r>
+            <a:r>
+              <a:rPr lang="en-US" altLang="ko-KR" dirty="0"/>
+              <a:t/>
+            </a:r>
+            <a:br>
+              <a:rPr lang="en-US" altLang="ko-KR" dirty="0"/>
+            </a:br>
             <a:endParaRPr lang="en-US" altLang="ko-KR" dirty="0"/>
           </a:p>
           <a:p>
             <a:pPr lvl="1"/>
             <a:r>
               <a:rPr lang="en-US" altLang="ko-KR" dirty="0"/>
-              <a:t>2022~2024</a:t>
-            </a:r>
-            <a:br>
-              <a:rPr lang="en-US" altLang="ko-KR" dirty="0"/>
-            </a:br>
+              <a:t>Standard Stats</a:t>
+            </a:r>
+          </a:p>
+          <a:p>
+            <a:pPr lvl="2"/>
+            <a:r>
+              <a:rPr lang="ko-KR" altLang="en-US" dirty="0"/>
+              <a:t>평균자책점</a:t>
+            </a:r>
+            <a:r>
+              <a:rPr lang="en-US" altLang="ko-KR" dirty="0"/>
+              <a:t>(ERA) : 9</a:t>
+            </a:r>
+            <a:r>
+              <a:rPr lang="ko-KR" altLang="en-US" dirty="0"/>
+              <a:t>이닝 당 허용한 점수</a:t>
+            </a:r>
             <a:endParaRPr lang="en-US" altLang="ko-KR" dirty="0"/>
           </a:p>
           <a:p>
-            <a:r>
-              <a:rPr lang="en-US" altLang="ko-KR" dirty="0"/>
-              <a:t>4</a:t>
-            </a:r>
-            <a:r>
-              <a:rPr lang="ko-KR" altLang="en-US" dirty="0"/>
-              <a:t>년 동안</a:t>
-            </a:r>
-            <a:r>
-              <a:rPr lang="en-US" altLang="ko-KR" dirty="0"/>
-              <a:t>…</a:t>
-            </a:r>
-          </a:p>
-          <a:p>
-            <a:pPr lvl="1"/>
-            <a:r>
-              <a:rPr lang="ko-KR" altLang="en-US" dirty="0"/>
-              <a:t>규정 이닝</a:t>
-            </a:r>
-            <a:r>
-              <a:rPr lang="en-US" altLang="ko-KR" dirty="0"/>
-              <a:t>(Qualified IP)</a:t>
-            </a:r>
-            <a:r>
-              <a:rPr lang="ko-KR" altLang="en-US" dirty="0"/>
-              <a:t> 만족</a:t>
-            </a:r>
-            <a:endParaRPr lang="en-US" altLang="ko-KR" dirty="0"/>
-          </a:p>
-          <a:p>
-            <a:pPr lvl="1"/>
-            <a:r>
-              <a:rPr lang="ko-KR" altLang="en-US" dirty="0"/>
-              <a:t>한 시즌 투구 수 </a:t>
-            </a:r>
-            <a:r>
-              <a:rPr lang="en-US" altLang="ko-KR" dirty="0"/>
-              <a:t>324(162 * 2)</a:t>
-            </a:r>
-            <a:r>
-              <a:rPr lang="ko-KR" altLang="en-US" dirty="0"/>
-              <a:t>개 이상</a:t>
-            </a:r>
-            <a:endParaRPr lang="en-US" altLang="ko-KR" dirty="0"/>
-          </a:p>
-          <a:p>
-            <a:pPr lvl="1"/>
-            <a:r>
-              <a:rPr lang="ko-KR" altLang="en-US" dirty="0"/>
-              <a:t>등</a:t>
+            <a:pPr lvl="2"/>
+            <a:r>
+              <a:rPr lang="ko-KR" altLang="en-US" dirty="0"/>
+              <a:t>피안타율</a:t>
+            </a:r>
+            <a:r>
+              <a:rPr lang="en-US" altLang="ko-KR" dirty="0"/>
+              <a:t>(WHIP) : 1</a:t>
+            </a:r>
+            <a:r>
+              <a:rPr lang="ko-KR" altLang="en-US" dirty="0"/>
+              <a:t>이닝 당 허용한 볼넷 혹은 안타</a:t>
             </a:r>
             <a:endParaRPr lang="en-US" altLang="ko-KR" dirty="0"/>
           </a:p>
@@ -5566,11 +6318,65 @@
             <a:pPr lvl="1"/>
             <a:endParaRPr lang="en-US" altLang="ko-KR" dirty="0"/>
           </a:p>
-        </p:txBody>
-      </p:sp>
-      <p:sp>
-        <p:nvSpPr>
-          <p:cNvPr id="5" name="바닥글 개체 틀 4"/>
+          <a:p>
+            <a:pPr lvl="1"/>
+            <a:r>
+              <a:rPr lang="en-US" altLang="ko-KR" dirty="0" err="1"/>
+              <a:t>Statcast</a:t>
+            </a:r>
+            <a:endParaRPr lang="en-US" altLang="ko-KR" dirty="0"/>
+          </a:p>
+          <a:p>
+            <a:pPr lvl="2"/>
+            <a:r>
+              <a:rPr lang="ko-KR" altLang="en-US" dirty="0"/>
+              <a:t>구속</a:t>
+            </a:r>
+            <a:r>
+              <a:rPr lang="en-US" altLang="ko-KR" dirty="0"/>
+              <a:t>(Velocity) : </a:t>
+            </a:r>
+            <a:r>
+              <a:rPr lang="ko-KR" altLang="en-US" dirty="0"/>
+              <a:t>투수가 공을 던진 순간부터 홈플레이트를 통과하는 순간까지의 </a:t>
+            </a:r>
+            <a:r>
+              <a:rPr lang="ko-KR" altLang="en-US" dirty="0" err="1"/>
+              <a:t>최대속도</a:t>
+            </a:r>
+            <a:endParaRPr lang="en-US" altLang="ko-KR" dirty="0"/>
+          </a:p>
+          <a:p>
+            <a:pPr lvl="2"/>
+            <a:r>
+              <a:rPr lang="ko-KR" altLang="en-US" dirty="0" err="1"/>
+              <a:t>회전수</a:t>
+            </a:r>
+            <a:r>
+              <a:rPr lang="en-US" altLang="ko-KR" dirty="0"/>
+              <a:t>(Spin Rate) : </a:t>
+            </a:r>
+            <a:r>
+              <a:rPr lang="ko-KR" altLang="en-US" dirty="0"/>
+              <a:t>공이 던져진 후의 분당 </a:t>
+            </a:r>
+            <a:r>
+              <a:rPr lang="ko-KR" altLang="en-US" dirty="0" err="1"/>
+              <a:t>회전수</a:t>
+            </a:r>
+            <a:endParaRPr lang="en-US" altLang="ko-KR" dirty="0"/>
+          </a:p>
+          <a:p>
+            <a:endParaRPr lang="en-US" altLang="ko-KR" dirty="0"/>
+          </a:p>
+          <a:p>
+            <a:endParaRPr lang="ko-KR" altLang="en-US" dirty="0"/>
+          </a:p>
+        </p:txBody>
+      </p:sp>
+      <p:sp>
+        <p:nvSpPr>
+          <p:cNvPr id="6" name="바닥글 개체 틀 4"/>
           <p:cNvSpPr>
             <a:spLocks noGrp="1"/>
           </p:cNvSpPr>
@@ -5607,7 +6413,7 @@
     </p:spTree>
     <p:extLst>
       <p:ext uri="{BB962C8B-B14F-4D97-AF65-F5344CB8AC3E}">
-        <p14:creationId xmlns:p14="http://schemas.microsoft.com/office/powerpoint/2010/main" val="2755084847"/>
+        <p14:creationId xmlns:p14="http://schemas.microsoft.com/office/powerpoint/2010/main" val="1240441739"/>
       </p:ext>
     </p:extLst>
   </p:cSld>
@@ -5650,8 +6456,8 @@
           <a:lstStyle/>
           <a:p>
             <a:r>
-              <a:rPr lang="ko-KR" altLang="en-US" dirty="0"/>
-              <a:t>지표 선정</a:t>
+              <a:rPr lang="ko-KR" altLang="en-US"/>
+              <a:t>예상 결과 및 기대 효과</a:t>
             </a:r>
           </a:p>
         </p:txBody>
@@ -5673,152 +6479,84 @@
           <a:p>
             <a:r>
               <a:rPr lang="ko-KR" altLang="en-US" dirty="0"/>
-              <a:t>경기력이라는 추상적인 개념을 대표할 수 있는 지표 선정</a:t>
-            </a:r>
-            <a:br>
-              <a:rPr lang="en-US" altLang="ko-KR" dirty="0"/>
-            </a:br>
+              <a:t>피치 템포에 따라 경기력에 차이가 있을 것으로 예상</a:t>
+            </a:r>
             <a:endParaRPr lang="en-US" altLang="ko-KR" dirty="0"/>
           </a:p>
           <a:p>
             <a:pPr lvl="1"/>
             <a:r>
-              <a:rPr lang="en-US" altLang="ko-KR" dirty="0"/>
-              <a:t>Standard Stats</a:t>
-            </a:r>
-          </a:p>
-          <a:p>
-            <a:pPr lvl="2"/>
-            <a:r>
-              <a:rPr lang="ko-KR" altLang="en-US" dirty="0"/>
-              <a:t>평균자책점</a:t>
-            </a:r>
-            <a:r>
-              <a:rPr lang="en-US" altLang="ko-KR" dirty="0"/>
-              <a:t>(ERA) : 9</a:t>
-            </a:r>
-            <a:r>
-              <a:rPr lang="ko-KR" altLang="en-US" dirty="0"/>
-              <a:t>이닝 당 허용한 점수</a:t>
-            </a:r>
+              <a:rPr lang="ko-KR" altLang="en-US" dirty="0"/>
+              <a:t>경기력을 위해 피치 템포에 대한 훈련이 필요함을 시사</a:t>
+            </a:r>
+            <a:r>
+              <a:rPr lang="en-US" altLang="ko-KR" dirty="0"/>
+              <a:t/>
+            </a:r>
+            <a:br>
+              <a:rPr lang="en-US" altLang="ko-KR" dirty="0"/>
+            </a:br>
+            <a:r>
+              <a:rPr lang="en-US" altLang="ko-KR" dirty="0"/>
+              <a:t/>
+            </a:r>
+            <a:br>
+              <a:rPr lang="en-US" altLang="ko-KR" dirty="0"/>
+            </a:br>
             <a:endParaRPr lang="en-US" altLang="ko-KR" dirty="0"/>
           </a:p>
           <a:p>
-            <a:pPr lvl="2"/>
-            <a:r>
-              <a:rPr lang="ko-KR" altLang="en-US" dirty="0"/>
-              <a:t>피안타율</a:t>
-            </a:r>
-            <a:r>
-              <a:rPr lang="en-US" altLang="ko-KR" dirty="0"/>
-              <a:t>(WHIP) : 1</a:t>
-            </a:r>
-            <a:r>
-              <a:rPr lang="ko-KR" altLang="en-US" dirty="0"/>
-              <a:t>이닝 당 허용한 볼넷 혹은 안타</a:t>
+            <a:r>
+              <a:rPr lang="ko-KR" altLang="en-US" dirty="0"/>
+              <a:t>피치 타이머 도입 후에 피치 템포 </a:t>
+            </a:r>
+            <a:r>
+              <a:rPr lang="ko-KR" altLang="en-US" dirty="0" err="1"/>
+              <a:t>변화량이</a:t>
+            </a:r>
+            <a:r>
+              <a:rPr lang="ko-KR" altLang="en-US" dirty="0"/>
+              <a:t> 큰 선수들의 경기력이 더 많이 감소했을 것으로 예상</a:t>
             </a:r>
             <a:endParaRPr lang="en-US" altLang="ko-KR" dirty="0"/>
           </a:p>
           <a:p>
             <a:pPr lvl="1"/>
+            <a:r>
+              <a:rPr lang="en-US" altLang="ko-KR" dirty="0"/>
+              <a:t>MLB</a:t>
+            </a:r>
+            <a:r>
+              <a:rPr lang="ko-KR" altLang="en-US" dirty="0"/>
+              <a:t>에 진출하길 희망하는 선수들에게 </a:t>
+            </a:r>
+            <a:r>
+              <a:rPr lang="ko-KR" altLang="en-US" dirty="0" err="1"/>
+              <a:t>의미있는</a:t>
+            </a:r>
+            <a:r>
+              <a:rPr lang="ko-KR" altLang="en-US" dirty="0"/>
+              <a:t> 연구결과가 </a:t>
+            </a:r>
+            <a:r>
+              <a:rPr lang="en-US" altLang="ko-KR" dirty="0"/>
+              <a:t/>
+            </a:r>
+            <a:br>
+              <a:rPr lang="en-US" altLang="ko-KR" dirty="0"/>
+            </a:br>
+            <a:r>
+              <a:rPr lang="ko-KR" altLang="en-US" dirty="0"/>
+              <a:t>될 수 있음</a:t>
+            </a:r>
             <a:endParaRPr lang="en-US" altLang="ko-KR" dirty="0"/>
-          </a:p>
-          <a:p>
-            <a:pPr lvl="1"/>
-            <a:r>
-              <a:rPr lang="en-US" altLang="ko-KR" dirty="0" err="1"/>
-              <a:t>Statcast</a:t>
-            </a:r>
-            <a:endParaRPr lang="en-US" altLang="ko-KR" dirty="0"/>
-          </a:p>
-          <a:p>
-            <a:pPr lvl="2"/>
-            <a:r>
-              <a:rPr lang="ko-KR" altLang="en-US" dirty="0"/>
-              <a:t>구속</a:t>
-            </a:r>
-            <a:r>
-              <a:rPr lang="en-US" altLang="ko-KR" dirty="0"/>
-              <a:t>(Velocity) : </a:t>
-            </a:r>
-            <a:r>
-              <a:rPr lang="ko-KR" altLang="en-US" dirty="0"/>
-              <a:t>투수가 공을 던진 순간부터 홈플레이트를 통과하는 순간까지의 </a:t>
-            </a:r>
-            <a:r>
-              <a:rPr lang="ko-KR" altLang="en-US" dirty="0" err="1"/>
-              <a:t>최대속도</a:t>
-            </a:r>
-            <a:endParaRPr lang="en-US" altLang="ko-KR" dirty="0"/>
-          </a:p>
-          <a:p>
-            <a:pPr lvl="2"/>
-            <a:r>
-              <a:rPr lang="ko-KR" altLang="en-US" dirty="0" err="1"/>
-              <a:t>회전수</a:t>
-            </a:r>
-            <a:r>
-              <a:rPr lang="en-US" altLang="ko-KR" dirty="0"/>
-              <a:t>(Spin Rate) : </a:t>
-            </a:r>
-            <a:r>
-              <a:rPr lang="ko-KR" altLang="en-US" dirty="0"/>
-              <a:t>공이 던져진 후의 분당 </a:t>
-            </a:r>
-            <a:r>
-              <a:rPr lang="ko-KR" altLang="en-US" dirty="0" err="1"/>
-              <a:t>회전수</a:t>
-            </a:r>
-            <a:endParaRPr lang="en-US" altLang="ko-KR" dirty="0"/>
-          </a:p>
-          <a:p>
-            <a:endParaRPr lang="en-US" altLang="ko-KR" dirty="0"/>
-          </a:p>
-          <a:p>
-            <a:endParaRPr lang="ko-KR" altLang="en-US" dirty="0"/>
-          </a:p>
-        </p:txBody>
-      </p:sp>
-      <p:sp>
-        <p:nvSpPr>
-          <p:cNvPr id="6" name="바닥글 개체 틀 4"/>
-          <p:cNvSpPr>
-            <a:spLocks noGrp="1"/>
-          </p:cNvSpPr>
-          <p:nvPr>
-            <p:ph type="ftr" sz="quarter" idx="11"/>
-          </p:nvPr>
-        </p:nvSpPr>
-        <p:spPr>
-          <a:xfrm>
-            <a:off x="838200" y="6311900"/>
-            <a:ext cx="4114800" cy="365125"/>
-          </a:xfrm>
-        </p:spPr>
-        <p:txBody>
-          <a:bodyPr/>
-          <a:lstStyle/>
-          <a:p>
-            <a:r>
-              <a:rPr lang="en-US" altLang="ko-KR" dirty="0">
-                <a:solidFill>
-                  <a:schemeClr val="tx1"/>
-                </a:solidFill>
-              </a:rPr>
-              <a:t>glossary. MLB.com. https://www.mlb.com/glossary</a:t>
-            </a:r>
-            <a:endParaRPr lang="ko-KR" altLang="en-US" dirty="0">
-              <a:solidFill>
-                <a:schemeClr val="tx1"/>
-              </a:solidFill>
-            </a:endParaRPr>
           </a:p>
         </p:txBody>
       </p:sp>
     </p:spTree>
     <p:extLst>
       <p:ext uri="{BB962C8B-B14F-4D97-AF65-F5344CB8AC3E}">
-        <p14:creationId xmlns:p14="http://schemas.microsoft.com/office/powerpoint/2010/main" val="1240441739"/>
+        <p14:creationId xmlns:p14="http://schemas.microsoft.com/office/powerpoint/2010/main" val="18675565"/>
       </p:ext>
     </p:extLst>
   </p:cSld>
